--- a/Marco_Teorico_Aprendizaje_Web.pptx
+++ b/Marco_Teorico_Aprendizaje_Web.pptx
@@ -4,9 +4,12 @@
   <p:sldMasterIdLst>
     <p:sldMasterId id="2147483648" r:id="rId1"/>
   </p:sldMasterIdLst>
+  <p:notesMasterIdLst>
+    <p:notesMasterId r:id="rId15"/>
+  </p:notesMasterIdLst>
   <p:sldIdLst>
     <p:sldId id="256" r:id="rId2"/>
-    <p:sldId id="257" r:id="rId3"/>
+    <p:sldId id="270" r:id="rId3"/>
     <p:sldId id="258" r:id="rId4"/>
     <p:sldId id="259" r:id="rId5"/>
     <p:sldId id="260" r:id="rId6"/>
@@ -19,10 +22,7 @@
     <p:sldId id="267" r:id="rId13"/>
     <p:sldId id="268" r:id="rId14"/>
   </p:sldIdLst>
-  <p:notesMasterIdLst>
-    <p:notesMasterId r:id="rId15"/>
-  </p:notesMasterIdLst>
-  <p:sldSz cx="9144000" cy="5143500"/>
+  <p:sldSz cx="9144000" cy="5143500" type="screen16x9"/>
   <p:notesSz cx="5143500" cy="9144000"/>
   <p:defaultTextStyle>
     <a:lvl1pPr marL="0" algn="l" defTabSz="914400" rtl="0" eaLnBrk="1" latinLnBrk="0" hangingPunct="1">
@@ -116,6 +116,11 @@
       </a:defRPr>
     </a:lvl9pPr>
   </p:defaultTextStyle>
+  <p:extLst>
+    <p:ext uri="{EFAFB233-063F-42B5-8137-9DF3F51BA10A}">
+      <p15:sldGuideLst xmlns:p15="http://schemas.microsoft.com/office/powerpoint/2012/main"/>
+    </p:ext>
+  </p:extLst>
 </p:presentation>
 </file>
 
@@ -141,234 +146,10 @@
           <a:chExt cx="0" cy="0"/>
         </a:xfrm>
       </p:grpSpPr>
-      <p:sp>
-        <p:nvSpPr>
-          <p:cNvPr id="2" name="Header Placeholder 1"/>
-          <p:cNvSpPr>
-            <a:spLocks noGrp="1"/>
-          </p:cNvSpPr>
-          <p:nvPr>
-            <p:ph type="hdr" sz="quarter"/>
-          </p:nvPr>
-        </p:nvSpPr>
-        <p:spPr>
-          <a:xfrm>
-            <a:off x="0" y="0"/>
-            <a:ext cx="2971800" cy="458788"/>
-          </a:xfrm>
-          <a:prstGeom prst="rect">
-            <a:avLst/>
-          </a:prstGeom>
-        </p:spPr>
-        <p:txBody>
-          <a:bodyPr vert="horz" lIns="91440" tIns="45720" rIns="91440" bIns="45720" rtlCol="0"/>
-          <a:lstStyle>
-            <a:lvl1pPr algn="l">
-              <a:defRPr sz="1200"/>
-            </a:lvl1pPr>
-          </a:lstStyle>
-          <a:p>
-            <a:endParaRPr lang="en-US"/>
-          </a:p>
-        </p:txBody>
-      </p:sp>
-      <p:sp>
-        <p:nvSpPr>
-          <p:cNvPr id="3" name="Date Placeholder 2"/>
-          <p:cNvSpPr>
-            <a:spLocks noGrp="1"/>
-          </p:cNvSpPr>
-          <p:nvPr>
-            <p:ph type="dt" idx="1"/>
-          </p:nvPr>
-        </p:nvSpPr>
-        <p:spPr>
-          <a:xfrm>
-            <a:off x="3884613" y="0"/>
-            <a:ext cx="2971800" cy="458788"/>
-          </a:xfrm>
-          <a:prstGeom prst="rect">
-            <a:avLst/>
-          </a:prstGeom>
-        </p:spPr>
-        <p:txBody>
-          <a:bodyPr vert="horz" lIns="91440" tIns="45720" rIns="91440" bIns="45720" rtlCol="0"/>
-          <a:lstStyle>
-            <a:lvl1pPr algn="r">
-              <a:defRPr sz="1200"/>
-            </a:lvl1pPr>
-          </a:lstStyle>
-          <a:p>
-            <a:fld id="{5282F153-3F37-0F45-9E97-73ACFA13230C}" type="datetimeFigureOut">
-              <a:rPr lang="en-US"/>
-              <a:t>7/23/19</a:t>
-            </a:fld>
-            <a:endParaRPr lang="en-US"/>
-          </a:p>
-        </p:txBody>
-      </p:sp>
-      <p:sp>
-        <p:nvSpPr>
-          <p:cNvPr id="4" name="Slide Image Placeholder 3"/>
-          <p:cNvSpPr>
-            <a:spLocks noGrp="1" noRot="1" noChangeAspect="1"/>
-          </p:cNvSpPr>
-          <p:nvPr>
-            <p:ph type="sldImg" idx="2"/>
-          </p:nvPr>
-        </p:nvSpPr>
-        <p:spPr>
-          <a:xfrm>
-            <a:off x="685800" y="1143000"/>
-            <a:ext cx="5486400" cy="3086100"/>
-          </a:xfrm>
-          <a:prstGeom prst="rect">
-            <a:avLst/>
-          </a:prstGeom>
-          <a:noFill/>
-          <a:ln w="12700">
-            <a:solidFill>
-              <a:prstClr val="black"/>
-            </a:solidFill>
-          </a:ln>
-        </p:spPr>
-        <p:txBody>
-          <a:bodyPr vert="horz" lIns="91440" tIns="45720" rIns="91440" bIns="45720" rtlCol="0" anchor="ctr"/>
-          <a:lstStyle/>
-          <a:p>
-            <a:endParaRPr lang="en-US"/>
-          </a:p>
-        </p:txBody>
-      </p:sp>
-      <p:sp>
-        <p:nvSpPr>
-          <p:cNvPr id="5" name="Notes Placeholder 4"/>
-          <p:cNvSpPr>
-            <a:spLocks noGrp="1"/>
-          </p:cNvSpPr>
-          <p:nvPr>
-            <p:ph type="body" sz="quarter" idx="3"/>
-          </p:nvPr>
-        </p:nvSpPr>
-        <p:spPr>
-          <a:xfrm>
-            <a:off x="685800" y="4400550"/>
-            <a:ext cx="5486400" cy="3600450"/>
-          </a:xfrm>
-          <a:prstGeom prst="rect">
-            <a:avLst/>
-          </a:prstGeom>
-        </p:spPr>
-        <p:txBody>
-          <a:bodyPr vert="horz" lIns="91440" tIns="45720" rIns="91440" bIns="45720" rtlCol="0"/>
-          <a:lstStyle/>
-          <a:p>
-            <a:pPr lvl="0"/>
-            <a:r>
-              <a:rPr lang="en-US"/>
-              <a:t>Click to edit Master text styles</a:t>
-            </a:r>
-          </a:p>
-          <a:p>
-            <a:pPr lvl="1"/>
-            <a:r>
-              <a:rPr lang="en-US"/>
-              <a:t>Second level</a:t>
-            </a:r>
-          </a:p>
-          <a:p>
-            <a:pPr lvl="2"/>
-            <a:r>
-              <a:rPr lang="en-US"/>
-              <a:t>Third level</a:t>
-            </a:r>
-          </a:p>
-          <a:p>
-            <a:pPr lvl="3"/>
-            <a:r>
-              <a:rPr lang="en-US"/>
-              <a:t>Fourth level</a:t>
-            </a:r>
-          </a:p>
-          <a:p>
-            <a:pPr lvl="4"/>
-            <a:r>
-              <a:rPr lang="en-US"/>
-              <a:t>Fifth level</a:t>
-            </a:r>
-          </a:p>
-        </p:txBody>
-      </p:sp>
-      <p:sp>
-        <p:nvSpPr>
-          <p:cNvPr id="6" name="Footer Placeholder 5"/>
-          <p:cNvSpPr>
-            <a:spLocks noGrp="1"/>
-          </p:cNvSpPr>
-          <p:nvPr>
-            <p:ph type="ftr" sz="quarter" idx="4"/>
-          </p:nvPr>
-        </p:nvSpPr>
-        <p:spPr>
-          <a:xfrm>
-            <a:off x="0" y="8685213"/>
-            <a:ext cx="2971800" cy="458787"/>
-          </a:xfrm>
-          <a:prstGeom prst="rect">
-            <a:avLst/>
-          </a:prstGeom>
-        </p:spPr>
-        <p:txBody>
-          <a:bodyPr vert="horz" lIns="91440" tIns="45720" rIns="91440" bIns="45720" rtlCol="0" anchor="b"/>
-          <a:lstStyle>
-            <a:lvl1pPr algn="l">
-              <a:defRPr sz="1200"/>
-            </a:lvl1pPr>
-          </a:lstStyle>
-          <a:p>
-            <a:endParaRPr lang="en-US"/>
-          </a:p>
-        </p:txBody>
-      </p:sp>
-      <p:sp>
-        <p:nvSpPr>
-          <p:cNvPr id="7" name="Slide Number Placeholder 6"/>
-          <p:cNvSpPr>
-            <a:spLocks noGrp="1"/>
-          </p:cNvSpPr>
-          <p:nvPr>
-            <p:ph type="sldNum" sz="quarter" idx="5"/>
-          </p:nvPr>
-        </p:nvSpPr>
-        <p:spPr>
-          <a:xfrm>
-            <a:off x="3884613" y="8685213"/>
-            <a:ext cx="2971800" cy="458787"/>
-          </a:xfrm>
-          <a:prstGeom prst="rect">
-            <a:avLst/>
-          </a:prstGeom>
-        </p:spPr>
-        <p:txBody>
-          <a:bodyPr vert="horz" lIns="91440" tIns="45720" rIns="91440" bIns="45720" rtlCol="0" anchor="b"/>
-          <a:lstStyle>
-            <a:lvl1pPr algn="r">
-              <a:defRPr sz="1200"/>
-            </a:lvl1pPr>
-          </a:lstStyle>
-          <a:p>
-            <a:fld id="{CE5E9CC1-C706-0F49-92D6-E571CC5EEA8F}" type="slidenum">
-              <a:rPr lang="en-US"/>
-              <a:t>‹#›</a:t>
-            </a:fld>
-            <a:endParaRPr lang="en-US"/>
-          </a:p>
-        </p:txBody>
-      </p:sp>
     </p:spTree>
     <p:extLst>
       <p:ext uri="{BB962C8B-B14F-4D97-AF65-F5344CB8AC3E}">
-        <p14:creationId xmlns:p14="http://schemas.microsoft.com/office/powerpoint/2010/main" val="1024086991"/>
+        <p14:creationId xmlns:p14="http://schemas.microsoft.com/office/powerpoint/2010/main" val="704266734"/>
       </p:ext>
     </p:extLst>
   </p:cSld>
@@ -512,10 +293,6 @@
           <a:bodyPr/>
           <a:lstStyle/>
           <a:p>
-            <a:r>
-              <a:rPr lang="en-US" dirty="0"/>
-              <a:t/>
-            </a:r>
             <a:endParaRPr lang="en-US" dirty="0"/>
           </a:p>
         </p:txBody>
@@ -600,10 +377,6 @@
           <a:bodyPr/>
           <a:lstStyle/>
           <a:p>
-            <a:r>
-              <a:rPr lang="en-US" dirty="0"/>
-              <a:t/>
-            </a:r>
             <a:endParaRPr lang="en-US" dirty="0"/>
           </a:p>
         </p:txBody>
@@ -688,10 +461,6 @@
           <a:bodyPr/>
           <a:lstStyle/>
           <a:p>
-            <a:r>
-              <a:rPr lang="en-US" dirty="0"/>
-              <a:t/>
-            </a:r>
             <a:endParaRPr lang="en-US" dirty="0"/>
           </a:p>
         </p:txBody>
@@ -776,10 +545,6 @@
           <a:bodyPr/>
           <a:lstStyle/>
           <a:p>
-            <a:r>
-              <a:rPr lang="en-US" dirty="0"/>
-              <a:t/>
-            </a:r>
             <a:endParaRPr lang="en-US" dirty="0"/>
           </a:p>
         </p:txBody>
@@ -864,10 +629,6 @@
           <a:bodyPr/>
           <a:lstStyle/>
           <a:p>
-            <a:r>
-              <a:rPr lang="en-US" dirty="0"/>
-              <a:t/>
-            </a:r>
             <a:endParaRPr lang="en-US" dirty="0"/>
           </a:p>
         </p:txBody>
@@ -913,7 +674,13 @@
   <p:cSld>
     <p:spTree>
       <p:nvGrpSpPr>
-        <p:cNvPr id="1" name=""/>
+        <p:cNvPr id="1" name="">
+          <a:extLst>
+            <a:ext uri="{FF2B5EF4-FFF2-40B4-BE49-F238E27FC236}">
+              <a16:creationId xmlns:a16="http://schemas.microsoft.com/office/drawing/2014/main" id="{B3FA3790-19DA-DE84-06CA-91A7663FE533}"/>
+            </a:ext>
+          </a:extLst>
+        </p:cNvPr>
         <p:cNvGrpSpPr/>
         <p:nvPr/>
       </p:nvGrpSpPr>
@@ -927,7 +694,13 @@
       </p:grpSpPr>
       <p:sp>
         <p:nvSpPr>
-          <p:cNvPr id="2" name="Slide Image Placeholder 1"/>
+          <p:cNvPr id="2" name="Slide Image Placeholder 1">
+            <a:extLst>
+              <a:ext uri="{FF2B5EF4-FFF2-40B4-BE49-F238E27FC236}">
+                <a16:creationId xmlns:a16="http://schemas.microsoft.com/office/drawing/2014/main" id="{EDB666B6-71BF-2C04-0738-570BBFB5AEAC}"/>
+              </a:ext>
+            </a:extLst>
+          </p:cNvPr>
           <p:cNvSpPr>
             <a:spLocks noGrp="1" noRot="1" noChangeAspect="1"/>
           </p:cNvSpPr>
@@ -939,7 +712,13 @@
       </p:sp>
       <p:sp>
         <p:nvSpPr>
-          <p:cNvPr id="3" name="Notes Placeholder 2"/>
+          <p:cNvPr id="3" name="Notes Placeholder 2">
+            <a:extLst>
+              <a:ext uri="{FF2B5EF4-FFF2-40B4-BE49-F238E27FC236}">
+                <a16:creationId xmlns:a16="http://schemas.microsoft.com/office/drawing/2014/main" id="{66B88026-B801-BB2B-C3A0-9EA7BA90CBD5}"/>
+              </a:ext>
+            </a:extLst>
+          </p:cNvPr>
           <p:cNvSpPr>
             <a:spLocks noGrp="1"/>
           </p:cNvSpPr>
@@ -952,17 +731,19 @@
           <a:bodyPr/>
           <a:lstStyle/>
           <a:p>
-            <a:r>
-              <a:rPr lang="en-US" dirty="0"/>
-              <a:t/>
-            </a:r>
             <a:endParaRPr lang="en-US" dirty="0"/>
           </a:p>
         </p:txBody>
       </p:sp>
       <p:sp>
         <p:nvSpPr>
-          <p:cNvPr id="4" name="Slide Number Placeholder 3"/>
+          <p:cNvPr id="4" name="Slide Number Placeholder 3">
+            <a:extLst>
+              <a:ext uri="{FF2B5EF4-FFF2-40B4-BE49-F238E27FC236}">
+                <a16:creationId xmlns:a16="http://schemas.microsoft.com/office/drawing/2014/main" id="{EA62DB86-E06A-EE3E-24AA-E9A587D6BD09}"/>
+              </a:ext>
+            </a:extLst>
+          </p:cNvPr>
           <p:cNvSpPr>
             <a:spLocks noGrp="1"/>
           </p:cNvSpPr>
@@ -986,7 +767,7 @@
     </p:spTree>
     <p:extLst>
       <p:ext uri="{BB962C8B-B14F-4D97-AF65-F5344CB8AC3E}">
-        <p14:creationId xmlns:p14="http://schemas.microsoft.com/office/powerpoint/2010/main" val="1024086991"/>
+        <p14:creationId xmlns:p14="http://schemas.microsoft.com/office/powerpoint/2010/main" val="1993421111"/>
       </p:ext>
     </p:extLst>
   </p:cSld>
@@ -1040,10 +821,6 @@
           <a:bodyPr/>
           <a:lstStyle/>
           <a:p>
-            <a:r>
-              <a:rPr lang="en-US" dirty="0"/>
-              <a:t/>
-            </a:r>
             <a:endParaRPr lang="en-US" dirty="0"/>
           </a:p>
         </p:txBody>
@@ -1128,10 +905,6 @@
           <a:bodyPr/>
           <a:lstStyle/>
           <a:p>
-            <a:r>
-              <a:rPr lang="en-US" dirty="0"/>
-              <a:t/>
-            </a:r>
             <a:endParaRPr lang="en-US" dirty="0"/>
           </a:p>
         </p:txBody>
@@ -1216,10 +989,6 @@
           <a:bodyPr/>
           <a:lstStyle/>
           <a:p>
-            <a:r>
-              <a:rPr lang="en-US" dirty="0"/>
-              <a:t/>
-            </a:r>
             <a:endParaRPr lang="en-US" dirty="0"/>
           </a:p>
         </p:txBody>
@@ -1304,10 +1073,6 @@
           <a:bodyPr/>
           <a:lstStyle/>
           <a:p>
-            <a:r>
-              <a:rPr lang="en-US" dirty="0"/>
-              <a:t/>
-            </a:r>
             <a:endParaRPr lang="en-US" dirty="0"/>
           </a:p>
         </p:txBody>
@@ -1392,10 +1157,6 @@
           <a:bodyPr/>
           <a:lstStyle/>
           <a:p>
-            <a:r>
-              <a:rPr lang="en-US" dirty="0"/>
-              <a:t/>
-            </a:r>
             <a:endParaRPr lang="en-US" dirty="0"/>
           </a:p>
         </p:txBody>
@@ -1480,10 +1241,6 @@
           <a:bodyPr/>
           <a:lstStyle/>
           <a:p>
-            <a:r>
-              <a:rPr lang="en-US" dirty="0"/>
-              <a:t/>
-            </a:r>
             <a:endParaRPr lang="en-US" dirty="0"/>
           </a:p>
         </p:txBody>
@@ -1568,10 +1325,6 @@
           <a:bodyPr/>
           <a:lstStyle/>
           <a:p>
-            <a:r>
-              <a:rPr lang="en-US" dirty="0"/>
-              <a:t/>
-            </a:r>
             <a:endParaRPr lang="en-US" dirty="0"/>
           </a:p>
         </p:txBody>
@@ -1645,6 +1398,11 @@
 <file path=ppt/slideMasters/slideMaster1.xml><?xml version="1.0" encoding="utf-8"?>
 <p:sldMaster xmlns:a="http://schemas.openxmlformats.org/drawingml/2006/main" xmlns:r="http://schemas.openxmlformats.org/officeDocument/2006/relationships" xmlns:p="http://schemas.openxmlformats.org/presentationml/2006/main">
   <p:cSld>
+    <p:bg>
+      <p:bgRef idx="1001">
+        <a:schemeClr val="bg1"/>
+      </p:bgRef>
+    </p:bg>
     <p:spTree>
       <p:nvGrpSpPr>
         <p:cNvPr id="1" name=""/>
@@ -1927,6 +1685,7 @@
         <a:solidFill>
           <a:srgbClr val="2563EB"/>
         </a:solidFill>
+        <a:effectLst/>
       </p:bgPr>
     </p:bg>
     <p:spTree>
@@ -1964,7 +1723,7 @@
           <a:bodyPr wrap="square" lIns="0" tIns="0" rIns="0" bIns="0" rtlCol="0" anchor="t"/>
           <a:lstStyle/>
           <a:p>
-            <a:pPr algn="ctr" indent="0" marL="0">
+            <a:pPr marL="0" indent="0" algn="ctr">
               <a:lnSpc>
                 <a:spcPts val="4500"/>
               </a:lnSpc>
@@ -2006,7 +1765,7 @@
           <a:bodyPr wrap="square" lIns="0" tIns="0" rIns="0" bIns="0" rtlCol="0" anchor="t"/>
           <a:lstStyle/>
           <a:p>
-            <a:pPr algn="ctr" indent="0" marL="0">
+            <a:pPr marL="0" indent="0" algn="ctr">
               <a:lnSpc>
                 <a:spcPts val="2700"/>
               </a:lnSpc>
@@ -2048,7 +1807,7 @@
           <a:bodyPr wrap="square" lIns="0" tIns="0" rIns="0" bIns="0" rtlCol="0" anchor="t"/>
           <a:lstStyle/>
           <a:p>
-            <a:pPr algn="ctr" indent="0" marL="0">
+            <a:pPr marL="0" indent="0" algn="ctr">
               <a:lnSpc>
                 <a:spcPts val="2100"/>
               </a:lnSpc>
@@ -2091,6 +1850,7 @@
         <a:solidFill>
           <a:srgbClr val="FFFFFF"/>
         </a:solidFill>
+        <a:effectLst/>
       </p:bgPr>
     </p:bg>
     <p:spTree>
@@ -2130,7 +1890,7 @@
           <a:bodyPr wrap="square" rtlCol="0" anchor="ctr"/>
           <a:lstStyle/>
           <a:p>
-            <a:pPr indent="0" marL="0">
+            <a:pPr marL="0" indent="0">
               <a:buNone/>
             </a:pPr>
             <a:endParaRPr lang="en-US" dirty="0"/>
@@ -2158,7 +1918,7 @@
           <a:bodyPr wrap="square" lIns="0" tIns="0" rIns="0" bIns="0" rtlCol="0" anchor="t"/>
           <a:lstStyle/>
           <a:p>
-            <a:pPr algn="l" indent="0" marL="0">
+            <a:pPr marL="0" indent="0" algn="l">
               <a:lnSpc>
                 <a:spcPts val="3000"/>
               </a:lnSpc>
@@ -2204,7 +1964,7 @@
           <a:bodyPr wrap="square" rtlCol="0" anchor="ctr"/>
           <a:lstStyle/>
           <a:p>
-            <a:pPr indent="0" marL="0">
+            <a:pPr marL="0" indent="0">
               <a:buNone/>
             </a:pPr>
             <a:endParaRPr lang="en-US" dirty="0"/>
@@ -2232,7 +1992,7 @@
           <a:bodyPr wrap="square" lIns="0" tIns="0" rIns="0" bIns="0" rtlCol="0" anchor="t"/>
           <a:lstStyle/>
           <a:p>
-            <a:pPr algn="l" indent="0" marL="0">
+            <a:pPr marL="0" indent="0" algn="l">
               <a:lnSpc>
                 <a:spcPts val="2100"/>
               </a:lnSpc>
@@ -2277,7 +2037,7 @@
           <a:bodyPr wrap="square" lIns="66675" tIns="0" rIns="0" bIns="0" rtlCol="0" anchor="t"/>
           <a:lstStyle/>
           <a:p>
-            <a:pPr algn="l" marL="66675" indent="-66675">
+            <a:pPr marL="66675" indent="-66675" algn="l">
               <a:lnSpc>
                 <a:spcPts val="2100"/>
               </a:lnSpc>
@@ -2298,7 +2058,7 @@
             <a:endParaRPr lang="en-US" sz="1350" dirty="0"/>
           </a:p>
           <a:p>
-            <a:pPr algn="l" marL="66675" indent="-66675">
+            <a:pPr marL="66675" indent="-66675" algn="l">
               <a:lnSpc>
                 <a:spcPts val="2100"/>
               </a:lnSpc>
@@ -2319,7 +2079,7 @@
             <a:endParaRPr lang="en-US" sz="1350" dirty="0"/>
           </a:p>
           <a:p>
-            <a:pPr algn="l" marL="66675" indent="-66675">
+            <a:pPr marL="66675" indent="-66675" algn="l">
               <a:lnSpc>
                 <a:spcPts val="2100"/>
               </a:lnSpc>
@@ -2340,7 +2100,7 @@
             <a:endParaRPr lang="en-US" sz="1350" dirty="0"/>
           </a:p>
           <a:p>
-            <a:pPr algn="l" marL="66675" indent="-66675">
+            <a:pPr marL="66675" indent="-66675" algn="l">
               <a:lnSpc>
                 <a:spcPts val="2100"/>
               </a:lnSpc>
@@ -2387,7 +2147,7 @@
           <a:bodyPr wrap="square" rtlCol="0" anchor="ctr"/>
           <a:lstStyle/>
           <a:p>
-            <a:pPr indent="0" marL="0">
+            <a:pPr marL="0" indent="0">
               <a:buNone/>
             </a:pPr>
             <a:endParaRPr lang="en-US" dirty="0"/>
@@ -2415,7 +2175,7 @@
           <a:bodyPr wrap="square" lIns="0" tIns="0" rIns="0" bIns="0" rtlCol="0" anchor="t"/>
           <a:lstStyle/>
           <a:p>
-            <a:pPr algn="l" indent="0" marL="0">
+            <a:pPr marL="0" indent="0" algn="l">
               <a:lnSpc>
                 <a:spcPts val="2100"/>
               </a:lnSpc>
@@ -2460,7 +2220,7 @@
           <a:bodyPr wrap="square" lIns="66675" tIns="0" rIns="0" bIns="0" rtlCol="0" anchor="t"/>
           <a:lstStyle/>
           <a:p>
-            <a:pPr algn="l" marL="66675" indent="-66675">
+            <a:pPr marL="66675" indent="-66675" algn="l">
               <a:lnSpc>
                 <a:spcPts val="2100"/>
               </a:lnSpc>
@@ -2481,7 +2241,7 @@
             <a:endParaRPr lang="en-US" sz="1350" dirty="0"/>
           </a:p>
           <a:p>
-            <a:pPr algn="l" marL="66675" indent="-66675">
+            <a:pPr marL="66675" indent="-66675" algn="l">
               <a:lnSpc>
                 <a:spcPts val="2100"/>
               </a:lnSpc>
@@ -2502,7 +2262,7 @@
             <a:endParaRPr lang="en-US" sz="1350" dirty="0"/>
           </a:p>
           <a:p>
-            <a:pPr algn="l" marL="66675" indent="-66675">
+            <a:pPr marL="66675" indent="-66675" algn="l">
               <a:lnSpc>
                 <a:spcPts val="2100"/>
               </a:lnSpc>
@@ -2523,7 +2283,7 @@
             <a:endParaRPr lang="en-US" sz="1350" dirty="0"/>
           </a:p>
           <a:p>
-            <a:pPr algn="l" marL="66675" indent="-66675">
+            <a:pPr marL="66675" indent="-66675" algn="l">
               <a:lnSpc>
                 <a:spcPts val="2100"/>
               </a:lnSpc>
@@ -2570,7 +2330,7 @@
           <a:bodyPr wrap="square" rtlCol="0" anchor="ctr"/>
           <a:lstStyle/>
           <a:p>
-            <a:pPr indent="0" marL="0">
+            <a:pPr marL="0" indent="0">
               <a:buNone/>
             </a:pPr>
             <a:endParaRPr lang="en-US" dirty="0"/>
@@ -2598,7 +2358,7 @@
           <a:bodyPr wrap="square" lIns="0" tIns="0" rIns="0" bIns="0" rtlCol="0" anchor="t"/>
           <a:lstStyle/>
           <a:p>
-            <a:pPr algn="ctr" indent="0" marL="0">
+            <a:pPr marL="0" indent="0" algn="ctr">
               <a:lnSpc>
                 <a:spcPts val="2100"/>
               </a:lnSpc>
@@ -2621,18 +2381,6 @@
               </a:rPr>
               <a:t>Mejores prácticas:</a:t>
             </a:r>
-            <a:pPr algn="ctr" indent="0" marL="0">
-              <a:lnSpc>
-                <a:spcPts val="2100"/>
-              </a:lnSpc>
-              <a:spcBef>
-                <a:spcPts val="300"/>
-              </a:spcBef>
-              <a:spcAft>
-                <a:spcPts val="300"/>
-              </a:spcAft>
-              <a:buNone/>
-            </a:pPr>
             <a:r>
               <a:rPr lang="en-US" sz="1500" dirty="0">
                 <a:solidFill>
@@ -2664,6 +2412,7 @@
         <a:solidFill>
           <a:srgbClr val="FFFFFF"/>
         </a:solidFill>
+        <a:effectLst/>
       </p:bgPr>
     </p:bg>
     <p:spTree>
@@ -2703,7 +2452,7 @@
           <a:bodyPr wrap="square" rtlCol="0" anchor="ctr"/>
           <a:lstStyle/>
           <a:p>
-            <a:pPr indent="0" marL="0">
+            <a:pPr marL="0" indent="0">
               <a:buNone/>
             </a:pPr>
             <a:endParaRPr lang="en-US" dirty="0"/>
@@ -2731,7 +2480,7 @@
           <a:bodyPr wrap="square" lIns="0" tIns="0" rIns="0" bIns="0" rtlCol="0" anchor="t"/>
           <a:lstStyle/>
           <a:p>
-            <a:pPr algn="l" indent="0" marL="0">
+            <a:pPr marL="0" indent="0" algn="l">
               <a:lnSpc>
                 <a:spcPts val="3000"/>
               </a:lnSpc>
@@ -2773,7 +2522,7 @@
           <a:bodyPr wrap="square" lIns="0" tIns="0" rIns="0" bIns="0" rtlCol="0" anchor="t"/>
           <a:lstStyle/>
           <a:p>
-            <a:pPr algn="l" indent="0" marL="0">
+            <a:pPr marL="0" indent="0" algn="l">
               <a:lnSpc>
                 <a:spcPts val="2100"/>
               </a:lnSpc>
@@ -2815,7 +2564,7 @@
           <a:bodyPr wrap="square" lIns="66675" tIns="0" rIns="0" bIns="0" rtlCol="0" anchor="t"/>
           <a:lstStyle/>
           <a:p>
-            <a:pPr algn="l" marL="66675" indent="-66675">
+            <a:pPr marL="66675" indent="-66675" algn="l">
               <a:lnSpc>
                 <a:spcPts val="2100"/>
               </a:lnSpc>
@@ -2836,7 +2585,7 @@
             <a:endParaRPr lang="en-US" sz="1350" dirty="0"/>
           </a:p>
           <a:p>
-            <a:pPr algn="l" marL="66675" indent="-66675">
+            <a:pPr marL="66675" indent="-66675" algn="l">
               <a:lnSpc>
                 <a:spcPts val="2100"/>
               </a:lnSpc>
@@ -2857,7 +2606,7 @@
             <a:endParaRPr lang="en-US" sz="1350" dirty="0"/>
           </a:p>
           <a:p>
-            <a:pPr algn="l" marL="66675" indent="-66675">
+            <a:pPr marL="66675" indent="-66675" algn="l">
               <a:lnSpc>
                 <a:spcPts val="2100"/>
               </a:lnSpc>
@@ -2900,7 +2649,7 @@
           <a:bodyPr wrap="square" lIns="0" tIns="0" rIns="0" bIns="0" rtlCol="0" anchor="t"/>
           <a:lstStyle/>
           <a:p>
-            <a:pPr algn="l" indent="0" marL="0">
+            <a:pPr marL="0" indent="0" algn="l">
               <a:lnSpc>
                 <a:spcPts val="2100"/>
               </a:lnSpc>
@@ -2942,7 +2691,7 @@
           <a:bodyPr wrap="square" lIns="66675" tIns="0" rIns="0" bIns="0" rtlCol="0" anchor="t"/>
           <a:lstStyle/>
           <a:p>
-            <a:pPr algn="l" marL="66675" indent="-66675">
+            <a:pPr marL="66675" indent="-66675" algn="l">
               <a:lnSpc>
                 <a:spcPts val="2100"/>
               </a:lnSpc>
@@ -2963,7 +2712,7 @@
             <a:endParaRPr lang="en-US" sz="1350" dirty="0"/>
           </a:p>
           <a:p>
-            <a:pPr algn="l" marL="66675" indent="-66675">
+            <a:pPr marL="66675" indent="-66675" algn="l">
               <a:lnSpc>
                 <a:spcPts val="2100"/>
               </a:lnSpc>
@@ -2984,7 +2733,7 @@
             <a:endParaRPr lang="en-US" sz="1350" dirty="0"/>
           </a:p>
           <a:p>
-            <a:pPr algn="l" marL="66675" indent="-66675">
+            <a:pPr marL="66675" indent="-66675" algn="l">
               <a:lnSpc>
                 <a:spcPts val="2100"/>
               </a:lnSpc>
@@ -3027,7 +2776,7 @@
           <a:bodyPr wrap="square" lIns="0" tIns="0" rIns="0" bIns="0" rtlCol="0" anchor="t"/>
           <a:lstStyle/>
           <a:p>
-            <a:pPr algn="l" indent="0" marL="0">
+            <a:pPr marL="0" indent="0" algn="l">
               <a:lnSpc>
                 <a:spcPts val="2100"/>
               </a:lnSpc>
@@ -3069,7 +2818,7 @@
           <a:bodyPr wrap="square" lIns="66675" tIns="0" rIns="0" bIns="0" rtlCol="0" anchor="t"/>
           <a:lstStyle/>
           <a:p>
-            <a:pPr algn="l" marL="66675" indent="-66675">
+            <a:pPr marL="66675" indent="-66675" algn="l">
               <a:lnSpc>
                 <a:spcPts val="2100"/>
               </a:lnSpc>
@@ -3090,7 +2839,7 @@
             <a:endParaRPr lang="en-US" sz="1350" dirty="0"/>
           </a:p>
           <a:p>
-            <a:pPr algn="l" marL="66675" indent="-66675">
+            <a:pPr marL="66675" indent="-66675" algn="l">
               <a:lnSpc>
                 <a:spcPts val="2100"/>
               </a:lnSpc>
@@ -3111,7 +2860,7 @@
             <a:endParaRPr lang="en-US" sz="1350" dirty="0"/>
           </a:p>
           <a:p>
-            <a:pPr algn="l" marL="66675" indent="-66675">
+            <a:pPr marL="66675" indent="-66675" algn="l">
               <a:lnSpc>
                 <a:spcPts val="2100"/>
               </a:lnSpc>
@@ -3154,7 +2903,7 @@
           <a:bodyPr wrap="square" lIns="0" tIns="0" rIns="0" bIns="0" rtlCol="0" anchor="t"/>
           <a:lstStyle/>
           <a:p>
-            <a:pPr algn="l" indent="0" marL="0">
+            <a:pPr marL="0" indent="0" algn="l">
               <a:lnSpc>
                 <a:spcPts val="2100"/>
               </a:lnSpc>
@@ -3196,7 +2945,7 @@
           <a:bodyPr wrap="square" lIns="66675" tIns="0" rIns="0" bIns="0" rtlCol="0" anchor="t"/>
           <a:lstStyle/>
           <a:p>
-            <a:pPr algn="l" marL="66675" indent="-66675">
+            <a:pPr marL="66675" indent="-66675" algn="l">
               <a:lnSpc>
                 <a:spcPts val="2100"/>
               </a:lnSpc>
@@ -3217,7 +2966,7 @@
             <a:endParaRPr lang="en-US" sz="1350" dirty="0"/>
           </a:p>
           <a:p>
-            <a:pPr algn="l" marL="66675" indent="-66675">
+            <a:pPr marL="66675" indent="-66675" algn="l">
               <a:lnSpc>
                 <a:spcPts val="2100"/>
               </a:lnSpc>
@@ -3238,7 +2987,7 @@
             <a:endParaRPr lang="en-US" sz="1350" dirty="0"/>
           </a:p>
           <a:p>
-            <a:pPr algn="l" marL="66675" indent="-66675">
+            <a:pPr marL="66675" indent="-66675" algn="l">
               <a:lnSpc>
                 <a:spcPts val="2100"/>
               </a:lnSpc>
@@ -3281,7 +3030,7 @@
           <a:bodyPr wrap="square" lIns="0" tIns="0" rIns="0" bIns="0" rtlCol="0" anchor="t"/>
           <a:lstStyle/>
           <a:p>
-            <a:pPr algn="l" indent="0" marL="0">
+            <a:pPr marL="0" indent="0" algn="l">
               <a:lnSpc>
                 <a:spcPts val="2100"/>
               </a:lnSpc>
@@ -3323,7 +3072,7 @@
           <a:bodyPr wrap="square" lIns="66675" tIns="0" rIns="0" bIns="0" rtlCol="0" anchor="t"/>
           <a:lstStyle/>
           <a:p>
-            <a:pPr algn="l" marL="66675" indent="-66675">
+            <a:pPr marL="66675" indent="-66675" algn="l">
               <a:lnSpc>
                 <a:spcPts val="2100"/>
               </a:lnSpc>
@@ -3344,7 +3093,7 @@
             <a:endParaRPr lang="en-US" sz="1350" dirty="0"/>
           </a:p>
           <a:p>
-            <a:pPr algn="l" marL="66675" indent="-66675">
+            <a:pPr marL="66675" indent="-66675" algn="l">
               <a:lnSpc>
                 <a:spcPts val="2100"/>
               </a:lnSpc>
@@ -3365,7 +3114,7 @@
             <a:endParaRPr lang="en-US" sz="1350" dirty="0"/>
           </a:p>
           <a:p>
-            <a:pPr algn="l" marL="66675" indent="-66675">
+            <a:pPr marL="66675" indent="-66675" algn="l">
               <a:lnSpc>
                 <a:spcPts val="2100"/>
               </a:lnSpc>
@@ -3408,7 +3157,7 @@
           <a:bodyPr wrap="square" lIns="0" tIns="0" rIns="0" bIns="0" rtlCol="0" anchor="t"/>
           <a:lstStyle/>
           <a:p>
-            <a:pPr algn="l" indent="0" marL="0">
+            <a:pPr marL="0" indent="0" algn="l">
               <a:lnSpc>
                 <a:spcPts val="2100"/>
               </a:lnSpc>
@@ -3450,7 +3199,7 @@
           <a:bodyPr wrap="square" lIns="66675" tIns="0" rIns="0" bIns="0" rtlCol="0" anchor="t"/>
           <a:lstStyle/>
           <a:p>
-            <a:pPr algn="l" marL="66675" indent="-66675">
+            <a:pPr marL="66675" indent="-66675" algn="l">
               <a:lnSpc>
                 <a:spcPts val="2100"/>
               </a:lnSpc>
@@ -3471,7 +3220,7 @@
             <a:endParaRPr lang="en-US" sz="1350" dirty="0"/>
           </a:p>
           <a:p>
-            <a:pPr algn="l" marL="66675" indent="-66675">
+            <a:pPr marL="66675" indent="-66675" algn="l">
               <a:lnSpc>
                 <a:spcPts val="2100"/>
               </a:lnSpc>
@@ -3492,7 +3241,7 @@
             <a:endParaRPr lang="en-US" sz="1350" dirty="0"/>
           </a:p>
           <a:p>
-            <a:pPr algn="l" marL="66675" indent="-66675">
+            <a:pPr marL="66675" indent="-66675" algn="l">
               <a:lnSpc>
                 <a:spcPts val="2100"/>
               </a:lnSpc>
@@ -3530,6 +3279,7 @@
         <a:solidFill>
           <a:srgbClr val="FFFFFF"/>
         </a:solidFill>
+        <a:effectLst/>
       </p:bgPr>
     </p:bg>
     <p:spTree>
@@ -3569,7 +3319,7 @@
           <a:bodyPr wrap="square" rtlCol="0" anchor="ctr"/>
           <a:lstStyle/>
           <a:p>
-            <a:pPr indent="0" marL="0">
+            <a:pPr marL="0" indent="0">
               <a:buNone/>
             </a:pPr>
             <a:endParaRPr lang="en-US" dirty="0"/>
@@ -3597,7 +3347,7 @@
           <a:bodyPr wrap="square" lIns="0" tIns="0" rIns="0" bIns="0" rtlCol="0" anchor="t"/>
           <a:lstStyle/>
           <a:p>
-            <a:pPr algn="l" indent="0" marL="0">
+            <a:pPr marL="0" indent="0" algn="l">
               <a:lnSpc>
                 <a:spcPts val="3000"/>
               </a:lnSpc>
@@ -3639,7 +3389,7 @@
           <a:bodyPr wrap="square" lIns="0" tIns="0" rIns="0" bIns="0" rtlCol="0" anchor="t"/>
           <a:lstStyle/>
           <a:p>
-            <a:pPr algn="l" indent="0" marL="0">
+            <a:pPr marL="0" indent="0" algn="l">
               <a:lnSpc>
                 <a:spcPts val="2100"/>
               </a:lnSpc>
@@ -3662,7 +3412,86 @@
               </a:rPr>
               <a:t>El aprendizaje en la web es un campo </a:t>
             </a:r>
-            <a:pPr algn="l" indent="0" marL="0">
+            <a:r>
+              <a:rPr lang="en-US" sz="1500" b="1" dirty="0">
+                <a:solidFill>
+                  <a:srgbClr val="1E293B"/>
+                </a:solidFill>
+                <a:latin typeface="Arial" pitchFamily="34" charset="0"/>
+                <a:ea typeface="Arial" pitchFamily="34" charset="-122"/>
+                <a:cs typeface="Arial" pitchFamily="34" charset="-120"/>
+              </a:rPr>
+              <a:t>interdisciplinario</a:t>
+            </a:r>
+            <a:r>
+              <a:rPr lang="en-US" sz="1500" dirty="0">
+                <a:solidFill>
+                  <a:srgbClr val="1E293B"/>
+                </a:solidFill>
+                <a:latin typeface="Arial" pitchFamily="34" charset="0"/>
+                <a:ea typeface="Arial" pitchFamily="34" charset="-122"/>
+                <a:cs typeface="Arial" pitchFamily="34" charset="-120"/>
+              </a:rPr>
+              <a:t> que combina:</a:t>
+            </a:r>
+            <a:endParaRPr lang="en-US" sz="1500" dirty="0"/>
+          </a:p>
+        </p:txBody>
+      </p:sp>
+      <p:sp>
+        <p:nvSpPr>
+          <p:cNvPr id="5" name="Text 3"/>
+          <p:cNvSpPr/>
+          <p:nvPr/>
+        </p:nvSpPr>
+        <p:spPr>
+          <a:xfrm>
+            <a:off x="304800" y="1924050"/>
+            <a:ext cx="4191000" cy="647700"/>
+          </a:xfrm>
+          <a:prstGeom prst="roundRect">
+            <a:avLst>
+              <a:gd name="adj" fmla="val 9412"/>
+            </a:avLst>
+          </a:prstGeom>
+          <a:solidFill>
+            <a:srgbClr val="F1F5F9"/>
+          </a:solidFill>
+          <a:ln/>
+        </p:spPr>
+        <p:txBody>
+          <a:bodyPr wrap="square" rtlCol="0" anchor="ctr"/>
+          <a:lstStyle/>
+          <a:p>
+            <a:pPr marL="0" indent="0">
+              <a:buNone/>
+            </a:pPr>
+            <a:endParaRPr lang="en-US" dirty="0"/>
+          </a:p>
+        </p:txBody>
+      </p:sp>
+      <p:sp>
+        <p:nvSpPr>
+          <p:cNvPr id="6" name="Text 4"/>
+          <p:cNvSpPr/>
+          <p:nvPr/>
+        </p:nvSpPr>
+        <p:spPr>
+          <a:xfrm>
+            <a:off x="418338" y="2114550"/>
+            <a:ext cx="3963924" cy="266700"/>
+          </a:xfrm>
+          <a:prstGeom prst="rect">
+            <a:avLst/>
+          </a:prstGeom>
+          <a:noFill/>
+          <a:ln/>
+        </p:spPr>
+        <p:txBody>
+          <a:bodyPr wrap="square" lIns="0" tIns="0" rIns="0" bIns="0" rtlCol="0" anchor="t"/>
+          <a:lstStyle/>
+          <a:p>
+            <a:pPr marL="0" indent="0" algn="ctr">
               <a:lnSpc>
                 <a:spcPts val="2100"/>
               </a:lnSpc>
@@ -3675,7 +3504,7 @@
               <a:buNone/>
             </a:pPr>
             <a:r>
-              <a:rPr lang="en-US" sz="1500" b="1" dirty="0">
+              <a:rPr lang="en-US" sz="1350" dirty="0">
                 <a:solidFill>
                   <a:srgbClr val="1E293B"/>
                 </a:solidFill>
@@ -3683,9 +3512,66 @@
                 <a:ea typeface="Arial" pitchFamily="34" charset="-122"/>
                 <a:cs typeface="Arial" pitchFamily="34" charset="-120"/>
               </a:rPr>
-              <a:t>interdisciplinario</a:t>
-            </a:r>
-            <a:pPr algn="l" indent="0" marL="0">
+              <a:t>Ingeniería de Software</a:t>
+            </a:r>
+            <a:endParaRPr lang="en-US" sz="1350" dirty="0"/>
+          </a:p>
+        </p:txBody>
+      </p:sp>
+      <p:sp>
+        <p:nvSpPr>
+          <p:cNvPr id="7" name="Text 5"/>
+          <p:cNvSpPr/>
+          <p:nvPr/>
+        </p:nvSpPr>
+        <p:spPr>
+          <a:xfrm>
+            <a:off x="4648200" y="1924050"/>
+            <a:ext cx="4191000" cy="647700"/>
+          </a:xfrm>
+          <a:prstGeom prst="roundRect">
+            <a:avLst>
+              <a:gd name="adj" fmla="val 9412"/>
+            </a:avLst>
+          </a:prstGeom>
+          <a:solidFill>
+            <a:srgbClr val="F1F5F9"/>
+          </a:solidFill>
+          <a:ln/>
+        </p:spPr>
+        <p:txBody>
+          <a:bodyPr wrap="square" rtlCol="0" anchor="ctr"/>
+          <a:lstStyle/>
+          <a:p>
+            <a:pPr marL="0" indent="0">
+              <a:buNone/>
+            </a:pPr>
+            <a:endParaRPr lang="en-US" dirty="0"/>
+          </a:p>
+        </p:txBody>
+      </p:sp>
+      <p:sp>
+        <p:nvSpPr>
+          <p:cNvPr id="8" name="Text 6"/>
+          <p:cNvSpPr/>
+          <p:nvPr/>
+        </p:nvSpPr>
+        <p:spPr>
+          <a:xfrm>
+            <a:off x="4761738" y="2114550"/>
+            <a:ext cx="3963924" cy="266700"/>
+          </a:xfrm>
+          <a:prstGeom prst="rect">
+            <a:avLst/>
+          </a:prstGeom>
+          <a:noFill/>
+          <a:ln/>
+        </p:spPr>
+        <p:txBody>
+          <a:bodyPr wrap="square" lIns="0" tIns="0" rIns="0" bIns="0" rtlCol="0" anchor="t"/>
+          <a:lstStyle/>
+          <a:p>
+            <a:pPr marL="0" indent="0" algn="ctr">
               <a:lnSpc>
                 <a:spcPts val="2100"/>
               </a:lnSpc>
@@ -3698,7 +3584,7 @@
               <a:buNone/>
             </a:pPr>
             <a:r>
-              <a:rPr lang="en-US" sz="1500" dirty="0">
+              <a:rPr lang="en-US" sz="1350" dirty="0">
                 <a:solidFill>
                   <a:srgbClr val="1E293B"/>
                 </a:solidFill>
@@ -3706,21 +3592,21 @@
                 <a:ea typeface="Arial" pitchFamily="34" charset="-122"/>
                 <a:cs typeface="Arial" pitchFamily="34" charset="-120"/>
               </a:rPr>
-              <a:t> que combina:</a:t>
-            </a:r>
-            <a:endParaRPr lang="en-US" sz="1500" dirty="0"/>
-          </a:p>
-        </p:txBody>
-      </p:sp>
-      <p:sp>
-        <p:nvSpPr>
-          <p:cNvPr id="5" name="Text 3"/>
-          <p:cNvSpPr/>
-          <p:nvPr/>
-        </p:nvSpPr>
-        <p:spPr>
-          <a:xfrm>
-            <a:off x="304800" y="1924050"/>
+              <a:t>Ciencia de Datos</a:t>
+            </a:r>
+            <a:endParaRPr lang="en-US" sz="1350" dirty="0"/>
+          </a:p>
+        </p:txBody>
+      </p:sp>
+      <p:sp>
+        <p:nvSpPr>
+          <p:cNvPr id="9" name="Text 7"/>
+          <p:cNvSpPr/>
+          <p:nvPr/>
+        </p:nvSpPr>
+        <p:spPr>
+          <a:xfrm>
+            <a:off x="304800" y="2876550"/>
             <a:ext cx="4191000" cy="647700"/>
           </a:xfrm>
           <a:prstGeom prst="roundRect">
@@ -3737,7 +3623,7 @@
           <a:bodyPr wrap="square" rtlCol="0" anchor="ctr"/>
           <a:lstStyle/>
           <a:p>
-            <a:pPr indent="0" marL="0">
+            <a:pPr marL="0" indent="0">
               <a:buNone/>
             </a:pPr>
             <a:endParaRPr lang="en-US" dirty="0"/>
@@ -3746,13 +3632,13 @@
       </p:sp>
       <p:sp>
         <p:nvSpPr>
-          <p:cNvPr id="6" name="Text 4"/>
-          <p:cNvSpPr/>
-          <p:nvPr/>
-        </p:nvSpPr>
-        <p:spPr>
-          <a:xfrm>
-            <a:off x="418338" y="2114550"/>
+          <p:cNvPr id="10" name="Text 8"/>
+          <p:cNvSpPr/>
+          <p:nvPr/>
+        </p:nvSpPr>
+        <p:spPr>
+          <a:xfrm>
+            <a:off x="418338" y="3067050"/>
             <a:ext cx="3963924" cy="266700"/>
           </a:xfrm>
           <a:prstGeom prst="rect">
@@ -3765,7 +3651,7 @@
           <a:bodyPr wrap="square" lIns="0" tIns="0" rIns="0" bIns="0" rtlCol="0" anchor="t"/>
           <a:lstStyle/>
           <a:p>
-            <a:pPr algn="ctr" indent="0" marL="0">
+            <a:pPr marL="0" indent="0" algn="ctr">
               <a:lnSpc>
                 <a:spcPts val="2100"/>
               </a:lnSpc>
@@ -3786,7 +3672,7 @@
                 <a:ea typeface="Arial" pitchFamily="34" charset="-122"/>
                 <a:cs typeface="Arial" pitchFamily="34" charset="-120"/>
               </a:rPr>
-              <a:t>Ingeniería de Software</a:t>
+              <a:t>Lingüística Computacional</a:t>
             </a:r>
             <a:endParaRPr lang="en-US" sz="1350" dirty="0"/>
           </a:p>
@@ -3794,13 +3680,13 @@
       </p:sp>
       <p:sp>
         <p:nvSpPr>
-          <p:cNvPr id="7" name="Text 5"/>
-          <p:cNvSpPr/>
-          <p:nvPr/>
-        </p:nvSpPr>
-        <p:spPr>
-          <a:xfrm>
-            <a:off x="4648200" y="1924050"/>
+          <p:cNvPr id="11" name="Text 9"/>
+          <p:cNvSpPr/>
+          <p:nvPr/>
+        </p:nvSpPr>
+        <p:spPr>
+          <a:xfrm>
+            <a:off x="4648200" y="2876550"/>
             <a:ext cx="4191000" cy="647700"/>
           </a:xfrm>
           <a:prstGeom prst="roundRect">
@@ -3817,7 +3703,7 @@
           <a:bodyPr wrap="square" rtlCol="0" anchor="ctr"/>
           <a:lstStyle/>
           <a:p>
-            <a:pPr indent="0" marL="0">
+            <a:pPr marL="0" indent="0">
               <a:buNone/>
             </a:pPr>
             <a:endParaRPr lang="en-US" dirty="0"/>
@@ -3826,13 +3712,13 @@
       </p:sp>
       <p:sp>
         <p:nvSpPr>
-          <p:cNvPr id="8" name="Text 6"/>
-          <p:cNvSpPr/>
-          <p:nvPr/>
-        </p:nvSpPr>
-        <p:spPr>
-          <a:xfrm>
-            <a:off x="4761738" y="2114550"/>
+          <p:cNvPr id="12" name="Text 10"/>
+          <p:cNvSpPr/>
+          <p:nvPr/>
+        </p:nvSpPr>
+        <p:spPr>
+          <a:xfrm>
+            <a:off x="4761738" y="3067050"/>
             <a:ext cx="3963924" cy="266700"/>
           </a:xfrm>
           <a:prstGeom prst="rect">
@@ -3845,7 +3731,7 @@
           <a:bodyPr wrap="square" lIns="0" tIns="0" rIns="0" bIns="0" rtlCol="0" anchor="t"/>
           <a:lstStyle/>
           <a:p>
-            <a:pPr algn="ctr" indent="0" marL="0">
+            <a:pPr marL="0" indent="0" algn="ctr">
               <a:lnSpc>
                 <a:spcPts val="2100"/>
               </a:lnSpc>
@@ -3866,7 +3752,7 @@
                 <a:ea typeface="Arial" pitchFamily="34" charset="-122"/>
                 <a:cs typeface="Arial" pitchFamily="34" charset="-120"/>
               </a:rPr>
-              <a:t>Ciencia de Datos</a:t>
+              <a:t>Estadística</a:t>
             </a:r>
             <a:endParaRPr lang="en-US" sz="1350" dirty="0"/>
           </a:p>
@@ -3874,22 +3760,22 @@
       </p:sp>
       <p:sp>
         <p:nvSpPr>
-          <p:cNvPr id="9" name="Text 7"/>
-          <p:cNvSpPr/>
-          <p:nvPr/>
-        </p:nvSpPr>
-        <p:spPr>
-          <a:xfrm>
-            <a:off x="304800" y="2876550"/>
-            <a:ext cx="4191000" cy="647700"/>
+          <p:cNvPr id="13" name="Text 11"/>
+          <p:cNvSpPr/>
+          <p:nvPr/>
+        </p:nvSpPr>
+        <p:spPr>
+          <a:xfrm>
+            <a:off x="304800" y="3981450"/>
+            <a:ext cx="4114800" cy="876300"/>
           </a:xfrm>
           <a:prstGeom prst="roundRect">
             <a:avLst>
-              <a:gd name="adj" fmla="val 9412"/>
+              <a:gd name="adj" fmla="val 6957"/>
             </a:avLst>
           </a:prstGeom>
           <a:solidFill>
-            <a:srgbClr val="F1F5F9"/>
+            <a:srgbClr val="0EA5E9"/>
           </a:solidFill>
           <a:ln/>
         </p:spPr>
@@ -3897,7 +3783,7 @@
           <a:bodyPr wrap="square" rtlCol="0" anchor="ctr"/>
           <a:lstStyle/>
           <a:p>
-            <a:pPr indent="0" marL="0">
+            <a:pPr marL="0" indent="0">
               <a:buNone/>
             </a:pPr>
             <a:endParaRPr lang="en-US" dirty="0"/>
@@ -3906,14 +3792,14 @@
       </p:sp>
       <p:sp>
         <p:nvSpPr>
-          <p:cNvPr id="10" name="Text 8"/>
-          <p:cNvSpPr/>
-          <p:nvPr/>
-        </p:nvSpPr>
-        <p:spPr>
-          <a:xfrm>
-            <a:off x="418338" y="3067050"/>
-            <a:ext cx="3963924" cy="266700"/>
+          <p:cNvPr id="14" name="Text 12"/>
+          <p:cNvSpPr/>
+          <p:nvPr/>
+        </p:nvSpPr>
+        <p:spPr>
+          <a:xfrm>
+            <a:off x="457200" y="4133850"/>
+            <a:ext cx="3886200" cy="266700"/>
           </a:xfrm>
           <a:prstGeom prst="rect">
             <a:avLst/>
@@ -3925,9 +3811,54 @@
           <a:bodyPr wrap="square" lIns="0" tIns="0" rIns="0" bIns="0" rtlCol="0" anchor="t"/>
           <a:lstStyle/>
           <a:p>
-            <a:pPr algn="ctr" indent="0" marL="0">
+            <a:pPr marL="0" indent="0" algn="l">
               <a:lnSpc>
                 <a:spcPts val="2100"/>
+              </a:lnSpc>
+              <a:spcAft>
+                <a:spcPts val="600"/>
+              </a:spcAft>
+              <a:buNone/>
+            </a:pPr>
+            <a:r>
+              <a:rPr lang="en-US" sz="1350" b="1" dirty="0">
+                <a:solidFill>
+                  <a:srgbClr val="FFFFFF"/>
+                </a:solidFill>
+                <a:latin typeface="Arial" pitchFamily="34" charset="0"/>
+                <a:ea typeface="Arial" pitchFamily="34" charset="-122"/>
+                <a:cs typeface="Arial" pitchFamily="34" charset="-120"/>
+              </a:rPr>
+              <a:t>✓ Ventajas</a:t>
+            </a:r>
+            <a:endParaRPr lang="en-US" sz="1350" dirty="0"/>
+          </a:p>
+        </p:txBody>
+      </p:sp>
+      <p:sp>
+        <p:nvSpPr>
+          <p:cNvPr id="15" name="Text 13"/>
+          <p:cNvSpPr/>
+          <p:nvPr/>
+        </p:nvSpPr>
+        <p:spPr>
+          <a:xfrm>
+            <a:off x="457200" y="4476750"/>
+            <a:ext cx="3886200" cy="190500"/>
+          </a:xfrm>
+          <a:prstGeom prst="rect">
+            <a:avLst/>
+          </a:prstGeom>
+          <a:noFill/>
+          <a:ln/>
+        </p:spPr>
+        <p:txBody>
+          <a:bodyPr wrap="square" lIns="0" tIns="0" rIns="0" bIns="0" rtlCol="0" anchor="t"/>
+          <a:lstStyle/>
+          <a:p>
+            <a:pPr marL="0" indent="0" algn="l">
+              <a:lnSpc>
+                <a:spcPts val="1500"/>
               </a:lnSpc>
               <a:spcBef>
                 <a:spcPts val="300"/>
@@ -3938,109 +3869,29 @@
               <a:buNone/>
             </a:pPr>
             <a:r>
-              <a:rPr lang="en-US" sz="1350" dirty="0">
-                <a:solidFill>
-                  <a:srgbClr val="1E293B"/>
-                </a:solidFill>
-                <a:latin typeface="Arial" pitchFamily="34" charset="0"/>
-                <a:ea typeface="Arial" pitchFamily="34" charset="-122"/>
-                <a:cs typeface="Arial" pitchFamily="34" charset="-120"/>
-              </a:rPr>
-              <a:t>Lingüística Computacional</a:t>
-            </a:r>
-            <a:endParaRPr lang="en-US" sz="1350" dirty="0"/>
-          </a:p>
-        </p:txBody>
-      </p:sp>
-      <p:sp>
-        <p:nvSpPr>
-          <p:cNvPr id="11" name="Text 9"/>
-          <p:cNvSpPr/>
-          <p:nvPr/>
-        </p:nvSpPr>
-        <p:spPr>
-          <a:xfrm>
-            <a:off x="4648200" y="2876550"/>
-            <a:ext cx="4191000" cy="647700"/>
-          </a:xfrm>
-          <a:prstGeom prst="roundRect">
-            <a:avLst>
-              <a:gd name="adj" fmla="val 9412"/>
-            </a:avLst>
-          </a:prstGeom>
-          <a:solidFill>
-            <a:srgbClr val="F1F5F9"/>
-          </a:solidFill>
-          <a:ln/>
-        </p:spPr>
-        <p:txBody>
-          <a:bodyPr wrap="square" rtlCol="0" anchor="ctr"/>
-          <a:lstStyle/>
-          <a:p>
-            <a:pPr indent="0" marL="0">
-              <a:buNone/>
-            </a:pPr>
-            <a:endParaRPr lang="en-US" dirty="0"/>
-          </a:p>
-        </p:txBody>
-      </p:sp>
-      <p:sp>
-        <p:nvSpPr>
-          <p:cNvPr id="12" name="Text 10"/>
-          <p:cNvSpPr/>
-          <p:nvPr/>
-        </p:nvSpPr>
-        <p:spPr>
-          <a:xfrm>
-            <a:off x="4761738" y="3067050"/>
-            <a:ext cx="3963924" cy="266700"/>
-          </a:xfrm>
-          <a:prstGeom prst="rect">
-            <a:avLst/>
-          </a:prstGeom>
-          <a:noFill/>
-          <a:ln/>
-        </p:spPr>
-        <p:txBody>
-          <a:bodyPr wrap="square" lIns="0" tIns="0" rIns="0" bIns="0" rtlCol="0" anchor="t"/>
-          <a:lstStyle/>
-          <a:p>
-            <a:pPr algn="ctr" indent="0" marL="0">
-              <a:lnSpc>
-                <a:spcPts val="2100"/>
-              </a:lnSpc>
-              <a:spcBef>
-                <a:spcPts val="300"/>
-              </a:spcBef>
-              <a:spcAft>
-                <a:spcPts val="300"/>
-              </a:spcAft>
-              <a:buNone/>
-            </a:pPr>
-            <a:r>
-              <a:rPr lang="en-US" sz="1350" dirty="0">
-                <a:solidFill>
-                  <a:srgbClr val="1E293B"/>
-                </a:solidFill>
-                <a:latin typeface="Arial" pitchFamily="34" charset="0"/>
-                <a:ea typeface="Arial" pitchFamily="34" charset="-122"/>
-                <a:cs typeface="Arial" pitchFamily="34" charset="-120"/>
-              </a:rPr>
-              <a:t>Estadística</a:t>
-            </a:r>
-            <a:endParaRPr lang="en-US" sz="1350" dirty="0"/>
-          </a:p>
-        </p:txBody>
-      </p:sp>
-      <p:sp>
-        <p:nvSpPr>
-          <p:cNvPr id="13" name="Text 11"/>
-          <p:cNvSpPr/>
-          <p:nvPr/>
-        </p:nvSpPr>
-        <p:spPr>
-          <a:xfrm>
-            <a:off x="304800" y="3981450"/>
+              <a:rPr lang="en-US" sz="1050" dirty="0">
+                <a:solidFill>
+                  <a:srgbClr val="FFFFFF"/>
+                </a:solidFill>
+                <a:latin typeface="Arial" pitchFamily="34" charset="0"/>
+                <a:ea typeface="Arial" pitchFamily="34" charset="-122"/>
+                <a:cs typeface="Arial" pitchFamily="34" charset="-120"/>
+              </a:rPr>
+              <a:t>Automatización, Escalabilidad, Descubrimiento de patrones</a:t>
+            </a:r>
+            <a:endParaRPr lang="en-US" sz="1050" dirty="0"/>
+          </a:p>
+        </p:txBody>
+      </p:sp>
+      <p:sp>
+        <p:nvSpPr>
+          <p:cNvPr id="16" name="Text 14"/>
+          <p:cNvSpPr/>
+          <p:nvPr/>
+        </p:nvSpPr>
+        <p:spPr>
+          <a:xfrm>
+            <a:off x="4724400" y="3981450"/>
             <a:ext cx="4114800" cy="876300"/>
           </a:xfrm>
           <a:prstGeom prst="roundRect">
@@ -4049,7 +3900,7 @@
             </a:avLst>
           </a:prstGeom>
           <a:solidFill>
-            <a:srgbClr val="0EA5E9"/>
+            <a:srgbClr val="F8FAFC"/>
           </a:solidFill>
           <a:ln/>
         </p:spPr>
@@ -4057,7 +3908,7 @@
           <a:bodyPr wrap="square" rtlCol="0" anchor="ctr"/>
           <a:lstStyle/>
           <a:p>
-            <a:pPr indent="0" marL="0">
+            <a:pPr marL="0" indent="0">
               <a:buNone/>
             </a:pPr>
             <a:endParaRPr lang="en-US" dirty="0"/>
@@ -4066,13 +3917,13 @@
       </p:sp>
       <p:sp>
         <p:nvSpPr>
-          <p:cNvPr id="14" name="Text 12"/>
-          <p:cNvSpPr/>
-          <p:nvPr/>
-        </p:nvSpPr>
-        <p:spPr>
-          <a:xfrm>
-            <a:off x="457200" y="4133850"/>
+          <p:cNvPr id="17" name="Text 15"/>
+          <p:cNvSpPr/>
+          <p:nvPr/>
+        </p:nvSpPr>
+        <p:spPr>
+          <a:xfrm>
+            <a:off x="4876800" y="4133850"/>
             <a:ext cx="3886200" cy="266700"/>
           </a:xfrm>
           <a:prstGeom prst="rect">
@@ -4085,7 +3936,7 @@
           <a:bodyPr wrap="square" lIns="0" tIns="0" rIns="0" bIns="0" rtlCol="0" anchor="t"/>
           <a:lstStyle/>
           <a:p>
-            <a:pPr algn="l" indent="0" marL="0">
+            <a:pPr marL="0" indent="0" algn="l">
               <a:lnSpc>
                 <a:spcPts val="2100"/>
               </a:lnSpc>
@@ -4097,131 +3948,6 @@
             <a:r>
               <a:rPr lang="en-US" sz="1350" b="1" dirty="0">
                 <a:solidFill>
-                  <a:srgbClr val="FFFFFF"/>
-                </a:solidFill>
-                <a:latin typeface="Arial" pitchFamily="34" charset="0"/>
-                <a:ea typeface="Arial" pitchFamily="34" charset="-122"/>
-                <a:cs typeface="Arial" pitchFamily="34" charset="-120"/>
-              </a:rPr>
-              <a:t>✓ Ventajas</a:t>
-            </a:r>
-            <a:endParaRPr lang="en-US" sz="1350" dirty="0"/>
-          </a:p>
-        </p:txBody>
-      </p:sp>
-      <p:sp>
-        <p:nvSpPr>
-          <p:cNvPr id="15" name="Text 13"/>
-          <p:cNvSpPr/>
-          <p:nvPr/>
-        </p:nvSpPr>
-        <p:spPr>
-          <a:xfrm>
-            <a:off x="457200" y="4476750"/>
-            <a:ext cx="3886200" cy="190500"/>
-          </a:xfrm>
-          <a:prstGeom prst="rect">
-            <a:avLst/>
-          </a:prstGeom>
-          <a:noFill/>
-          <a:ln/>
-        </p:spPr>
-        <p:txBody>
-          <a:bodyPr wrap="square" lIns="0" tIns="0" rIns="0" bIns="0" rtlCol="0" anchor="t"/>
-          <a:lstStyle/>
-          <a:p>
-            <a:pPr algn="l" indent="0" marL="0">
-              <a:lnSpc>
-                <a:spcPts val="1500"/>
-              </a:lnSpc>
-              <a:spcBef>
-                <a:spcPts val="300"/>
-              </a:spcBef>
-              <a:spcAft>
-                <a:spcPts val="300"/>
-              </a:spcAft>
-              <a:buNone/>
-            </a:pPr>
-            <a:r>
-              <a:rPr lang="en-US" sz="1050" dirty="0">
-                <a:solidFill>
-                  <a:srgbClr val="FFFFFF"/>
-                </a:solidFill>
-                <a:latin typeface="Arial" pitchFamily="34" charset="0"/>
-                <a:ea typeface="Arial" pitchFamily="34" charset="-122"/>
-                <a:cs typeface="Arial" pitchFamily="34" charset="-120"/>
-              </a:rPr>
-              <a:t>Automatización, Escalabilidad, Descubrimiento de patrones</a:t>
-            </a:r>
-            <a:endParaRPr lang="en-US" sz="1050" dirty="0"/>
-          </a:p>
-        </p:txBody>
-      </p:sp>
-      <p:sp>
-        <p:nvSpPr>
-          <p:cNvPr id="16" name="Text 14"/>
-          <p:cNvSpPr/>
-          <p:nvPr/>
-        </p:nvSpPr>
-        <p:spPr>
-          <a:xfrm>
-            <a:off x="4724400" y="3981450"/>
-            <a:ext cx="4114800" cy="876300"/>
-          </a:xfrm>
-          <a:prstGeom prst="roundRect">
-            <a:avLst>
-              <a:gd name="adj" fmla="val 6957"/>
-            </a:avLst>
-          </a:prstGeom>
-          <a:solidFill>
-            <a:srgbClr val="F8FAFC"/>
-          </a:solidFill>
-          <a:ln/>
-        </p:spPr>
-        <p:txBody>
-          <a:bodyPr wrap="square" rtlCol="0" anchor="ctr"/>
-          <a:lstStyle/>
-          <a:p>
-            <a:pPr indent="0" marL="0">
-              <a:buNone/>
-            </a:pPr>
-            <a:endParaRPr lang="en-US" dirty="0"/>
-          </a:p>
-        </p:txBody>
-      </p:sp>
-      <p:sp>
-        <p:nvSpPr>
-          <p:cNvPr id="17" name="Text 15"/>
-          <p:cNvSpPr/>
-          <p:nvPr/>
-        </p:nvSpPr>
-        <p:spPr>
-          <a:xfrm>
-            <a:off x="4876800" y="4133850"/>
-            <a:ext cx="3886200" cy="266700"/>
-          </a:xfrm>
-          <a:prstGeom prst="rect">
-            <a:avLst/>
-          </a:prstGeom>
-          <a:noFill/>
-          <a:ln/>
-        </p:spPr>
-        <p:txBody>
-          <a:bodyPr wrap="square" lIns="0" tIns="0" rIns="0" bIns="0" rtlCol="0" anchor="t"/>
-          <a:lstStyle/>
-          <a:p>
-            <a:pPr algn="l" indent="0" marL="0">
-              <a:lnSpc>
-                <a:spcPts val="2100"/>
-              </a:lnSpc>
-              <a:spcAft>
-                <a:spcPts val="600"/>
-              </a:spcAft>
-              <a:buNone/>
-            </a:pPr>
-            <a:r>
-              <a:rPr lang="en-US" sz="1350" b="1" dirty="0">
-                <a:solidFill>
                   <a:srgbClr val="1E293B"/>
                 </a:solidFill>
                 <a:latin typeface="Arial" pitchFamily="34" charset="0"/>
@@ -4255,7 +3981,7 @@
           <a:bodyPr wrap="square" lIns="0" tIns="0" rIns="0" bIns="0" rtlCol="0" anchor="t"/>
           <a:lstStyle/>
           <a:p>
-            <a:pPr algn="l" indent="0" marL="0">
+            <a:pPr marL="0" indent="0" algn="l">
               <a:lnSpc>
                 <a:spcPts val="1500"/>
               </a:lnSpc>
@@ -4298,6 +4024,7 @@
         <a:solidFill>
           <a:srgbClr val="2563EB"/>
         </a:solidFill>
+        <a:effectLst/>
       </p:bgPr>
     </p:bg>
     <p:spTree>
@@ -4335,7 +4062,7 @@
           <a:bodyPr wrap="square" lIns="0" tIns="0" rIns="0" bIns="0" rtlCol="0" anchor="t"/>
           <a:lstStyle/>
           <a:p>
-            <a:pPr algn="ctr" indent="0" marL="0">
+            <a:pPr marL="0" indent="0" algn="ctr">
               <a:lnSpc>
                 <a:spcPts val="5400"/>
               </a:lnSpc>
@@ -4377,7 +4104,7 @@
           <a:bodyPr wrap="square" lIns="0" tIns="0" rIns="0" bIns="0" rtlCol="0" anchor="t"/>
           <a:lstStyle/>
           <a:p>
-            <a:pPr algn="ctr" indent="0" marL="0">
+            <a:pPr marL="0" indent="0" algn="ctr">
               <a:lnSpc>
                 <a:spcPts val="2700"/>
               </a:lnSpc>
@@ -4425,7 +4152,7 @@
           <a:bodyPr wrap="square" lIns="0" tIns="0" rIns="0" bIns="0" rtlCol="0" anchor="t"/>
           <a:lstStyle/>
           <a:p>
-            <a:pPr algn="ctr" indent="0" marL="0">
+            <a:pPr marL="0" indent="0" algn="ctr">
               <a:lnSpc>
                 <a:spcPts val="2100"/>
               </a:lnSpc>
@@ -4462,12 +4189,646 @@
 
 <file path=ppt/slides/slide2.xml><?xml version="1.0" encoding="utf-8"?>
 <p:sld xmlns:a="http://schemas.openxmlformats.org/drawingml/2006/main" xmlns:r="http://schemas.openxmlformats.org/officeDocument/2006/relationships" xmlns:p="http://schemas.openxmlformats.org/presentationml/2006/main">
-  <p:cSld name="Slide 2">
+  <p:cSld>
     <p:bg>
       <p:bgPr>
         <a:solidFill>
           <a:srgbClr val="FFFFFF"/>
         </a:solidFill>
+        <a:effectLst/>
+      </p:bgPr>
+    </p:bg>
+    <p:spTree>
+      <p:nvGrpSpPr>
+        <p:cNvPr id="1" name="">
+          <a:extLst>
+            <a:ext uri="{FF2B5EF4-FFF2-40B4-BE49-F238E27FC236}">
+              <a16:creationId xmlns:a16="http://schemas.microsoft.com/office/drawing/2014/main" id="{0F985852-872A-A9A0-243F-00B188B0EF62}"/>
+            </a:ext>
+          </a:extLst>
+        </p:cNvPr>
+        <p:cNvGrpSpPr/>
+        <p:nvPr/>
+      </p:nvGrpSpPr>
+      <p:grpSpPr>
+        <a:xfrm>
+          <a:off x="0" y="0"/>
+          <a:ext cx="0" cy="0"/>
+          <a:chOff x="0" y="0"/>
+          <a:chExt cx="0" cy="0"/>
+        </a:xfrm>
+      </p:grpSpPr>
+      <p:sp>
+        <p:nvSpPr>
+          <p:cNvPr id="2" name="Text 0">
+            <a:extLst>
+              <a:ext uri="{FF2B5EF4-FFF2-40B4-BE49-F238E27FC236}">
+                <a16:creationId xmlns:a16="http://schemas.microsoft.com/office/drawing/2014/main" id="{E534D71A-69B7-E486-B66A-3E3FAF3104F9}"/>
+              </a:ext>
+            </a:extLst>
+          </p:cNvPr>
+          <p:cNvSpPr/>
+          <p:nvPr/>
+        </p:nvSpPr>
+        <p:spPr>
+          <a:xfrm>
+            <a:off x="0" y="0"/>
+            <a:ext cx="9144000" cy="838200"/>
+          </a:xfrm>
+          <a:prstGeom prst="rect">
+            <a:avLst/>
+          </a:prstGeom>
+          <a:solidFill>
+            <a:srgbClr val="2563EB"/>
+          </a:solidFill>
+          <a:ln/>
+        </p:spPr>
+        <p:txBody>
+          <a:bodyPr wrap="square" rtlCol="0" anchor="ctr"/>
+          <a:lstStyle/>
+          <a:p>
+            <a:pPr marL="0" indent="0">
+              <a:buNone/>
+            </a:pPr>
+            <a:endParaRPr lang="en-US" dirty="0"/>
+          </a:p>
+        </p:txBody>
+      </p:sp>
+      <p:sp>
+        <p:nvSpPr>
+          <p:cNvPr id="3" name="Text 1">
+            <a:extLst>
+              <a:ext uri="{FF2B5EF4-FFF2-40B4-BE49-F238E27FC236}">
+                <a16:creationId xmlns:a16="http://schemas.microsoft.com/office/drawing/2014/main" id="{FDB1BB8F-6608-F0D4-470B-204B518F3ED4}"/>
+              </a:ext>
+            </a:extLst>
+          </p:cNvPr>
+          <p:cNvSpPr/>
+          <p:nvPr/>
+        </p:nvSpPr>
+        <p:spPr>
+          <a:xfrm>
+            <a:off x="228600" y="228600"/>
+            <a:ext cx="5780723" cy="381000"/>
+          </a:xfrm>
+          <a:prstGeom prst="rect">
+            <a:avLst/>
+          </a:prstGeom>
+          <a:noFill/>
+          <a:ln/>
+        </p:spPr>
+        <p:txBody>
+          <a:bodyPr wrap="square" lIns="0" tIns="0" rIns="0" bIns="0" rtlCol="0" anchor="t"/>
+          <a:lstStyle/>
+          <a:p>
+            <a:pPr marL="0" indent="0" algn="l">
+              <a:lnSpc>
+                <a:spcPts val="3000"/>
+              </a:lnSpc>
+              <a:buNone/>
+            </a:pPr>
+            <a:r>
+              <a:rPr lang="en-US" sz="2700" b="1" dirty="0">
+                <a:solidFill>
+                  <a:srgbClr val="FFFFFF"/>
+                </a:solidFill>
+                <a:latin typeface="Arial" pitchFamily="34" charset="0"/>
+                <a:ea typeface="Arial" pitchFamily="34" charset="-122"/>
+                <a:cs typeface="Arial" pitchFamily="34" charset="-120"/>
+              </a:rPr>
+              <a:t>¿Qué es el Aprendizaje en la Web?</a:t>
+            </a:r>
+            <a:endParaRPr lang="en-US" sz="2700" dirty="0"/>
+          </a:p>
+        </p:txBody>
+      </p:sp>
+      <p:sp>
+        <p:nvSpPr>
+          <p:cNvPr id="4" name="Text 2">
+            <a:extLst>
+              <a:ext uri="{FF2B5EF4-FFF2-40B4-BE49-F238E27FC236}">
+                <a16:creationId xmlns:a16="http://schemas.microsoft.com/office/drawing/2014/main" id="{99A130C2-EC9E-A9B7-A639-CA01CEC0EE98}"/>
+              </a:ext>
+            </a:extLst>
+          </p:cNvPr>
+          <p:cNvSpPr/>
+          <p:nvPr/>
+        </p:nvSpPr>
+        <p:spPr>
+          <a:xfrm>
+            <a:off x="304800" y="2133600"/>
+            <a:ext cx="8705088" cy="533400"/>
+          </a:xfrm>
+          <a:prstGeom prst="rect">
+            <a:avLst/>
+          </a:prstGeom>
+          <a:noFill/>
+          <a:ln/>
+        </p:spPr>
+        <p:txBody>
+          <a:bodyPr wrap="square" lIns="0" tIns="0" rIns="0" bIns="0" rtlCol="0" anchor="t"/>
+          <a:lstStyle/>
+          <a:p>
+            <a:pPr marL="0" indent="0" algn="l">
+              <a:lnSpc>
+                <a:spcPts val="2100"/>
+              </a:lnSpc>
+              <a:spcBef>
+                <a:spcPts val="300"/>
+              </a:spcBef>
+              <a:spcAft>
+                <a:spcPts val="300"/>
+              </a:spcAft>
+              <a:buNone/>
+            </a:pPr>
+            <a:r>
+              <a:rPr lang="en-US" sz="1500" dirty="0">
+                <a:solidFill>
+                  <a:srgbClr val="1E293B"/>
+                </a:solidFill>
+                <a:latin typeface="Arial" pitchFamily="34" charset="0"/>
+                <a:ea typeface="Arial" pitchFamily="34" charset="-122"/>
+                <a:cs typeface="Arial" pitchFamily="34" charset="-120"/>
+              </a:rPr>
+              <a:t>Rama del </a:t>
+            </a:r>
+            <a:r>
+              <a:rPr lang="en-US" sz="1500" b="1" dirty="0">
+                <a:solidFill>
+                  <a:srgbClr val="1E293B"/>
+                </a:solidFill>
+                <a:latin typeface="Arial" pitchFamily="34" charset="0"/>
+                <a:ea typeface="Arial" pitchFamily="34" charset="-122"/>
+                <a:cs typeface="Arial" pitchFamily="34" charset="-120"/>
+              </a:rPr>
+              <a:t>Machine Learning</a:t>
+            </a:r>
+            <a:r>
+              <a:rPr lang="en-US" sz="1500" dirty="0">
+                <a:solidFill>
+                  <a:srgbClr val="1E293B"/>
+                </a:solidFill>
+                <a:latin typeface="Arial" pitchFamily="34" charset="0"/>
+                <a:ea typeface="Arial" pitchFamily="34" charset="-122"/>
+                <a:cs typeface="Arial" pitchFamily="34" charset="-120"/>
+              </a:rPr>
+              <a:t> que se enfoca en extraer, procesar y aprender de datos disponibles en internet.</a:t>
+            </a:r>
+            <a:endParaRPr lang="en-US" sz="1500" dirty="0"/>
+          </a:p>
+        </p:txBody>
+      </p:sp>
+      <p:sp>
+        <p:nvSpPr>
+          <p:cNvPr id="5" name="Text 3">
+            <a:extLst>
+              <a:ext uri="{FF2B5EF4-FFF2-40B4-BE49-F238E27FC236}">
+                <a16:creationId xmlns:a16="http://schemas.microsoft.com/office/drawing/2014/main" id="{1C639EFF-E557-B1DE-F287-BA4DF62C54E5}"/>
+              </a:ext>
+            </a:extLst>
+          </p:cNvPr>
+          <p:cNvSpPr/>
+          <p:nvPr/>
+        </p:nvSpPr>
+        <p:spPr>
+          <a:xfrm>
+            <a:off x="304800" y="3162300"/>
+            <a:ext cx="2641550" cy="876300"/>
+          </a:xfrm>
+          <a:prstGeom prst="roundRect">
+            <a:avLst>
+              <a:gd name="adj" fmla="val 6957"/>
+            </a:avLst>
+          </a:prstGeom>
+          <a:solidFill>
+            <a:srgbClr val="F1F5F9"/>
+          </a:solidFill>
+          <a:ln/>
+        </p:spPr>
+        <p:txBody>
+          <a:bodyPr wrap="square" rtlCol="0" anchor="ctr"/>
+          <a:lstStyle/>
+          <a:p>
+            <a:pPr marL="0" indent="0">
+              <a:buNone/>
+            </a:pPr>
+            <a:endParaRPr lang="en-US" dirty="0"/>
+          </a:p>
+        </p:txBody>
+      </p:sp>
+      <p:sp>
+        <p:nvSpPr>
+          <p:cNvPr id="6" name="Text 4">
+            <a:extLst>
+              <a:ext uri="{FF2B5EF4-FFF2-40B4-BE49-F238E27FC236}">
+                <a16:creationId xmlns:a16="http://schemas.microsoft.com/office/drawing/2014/main" id="{737F45AE-2093-FB10-46D3-69574B51AD89}"/>
+              </a:ext>
+            </a:extLst>
+          </p:cNvPr>
+          <p:cNvSpPr/>
+          <p:nvPr/>
+        </p:nvSpPr>
+        <p:spPr>
+          <a:xfrm>
+            <a:off x="457200" y="3314700"/>
+            <a:ext cx="2383485" cy="266700"/>
+          </a:xfrm>
+          <a:prstGeom prst="rect">
+            <a:avLst/>
+          </a:prstGeom>
+          <a:noFill/>
+          <a:ln/>
+        </p:spPr>
+        <p:txBody>
+          <a:bodyPr wrap="square" lIns="0" tIns="0" rIns="0" bIns="0" rtlCol="0" anchor="t"/>
+          <a:lstStyle/>
+          <a:p>
+            <a:pPr marL="0" indent="0" algn="l">
+              <a:lnSpc>
+                <a:spcPts val="2100"/>
+              </a:lnSpc>
+              <a:spcAft>
+                <a:spcPts val="600"/>
+              </a:spcAft>
+              <a:buNone/>
+            </a:pPr>
+            <a:r>
+              <a:rPr lang="en-US" sz="1500" b="1" dirty="0">
+                <a:solidFill>
+                  <a:srgbClr val="2563EB"/>
+                </a:solidFill>
+                <a:latin typeface="Arial" pitchFamily="34" charset="0"/>
+                <a:ea typeface="Arial" pitchFamily="34" charset="-122"/>
+                <a:cs typeface="Arial" pitchFamily="34" charset="-120"/>
+              </a:rPr>
+              <a:t>🌐 Web Scraping</a:t>
+            </a:r>
+            <a:endParaRPr lang="en-US" sz="1500" dirty="0"/>
+          </a:p>
+        </p:txBody>
+      </p:sp>
+      <p:sp>
+        <p:nvSpPr>
+          <p:cNvPr id="7" name="Text 5">
+            <a:extLst>
+              <a:ext uri="{FF2B5EF4-FFF2-40B4-BE49-F238E27FC236}">
+                <a16:creationId xmlns:a16="http://schemas.microsoft.com/office/drawing/2014/main" id="{A6FDCDD2-8A4F-A09B-9915-7B51B10FCD36}"/>
+              </a:ext>
+            </a:extLst>
+          </p:cNvPr>
+          <p:cNvSpPr/>
+          <p:nvPr/>
+        </p:nvSpPr>
+        <p:spPr>
+          <a:xfrm>
+            <a:off x="457200" y="3657600"/>
+            <a:ext cx="2383485" cy="190500"/>
+          </a:xfrm>
+          <a:prstGeom prst="rect">
+            <a:avLst/>
+          </a:prstGeom>
+          <a:noFill/>
+          <a:ln/>
+        </p:spPr>
+        <p:txBody>
+          <a:bodyPr wrap="square" lIns="0" tIns="0" rIns="0" bIns="0" rtlCol="0" anchor="t"/>
+          <a:lstStyle/>
+          <a:p>
+            <a:pPr marL="0" indent="0" algn="l">
+              <a:lnSpc>
+                <a:spcPts val="1500"/>
+              </a:lnSpc>
+              <a:spcBef>
+                <a:spcPts val="300"/>
+              </a:spcBef>
+              <a:spcAft>
+                <a:spcPts val="300"/>
+              </a:spcAft>
+              <a:buNone/>
+            </a:pPr>
+            <a:r>
+              <a:rPr lang="en-US" sz="1050" dirty="0">
+                <a:solidFill>
+                  <a:srgbClr val="1E293B"/>
+                </a:solidFill>
+                <a:latin typeface="Arial" pitchFamily="34" charset="0"/>
+                <a:ea typeface="Arial" pitchFamily="34" charset="-122"/>
+                <a:cs typeface="Arial" pitchFamily="34" charset="-120"/>
+              </a:rPr>
+              <a:t>Extracción automatizada de contenido</a:t>
+            </a:r>
+            <a:endParaRPr lang="en-US" sz="1050" dirty="0"/>
+          </a:p>
+        </p:txBody>
+      </p:sp>
+      <p:sp>
+        <p:nvSpPr>
+          <p:cNvPr id="8" name="Text 6">
+            <a:extLst>
+              <a:ext uri="{FF2B5EF4-FFF2-40B4-BE49-F238E27FC236}">
+                <a16:creationId xmlns:a16="http://schemas.microsoft.com/office/drawing/2014/main" id="{AF0FB115-30AA-241B-BFDF-45FF88BD876B}"/>
+              </a:ext>
+            </a:extLst>
+          </p:cNvPr>
+          <p:cNvSpPr/>
+          <p:nvPr/>
+        </p:nvSpPr>
+        <p:spPr>
+          <a:xfrm>
+            <a:off x="3251150" y="3162300"/>
+            <a:ext cx="2641550" cy="876300"/>
+          </a:xfrm>
+          <a:prstGeom prst="roundRect">
+            <a:avLst>
+              <a:gd name="adj" fmla="val 6957"/>
+            </a:avLst>
+          </a:prstGeom>
+          <a:solidFill>
+            <a:srgbClr val="F1F5F9"/>
+          </a:solidFill>
+          <a:ln/>
+        </p:spPr>
+        <p:txBody>
+          <a:bodyPr wrap="square" rtlCol="0" anchor="ctr"/>
+          <a:lstStyle/>
+          <a:p>
+            <a:pPr marL="0" indent="0">
+              <a:buNone/>
+            </a:pPr>
+            <a:endParaRPr lang="en-US" dirty="0"/>
+          </a:p>
+        </p:txBody>
+      </p:sp>
+      <p:sp>
+        <p:nvSpPr>
+          <p:cNvPr id="9" name="Text 7">
+            <a:extLst>
+              <a:ext uri="{FF2B5EF4-FFF2-40B4-BE49-F238E27FC236}">
+                <a16:creationId xmlns:a16="http://schemas.microsoft.com/office/drawing/2014/main" id="{EDE12C99-5C51-A279-D250-3BF9EEFF1B19}"/>
+              </a:ext>
+            </a:extLst>
+          </p:cNvPr>
+          <p:cNvSpPr/>
+          <p:nvPr/>
+        </p:nvSpPr>
+        <p:spPr>
+          <a:xfrm>
+            <a:off x="3403550" y="3314700"/>
+            <a:ext cx="2383485" cy="266700"/>
+          </a:xfrm>
+          <a:prstGeom prst="rect">
+            <a:avLst/>
+          </a:prstGeom>
+          <a:noFill/>
+          <a:ln/>
+        </p:spPr>
+        <p:txBody>
+          <a:bodyPr wrap="square" lIns="0" tIns="0" rIns="0" bIns="0" rtlCol="0" anchor="t"/>
+          <a:lstStyle/>
+          <a:p>
+            <a:pPr marL="0" indent="0" algn="l">
+              <a:lnSpc>
+                <a:spcPts val="2100"/>
+              </a:lnSpc>
+              <a:spcAft>
+                <a:spcPts val="600"/>
+              </a:spcAft>
+              <a:buNone/>
+            </a:pPr>
+            <a:r>
+              <a:rPr lang="en-US" sz="1500" b="1" dirty="0">
+                <a:solidFill>
+                  <a:srgbClr val="2563EB"/>
+                </a:solidFill>
+                <a:latin typeface="Arial" pitchFamily="34" charset="0"/>
+                <a:ea typeface="Arial" pitchFamily="34" charset="-122"/>
+                <a:cs typeface="Arial" pitchFamily="34" charset="-120"/>
+              </a:rPr>
+              <a:t>💬 NLP</a:t>
+            </a:r>
+            <a:endParaRPr lang="en-US" sz="1500" dirty="0"/>
+          </a:p>
+        </p:txBody>
+      </p:sp>
+      <p:sp>
+        <p:nvSpPr>
+          <p:cNvPr id="10" name="Text 8">
+            <a:extLst>
+              <a:ext uri="{FF2B5EF4-FFF2-40B4-BE49-F238E27FC236}">
+                <a16:creationId xmlns:a16="http://schemas.microsoft.com/office/drawing/2014/main" id="{B6CA370B-76D7-3563-828B-FE56F35DED3C}"/>
+              </a:ext>
+            </a:extLst>
+          </p:cNvPr>
+          <p:cNvSpPr/>
+          <p:nvPr/>
+        </p:nvSpPr>
+        <p:spPr>
+          <a:xfrm>
+            <a:off x="3403550" y="3657600"/>
+            <a:ext cx="2383485" cy="190500"/>
+          </a:xfrm>
+          <a:prstGeom prst="rect">
+            <a:avLst/>
+          </a:prstGeom>
+          <a:noFill/>
+          <a:ln/>
+        </p:spPr>
+        <p:txBody>
+          <a:bodyPr wrap="square" lIns="0" tIns="0" rIns="0" bIns="0" rtlCol="0" anchor="t"/>
+          <a:lstStyle/>
+          <a:p>
+            <a:pPr marL="0" indent="0" algn="l">
+              <a:lnSpc>
+                <a:spcPts val="1500"/>
+              </a:lnSpc>
+              <a:spcBef>
+                <a:spcPts val="300"/>
+              </a:spcBef>
+              <a:spcAft>
+                <a:spcPts val="300"/>
+              </a:spcAft>
+              <a:buNone/>
+            </a:pPr>
+            <a:r>
+              <a:rPr lang="en-US" sz="1050" dirty="0">
+                <a:solidFill>
+                  <a:srgbClr val="1E293B"/>
+                </a:solidFill>
+                <a:latin typeface="Arial" pitchFamily="34" charset="0"/>
+                <a:ea typeface="Arial" pitchFamily="34" charset="-122"/>
+                <a:cs typeface="Arial" pitchFamily="34" charset="-120"/>
+              </a:rPr>
+              <a:t>Análisis y comprensión de texto</a:t>
+            </a:r>
+            <a:endParaRPr lang="en-US" sz="1050" dirty="0"/>
+          </a:p>
+        </p:txBody>
+      </p:sp>
+      <p:sp>
+        <p:nvSpPr>
+          <p:cNvPr id="11" name="Text 9">
+            <a:extLst>
+              <a:ext uri="{FF2B5EF4-FFF2-40B4-BE49-F238E27FC236}">
+                <a16:creationId xmlns:a16="http://schemas.microsoft.com/office/drawing/2014/main" id="{C6789AEA-E244-60E6-1280-BF79538C0AD7}"/>
+              </a:ext>
+            </a:extLst>
+          </p:cNvPr>
+          <p:cNvSpPr/>
+          <p:nvPr/>
+        </p:nvSpPr>
+        <p:spPr>
+          <a:xfrm>
+            <a:off x="6197501" y="3162300"/>
+            <a:ext cx="2641550" cy="876300"/>
+          </a:xfrm>
+          <a:prstGeom prst="roundRect">
+            <a:avLst>
+              <a:gd name="adj" fmla="val 6957"/>
+            </a:avLst>
+          </a:prstGeom>
+          <a:solidFill>
+            <a:srgbClr val="F1F5F9"/>
+          </a:solidFill>
+          <a:ln/>
+        </p:spPr>
+        <p:txBody>
+          <a:bodyPr wrap="square" rtlCol="0" anchor="ctr"/>
+          <a:lstStyle/>
+          <a:p>
+            <a:pPr marL="0" indent="0">
+              <a:buNone/>
+            </a:pPr>
+            <a:endParaRPr lang="en-US" dirty="0"/>
+          </a:p>
+        </p:txBody>
+      </p:sp>
+      <p:sp>
+        <p:nvSpPr>
+          <p:cNvPr id="12" name="Text 10">
+            <a:extLst>
+              <a:ext uri="{FF2B5EF4-FFF2-40B4-BE49-F238E27FC236}">
+                <a16:creationId xmlns:a16="http://schemas.microsoft.com/office/drawing/2014/main" id="{B23FE330-79FA-BEBC-4AF1-52F8C7DD434A}"/>
+              </a:ext>
+            </a:extLst>
+          </p:cNvPr>
+          <p:cNvSpPr/>
+          <p:nvPr/>
+        </p:nvSpPr>
+        <p:spPr>
+          <a:xfrm>
+            <a:off x="6349901" y="3314700"/>
+            <a:ext cx="2383485" cy="266700"/>
+          </a:xfrm>
+          <a:prstGeom prst="rect">
+            <a:avLst/>
+          </a:prstGeom>
+          <a:noFill/>
+          <a:ln/>
+        </p:spPr>
+        <p:txBody>
+          <a:bodyPr wrap="square" lIns="0" tIns="0" rIns="0" bIns="0" rtlCol="0" anchor="t"/>
+          <a:lstStyle/>
+          <a:p>
+            <a:pPr marL="0" indent="0" algn="l">
+              <a:lnSpc>
+                <a:spcPts val="2100"/>
+              </a:lnSpc>
+              <a:spcAft>
+                <a:spcPts val="600"/>
+              </a:spcAft>
+              <a:buNone/>
+            </a:pPr>
+            <a:r>
+              <a:rPr lang="en-US" sz="1500" b="1" dirty="0">
+                <a:solidFill>
+                  <a:srgbClr val="2563EB"/>
+                </a:solidFill>
+                <a:latin typeface="Arial" pitchFamily="34" charset="0"/>
+                <a:ea typeface="Arial" pitchFamily="34" charset="-122"/>
+                <a:cs typeface="Arial" pitchFamily="34" charset="-120"/>
+              </a:rPr>
+              <a:t>🤖 ML</a:t>
+            </a:r>
+            <a:endParaRPr lang="en-US" sz="1500" dirty="0"/>
+          </a:p>
+        </p:txBody>
+      </p:sp>
+      <p:sp>
+        <p:nvSpPr>
+          <p:cNvPr id="13" name="Text 11">
+            <a:extLst>
+              <a:ext uri="{FF2B5EF4-FFF2-40B4-BE49-F238E27FC236}">
+                <a16:creationId xmlns:a16="http://schemas.microsoft.com/office/drawing/2014/main" id="{7D3531CE-0F95-D0DA-2387-3F8B7A07CAD1}"/>
+              </a:ext>
+            </a:extLst>
+          </p:cNvPr>
+          <p:cNvSpPr/>
+          <p:nvPr/>
+        </p:nvSpPr>
+        <p:spPr>
+          <a:xfrm>
+            <a:off x="6349901" y="3657600"/>
+            <a:ext cx="2383485" cy="190500"/>
+          </a:xfrm>
+          <a:prstGeom prst="rect">
+            <a:avLst/>
+          </a:prstGeom>
+          <a:noFill/>
+          <a:ln/>
+        </p:spPr>
+        <p:txBody>
+          <a:bodyPr wrap="square" lIns="0" tIns="0" rIns="0" bIns="0" rtlCol="0" anchor="t"/>
+          <a:lstStyle/>
+          <a:p>
+            <a:pPr marL="0" indent="0" algn="l">
+              <a:lnSpc>
+                <a:spcPts val="1500"/>
+              </a:lnSpc>
+              <a:spcBef>
+                <a:spcPts val="300"/>
+              </a:spcBef>
+              <a:spcAft>
+                <a:spcPts val="300"/>
+              </a:spcAft>
+              <a:buNone/>
+            </a:pPr>
+            <a:r>
+              <a:rPr lang="en-US" sz="1050" dirty="0">
+                <a:solidFill>
+                  <a:srgbClr val="1E293B"/>
+                </a:solidFill>
+                <a:latin typeface="Arial" pitchFamily="34" charset="0"/>
+                <a:ea typeface="Arial" pitchFamily="34" charset="-122"/>
+                <a:cs typeface="Arial" pitchFamily="34" charset="-120"/>
+              </a:rPr>
+              <a:t>Aprendizaje de patrones</a:t>
+            </a:r>
+            <a:endParaRPr lang="en-US" sz="1050" dirty="0"/>
+          </a:p>
+        </p:txBody>
+      </p:sp>
+    </p:spTree>
+    <p:extLst>
+      <p:ext uri="{BB962C8B-B14F-4D97-AF65-F5344CB8AC3E}">
+        <p14:creationId xmlns:p14="http://schemas.microsoft.com/office/powerpoint/2010/main" val="69613796"/>
+      </p:ext>
+    </p:extLst>
+  </p:cSld>
+  <p:clrMapOvr>
+    <a:masterClrMapping/>
+  </p:clrMapOvr>
+</p:sld>
+</file>
+
+<file path=ppt/slides/slide3.xml><?xml version="1.0" encoding="utf-8"?>
+<p:sld xmlns:a="http://schemas.openxmlformats.org/drawingml/2006/main" xmlns:r="http://schemas.openxmlformats.org/officeDocument/2006/relationships" xmlns:p="http://schemas.openxmlformats.org/presentationml/2006/main">
+  <p:cSld name="Slide 3">
+    <p:bg>
+      <p:bgPr>
+        <a:solidFill>
+          <a:srgbClr val="FFFFFF"/>
+        </a:solidFill>
+        <a:effectLst/>
       </p:bgPr>
     </p:bg>
     <p:spTree>
@@ -4507,7 +4868,7 @@
           <a:bodyPr wrap="square" rtlCol="0" anchor="ctr"/>
           <a:lstStyle/>
           <a:p>
-            <a:pPr indent="0" marL="0">
+            <a:pPr marL="0" indent="0">
               <a:buNone/>
             </a:pPr>
             <a:endParaRPr lang="en-US" dirty="0"/>
@@ -4523,7 +4884,7 @@
         <p:spPr>
           <a:xfrm>
             <a:off x="228600" y="228600"/>
-            <a:ext cx="5780723" cy="381000"/>
+            <a:ext cx="4439984" cy="381000"/>
           </a:xfrm>
           <a:prstGeom prst="rect">
             <a:avLst/>
@@ -4535,7 +4896,7 @@
           <a:bodyPr wrap="square" lIns="0" tIns="0" rIns="0" bIns="0" rtlCol="0" anchor="t"/>
           <a:lstStyle/>
           <a:p>
-            <a:pPr algn="l" indent="0" marL="0">
+            <a:pPr marL="0" indent="0" algn="l">
               <a:lnSpc>
                 <a:spcPts val="3000"/>
               </a:lnSpc>
@@ -4550,7 +4911,7 @@
                 <a:ea typeface="Arial" pitchFamily="34" charset="-122"/>
                 <a:cs typeface="Arial" pitchFamily="34" charset="-120"/>
               </a:rPr>
-              <a:t>¿Qué es el Aprendizaje en la Web?</a:t>
+              <a:t>Web Scraping</a:t>
             </a:r>
             <a:endParaRPr lang="en-US" sz="2700" dirty="0"/>
           </a:p>
@@ -4564,8 +4925,8 @@
         </p:nvSpPr>
         <p:spPr>
           <a:xfrm>
-            <a:off x="304800" y="2133600"/>
-            <a:ext cx="8705088" cy="533400"/>
+            <a:off x="304800" y="1562100"/>
+            <a:ext cx="8705088" cy="266700"/>
           </a:xfrm>
           <a:prstGeom prst="rect">
             <a:avLst/>
@@ -4577,7 +4938,7 @@
           <a:bodyPr wrap="square" lIns="0" tIns="0" rIns="0" bIns="0" rtlCol="0" anchor="t"/>
           <a:lstStyle/>
           <a:p>
-            <a:pPr algn="l" indent="0" marL="0">
+            <a:pPr marL="0" indent="0" algn="l">
               <a:lnSpc>
                 <a:spcPts val="2100"/>
               </a:lnSpc>
@@ -4590,6 +4951,17 @@
               <a:buNone/>
             </a:pPr>
             <a:r>
+              <a:rPr lang="en-US" sz="1500" b="1" dirty="0">
+                <a:solidFill>
+                  <a:srgbClr val="1E293B"/>
+                </a:solidFill>
+                <a:latin typeface="Arial" pitchFamily="34" charset="0"/>
+                <a:ea typeface="Arial" pitchFamily="34" charset="-122"/>
+                <a:cs typeface="Arial" pitchFamily="34" charset="-120"/>
+              </a:rPr>
+              <a:t>Definición:</a:t>
+            </a:r>
+            <a:r>
               <a:rPr lang="en-US" sz="1500" dirty="0">
                 <a:solidFill>
                   <a:srgbClr val="1E293B"/>
@@ -4598,11 +4970,260 @@
                 <a:ea typeface="Arial" pitchFamily="34" charset="-122"/>
                 <a:cs typeface="Arial" pitchFamily="34" charset="-120"/>
               </a:rPr>
-              <a:t>Rama del </a:t>
-            </a:r>
-            <a:pPr algn="l" indent="0" marL="0">
+              <a:t> Proceso automatizado de extracción de información de sitios web.</a:t>
+            </a:r>
+            <a:endParaRPr lang="en-US" sz="1500" dirty="0"/>
+          </a:p>
+        </p:txBody>
+      </p:sp>
+      <p:sp>
+        <p:nvSpPr>
+          <p:cNvPr id="5" name="Text 3"/>
+          <p:cNvSpPr/>
+          <p:nvPr/>
+        </p:nvSpPr>
+        <p:spPr>
+          <a:xfrm>
+            <a:off x="304800" y="2171700"/>
+            <a:ext cx="8705088" cy="304800"/>
+          </a:xfrm>
+          <a:prstGeom prst="rect">
+            <a:avLst/>
+          </a:prstGeom>
+          <a:noFill/>
+          <a:ln/>
+        </p:spPr>
+        <p:txBody>
+          <a:bodyPr wrap="square" lIns="0" tIns="0" rIns="0" bIns="0" rtlCol="0" anchor="t"/>
+          <a:lstStyle/>
+          <a:p>
+            <a:pPr marL="0" indent="0" algn="l">
+              <a:lnSpc>
+                <a:spcPts val="2400"/>
+              </a:lnSpc>
+              <a:buNone/>
+            </a:pPr>
+            <a:r>
+              <a:rPr lang="en-US" sz="1800" b="1" dirty="0">
+                <a:solidFill>
+                  <a:srgbClr val="2563EB"/>
+                </a:solidFill>
+                <a:latin typeface="Arial" pitchFamily="34" charset="0"/>
+                <a:ea typeface="Arial" pitchFamily="34" charset="-122"/>
+                <a:cs typeface="Arial" pitchFamily="34" charset="-120"/>
+              </a:rPr>
+              <a:t>Herramientas en Python</a:t>
+            </a:r>
+            <a:endParaRPr lang="en-US" sz="1800" dirty="0"/>
+          </a:p>
+        </p:txBody>
+      </p:sp>
+      <p:sp>
+        <p:nvSpPr>
+          <p:cNvPr id="6" name="Text 4"/>
+          <p:cNvSpPr/>
+          <p:nvPr/>
+        </p:nvSpPr>
+        <p:spPr>
+          <a:xfrm>
+            <a:off x="304800" y="2552700"/>
+            <a:ext cx="8534400" cy="1181100"/>
+          </a:xfrm>
+          <a:prstGeom prst="rect">
+            <a:avLst/>
+          </a:prstGeom>
+          <a:noFill/>
+          <a:ln/>
+        </p:spPr>
+        <p:txBody>
+          <a:bodyPr wrap="square" lIns="85725" tIns="0" rIns="0" bIns="0" rtlCol="0" anchor="t"/>
+          <a:lstStyle/>
+          <a:p>
+            <a:pPr marL="85725" indent="-85725" algn="l">
               <a:lnSpc>
                 <a:spcPts val="2100"/>
+              </a:lnSpc>
+              <a:buSzPct val="100000"/>
+              <a:buChar char="•"/>
+            </a:pPr>
+            <a:r>
+              <a:rPr lang="en-US" sz="1350" b="1" dirty="0">
+                <a:solidFill>
+                  <a:srgbClr val="1E293B"/>
+                </a:solidFill>
+                <a:latin typeface="Arial" pitchFamily="34" charset="0"/>
+                <a:ea typeface="Arial" pitchFamily="34" charset="-122"/>
+                <a:cs typeface="Arial" pitchFamily="34" charset="-120"/>
+              </a:rPr>
+              <a:t>BeautifulSoup:</a:t>
+            </a:r>
+            <a:r>
+              <a:rPr lang="en-US" sz="1350" dirty="0">
+                <a:solidFill>
+                  <a:srgbClr val="1E293B"/>
+                </a:solidFill>
+                <a:latin typeface="Arial" pitchFamily="34" charset="0"/>
+                <a:ea typeface="Arial" pitchFamily="34" charset="-122"/>
+                <a:cs typeface="Arial" pitchFamily="34" charset="-120"/>
+              </a:rPr>
+              <a:t> Parsing HTML/XML</a:t>
+            </a:r>
+            <a:endParaRPr lang="en-US" sz="1350" dirty="0"/>
+          </a:p>
+          <a:p>
+            <a:pPr marL="85725" indent="-85725" algn="l">
+              <a:lnSpc>
+                <a:spcPts val="2100"/>
+              </a:lnSpc>
+              <a:buSzPct val="100000"/>
+              <a:buChar char="•"/>
+            </a:pPr>
+            <a:r>
+              <a:rPr lang="en-US" sz="1350" b="1" dirty="0">
+                <a:solidFill>
+                  <a:srgbClr val="1E293B"/>
+                </a:solidFill>
+                <a:latin typeface="Arial" pitchFamily="34" charset="0"/>
+                <a:ea typeface="Arial" pitchFamily="34" charset="-122"/>
+                <a:cs typeface="Arial" pitchFamily="34" charset="-120"/>
+              </a:rPr>
+              <a:t>Scrapy:</a:t>
+            </a:r>
+            <a:r>
+              <a:rPr lang="en-US" sz="1350" dirty="0">
+                <a:solidFill>
+                  <a:srgbClr val="1E293B"/>
+                </a:solidFill>
+                <a:latin typeface="Arial" pitchFamily="34" charset="0"/>
+                <a:ea typeface="Arial" pitchFamily="34" charset="-122"/>
+                <a:cs typeface="Arial" pitchFamily="34" charset="-120"/>
+              </a:rPr>
+              <a:t> Framework completo de scraping</a:t>
+            </a:r>
+            <a:endParaRPr lang="en-US" sz="1350" dirty="0"/>
+          </a:p>
+          <a:p>
+            <a:pPr marL="85725" indent="-85725" algn="l">
+              <a:lnSpc>
+                <a:spcPts val="2100"/>
+              </a:lnSpc>
+              <a:buSzPct val="100000"/>
+              <a:buChar char="•"/>
+            </a:pPr>
+            <a:r>
+              <a:rPr lang="en-US" sz="1350" b="1" dirty="0">
+                <a:solidFill>
+                  <a:srgbClr val="1E293B"/>
+                </a:solidFill>
+                <a:latin typeface="Arial" pitchFamily="34" charset="0"/>
+                <a:ea typeface="Arial" pitchFamily="34" charset="-122"/>
+                <a:cs typeface="Arial" pitchFamily="34" charset="-120"/>
+              </a:rPr>
+              <a:t>Selenium:</a:t>
+            </a:r>
+            <a:r>
+              <a:rPr lang="en-US" sz="1350" dirty="0">
+                <a:solidFill>
+                  <a:srgbClr val="1E293B"/>
+                </a:solidFill>
+                <a:latin typeface="Arial" pitchFamily="34" charset="0"/>
+                <a:ea typeface="Arial" pitchFamily="34" charset="-122"/>
+                <a:cs typeface="Arial" pitchFamily="34" charset="-120"/>
+              </a:rPr>
+              <a:t> Páginas dinámicas (JavaScript)</a:t>
+            </a:r>
+            <a:endParaRPr lang="en-US" sz="1350" dirty="0"/>
+          </a:p>
+          <a:p>
+            <a:pPr marL="85725" indent="-85725" algn="l">
+              <a:lnSpc>
+                <a:spcPts val="2100"/>
+              </a:lnSpc>
+              <a:buSzPct val="100000"/>
+              <a:buChar char="•"/>
+            </a:pPr>
+            <a:r>
+              <a:rPr lang="en-US" sz="1350" b="1" dirty="0">
+                <a:solidFill>
+                  <a:srgbClr val="1E293B"/>
+                </a:solidFill>
+                <a:latin typeface="Arial" pitchFamily="34" charset="0"/>
+                <a:ea typeface="Arial" pitchFamily="34" charset="-122"/>
+                <a:cs typeface="Arial" pitchFamily="34" charset="-120"/>
+              </a:rPr>
+              <a:t>Requests:</a:t>
+            </a:r>
+            <a:r>
+              <a:rPr lang="en-US" sz="1350" dirty="0">
+                <a:solidFill>
+                  <a:srgbClr val="1E293B"/>
+                </a:solidFill>
+                <a:latin typeface="Arial" pitchFamily="34" charset="0"/>
+                <a:ea typeface="Arial" pitchFamily="34" charset="-122"/>
+                <a:cs typeface="Arial" pitchFamily="34" charset="-120"/>
+              </a:rPr>
+              <a:t> Peticiones HTTP</a:t>
+            </a:r>
+            <a:endParaRPr lang="en-US" sz="1350" dirty="0"/>
+          </a:p>
+        </p:txBody>
+      </p:sp>
+      <p:sp>
+        <p:nvSpPr>
+          <p:cNvPr id="7" name="Text 5"/>
+          <p:cNvSpPr/>
+          <p:nvPr/>
+        </p:nvSpPr>
+        <p:spPr>
+          <a:xfrm>
+            <a:off x="304800" y="4038600"/>
+            <a:ext cx="8534400" cy="571500"/>
+          </a:xfrm>
+          <a:prstGeom prst="roundRect">
+            <a:avLst>
+              <a:gd name="adj" fmla="val 10667"/>
+            </a:avLst>
+          </a:prstGeom>
+          <a:solidFill>
+            <a:srgbClr val="F1F5F9"/>
+          </a:solidFill>
+          <a:ln/>
+        </p:spPr>
+        <p:txBody>
+          <a:bodyPr wrap="square" rtlCol="0" anchor="ctr"/>
+          <a:lstStyle/>
+          <a:p>
+            <a:pPr marL="0" indent="0">
+              <a:buNone/>
+            </a:pPr>
+            <a:endParaRPr lang="en-US" dirty="0"/>
+          </a:p>
+        </p:txBody>
+      </p:sp>
+      <p:sp>
+        <p:nvSpPr>
+          <p:cNvPr id="8" name="Text 6"/>
+          <p:cNvSpPr/>
+          <p:nvPr/>
+        </p:nvSpPr>
+        <p:spPr>
+          <a:xfrm>
+            <a:off x="457200" y="4229100"/>
+            <a:ext cx="8394192" cy="190500"/>
+          </a:xfrm>
+          <a:prstGeom prst="rect">
+            <a:avLst/>
+          </a:prstGeom>
+          <a:noFill/>
+          <a:ln/>
+        </p:spPr>
+        <p:txBody>
+          <a:bodyPr wrap="square" lIns="0" tIns="0" rIns="0" bIns="0" rtlCol="0" anchor="t"/>
+          <a:lstStyle/>
+          <a:p>
+            <a:pPr marL="0" indent="0" algn="l">
+              <a:lnSpc>
+                <a:spcPts val="1500"/>
               </a:lnSpc>
               <a:spcBef>
                 <a:spcPts val="300"/>
@@ -4613,7 +5234,7 @@
               <a:buNone/>
             </a:pPr>
             <a:r>
-              <a:rPr lang="en-US" sz="1500" b="1" dirty="0">
+              <a:rPr lang="en-US" sz="1050" b="1" dirty="0">
                 <a:solidFill>
                   <a:srgbClr val="1E293B"/>
                 </a:solidFill>
@@ -4621,22 +5242,10 @@
                 <a:ea typeface="Arial" pitchFamily="34" charset="-122"/>
                 <a:cs typeface="Arial" pitchFamily="34" charset="-120"/>
               </a:rPr>
-              <a:t>Machine Learning</a:t>
-            </a:r>
-            <a:pPr algn="l" indent="0" marL="0">
-              <a:lnSpc>
-                <a:spcPts val="2100"/>
-              </a:lnSpc>
-              <a:spcBef>
-                <a:spcPts val="300"/>
-              </a:spcBef>
-              <a:spcAft>
-                <a:spcPts val="300"/>
-              </a:spcAft>
-              <a:buNone/>
-            </a:pPr>
-            <a:r>
-              <a:rPr lang="en-US" sz="1500" dirty="0">
+              <a:t>⚠️ Consideraciones éticas:</a:t>
+            </a:r>
+            <a:r>
+              <a:rPr lang="en-US" sz="1050" dirty="0">
                 <a:solidFill>
                   <a:srgbClr val="1E293B"/>
                 </a:solidFill>
@@ -4644,382 +5253,7 @@
                 <a:ea typeface="Arial" pitchFamily="34" charset="-122"/>
                 <a:cs typeface="Arial" pitchFamily="34" charset="-120"/>
               </a:rPr>
-              <a:t> que se enfoca en extraer, procesar y aprender de datos disponibles en internet.</a:t>
-            </a:r>
-            <a:endParaRPr lang="en-US" sz="1500" dirty="0"/>
-          </a:p>
-        </p:txBody>
-      </p:sp>
-      <p:sp>
-        <p:nvSpPr>
-          <p:cNvPr id="5" name="Text 3"/>
-          <p:cNvSpPr/>
-          <p:nvPr/>
-        </p:nvSpPr>
-        <p:spPr>
-          <a:xfrm>
-            <a:off x="304800" y="3162300"/>
-            <a:ext cx="2641550" cy="876300"/>
-          </a:xfrm>
-          <a:prstGeom prst="roundRect">
-            <a:avLst>
-              <a:gd name="adj" fmla="val 6957"/>
-            </a:avLst>
-          </a:prstGeom>
-          <a:solidFill>
-            <a:srgbClr val="F1F5F9"/>
-          </a:solidFill>
-          <a:ln/>
-        </p:spPr>
-        <p:txBody>
-          <a:bodyPr wrap="square" rtlCol="0" anchor="ctr"/>
-          <a:lstStyle/>
-          <a:p>
-            <a:pPr indent="0" marL="0">
-              <a:buNone/>
-            </a:pPr>
-            <a:endParaRPr lang="en-US" dirty="0"/>
-          </a:p>
-        </p:txBody>
-      </p:sp>
-      <p:sp>
-        <p:nvSpPr>
-          <p:cNvPr id="6" name="Text 4"/>
-          <p:cNvSpPr/>
-          <p:nvPr/>
-        </p:nvSpPr>
-        <p:spPr>
-          <a:xfrm>
-            <a:off x="457200" y="3314700"/>
-            <a:ext cx="2383485" cy="266700"/>
-          </a:xfrm>
-          <a:prstGeom prst="rect">
-            <a:avLst/>
-          </a:prstGeom>
-          <a:noFill/>
-          <a:ln/>
-        </p:spPr>
-        <p:txBody>
-          <a:bodyPr wrap="square" lIns="0" tIns="0" rIns="0" bIns="0" rtlCol="0" anchor="t"/>
-          <a:lstStyle/>
-          <a:p>
-            <a:pPr algn="l" indent="0" marL="0">
-              <a:lnSpc>
-                <a:spcPts val="2100"/>
-              </a:lnSpc>
-              <a:spcAft>
-                <a:spcPts val="600"/>
-              </a:spcAft>
-              <a:buNone/>
-            </a:pPr>
-            <a:r>
-              <a:rPr lang="en-US" sz="1500" b="1" dirty="0">
-                <a:solidFill>
-                  <a:srgbClr val="2563EB"/>
-                </a:solidFill>
-                <a:latin typeface="Arial" pitchFamily="34" charset="0"/>
-                <a:ea typeface="Arial" pitchFamily="34" charset="-122"/>
-                <a:cs typeface="Arial" pitchFamily="34" charset="-120"/>
-              </a:rPr>
-              <a:t>🌐 Web Scraping</a:t>
-            </a:r>
-            <a:endParaRPr lang="en-US" sz="1500" dirty="0"/>
-          </a:p>
-        </p:txBody>
-      </p:sp>
-      <p:sp>
-        <p:nvSpPr>
-          <p:cNvPr id="7" name="Text 5"/>
-          <p:cNvSpPr/>
-          <p:nvPr/>
-        </p:nvSpPr>
-        <p:spPr>
-          <a:xfrm>
-            <a:off x="457200" y="3657600"/>
-            <a:ext cx="2383485" cy="190500"/>
-          </a:xfrm>
-          <a:prstGeom prst="rect">
-            <a:avLst/>
-          </a:prstGeom>
-          <a:noFill/>
-          <a:ln/>
-        </p:spPr>
-        <p:txBody>
-          <a:bodyPr wrap="square" lIns="0" tIns="0" rIns="0" bIns="0" rtlCol="0" anchor="t"/>
-          <a:lstStyle/>
-          <a:p>
-            <a:pPr algn="l" indent="0" marL="0">
-              <a:lnSpc>
-                <a:spcPts val="1500"/>
-              </a:lnSpc>
-              <a:spcBef>
-                <a:spcPts val="300"/>
-              </a:spcBef>
-              <a:spcAft>
-                <a:spcPts val="300"/>
-              </a:spcAft>
-              <a:buNone/>
-            </a:pPr>
-            <a:r>
-              <a:rPr lang="en-US" sz="1050" dirty="0">
-                <a:solidFill>
-                  <a:srgbClr val="1E293B"/>
-                </a:solidFill>
-                <a:latin typeface="Arial" pitchFamily="34" charset="0"/>
-                <a:ea typeface="Arial" pitchFamily="34" charset="-122"/>
-                <a:cs typeface="Arial" pitchFamily="34" charset="-120"/>
-              </a:rPr>
-              <a:t>Extracción automatizada de contenido</a:t>
-            </a:r>
-            <a:endParaRPr lang="en-US" sz="1050" dirty="0"/>
-          </a:p>
-        </p:txBody>
-      </p:sp>
-      <p:sp>
-        <p:nvSpPr>
-          <p:cNvPr id="8" name="Text 6"/>
-          <p:cNvSpPr/>
-          <p:nvPr/>
-        </p:nvSpPr>
-        <p:spPr>
-          <a:xfrm>
-            <a:off x="3251150" y="3162300"/>
-            <a:ext cx="2641550" cy="876300"/>
-          </a:xfrm>
-          <a:prstGeom prst="roundRect">
-            <a:avLst>
-              <a:gd name="adj" fmla="val 6957"/>
-            </a:avLst>
-          </a:prstGeom>
-          <a:solidFill>
-            <a:srgbClr val="F1F5F9"/>
-          </a:solidFill>
-          <a:ln/>
-        </p:spPr>
-        <p:txBody>
-          <a:bodyPr wrap="square" rtlCol="0" anchor="ctr"/>
-          <a:lstStyle/>
-          <a:p>
-            <a:pPr indent="0" marL="0">
-              <a:buNone/>
-            </a:pPr>
-            <a:endParaRPr lang="en-US" dirty="0"/>
-          </a:p>
-        </p:txBody>
-      </p:sp>
-      <p:sp>
-        <p:nvSpPr>
-          <p:cNvPr id="9" name="Text 7"/>
-          <p:cNvSpPr/>
-          <p:nvPr/>
-        </p:nvSpPr>
-        <p:spPr>
-          <a:xfrm>
-            <a:off x="3403550" y="3314700"/>
-            <a:ext cx="2383485" cy="266700"/>
-          </a:xfrm>
-          <a:prstGeom prst="rect">
-            <a:avLst/>
-          </a:prstGeom>
-          <a:noFill/>
-          <a:ln/>
-        </p:spPr>
-        <p:txBody>
-          <a:bodyPr wrap="square" lIns="0" tIns="0" rIns="0" bIns="0" rtlCol="0" anchor="t"/>
-          <a:lstStyle/>
-          <a:p>
-            <a:pPr algn="l" indent="0" marL="0">
-              <a:lnSpc>
-                <a:spcPts val="2100"/>
-              </a:lnSpc>
-              <a:spcAft>
-                <a:spcPts val="600"/>
-              </a:spcAft>
-              <a:buNone/>
-            </a:pPr>
-            <a:r>
-              <a:rPr lang="en-US" sz="1500" b="1" dirty="0">
-                <a:solidFill>
-                  <a:srgbClr val="2563EB"/>
-                </a:solidFill>
-                <a:latin typeface="Arial" pitchFamily="34" charset="0"/>
-                <a:ea typeface="Arial" pitchFamily="34" charset="-122"/>
-                <a:cs typeface="Arial" pitchFamily="34" charset="-120"/>
-              </a:rPr>
-              <a:t>💬 NLP</a:t>
-            </a:r>
-            <a:endParaRPr lang="en-US" sz="1500" dirty="0"/>
-          </a:p>
-        </p:txBody>
-      </p:sp>
-      <p:sp>
-        <p:nvSpPr>
-          <p:cNvPr id="10" name="Text 8"/>
-          <p:cNvSpPr/>
-          <p:nvPr/>
-        </p:nvSpPr>
-        <p:spPr>
-          <a:xfrm>
-            <a:off x="3403550" y="3657600"/>
-            <a:ext cx="2383485" cy="190500"/>
-          </a:xfrm>
-          <a:prstGeom prst="rect">
-            <a:avLst/>
-          </a:prstGeom>
-          <a:noFill/>
-          <a:ln/>
-        </p:spPr>
-        <p:txBody>
-          <a:bodyPr wrap="square" lIns="0" tIns="0" rIns="0" bIns="0" rtlCol="0" anchor="t"/>
-          <a:lstStyle/>
-          <a:p>
-            <a:pPr algn="l" indent="0" marL="0">
-              <a:lnSpc>
-                <a:spcPts val="1500"/>
-              </a:lnSpc>
-              <a:spcBef>
-                <a:spcPts val="300"/>
-              </a:spcBef>
-              <a:spcAft>
-                <a:spcPts val="300"/>
-              </a:spcAft>
-              <a:buNone/>
-            </a:pPr>
-            <a:r>
-              <a:rPr lang="en-US" sz="1050" dirty="0">
-                <a:solidFill>
-                  <a:srgbClr val="1E293B"/>
-                </a:solidFill>
-                <a:latin typeface="Arial" pitchFamily="34" charset="0"/>
-                <a:ea typeface="Arial" pitchFamily="34" charset="-122"/>
-                <a:cs typeface="Arial" pitchFamily="34" charset="-120"/>
-              </a:rPr>
-              <a:t>Análisis y comprensión de texto</a:t>
-            </a:r>
-            <a:endParaRPr lang="en-US" sz="1050" dirty="0"/>
-          </a:p>
-        </p:txBody>
-      </p:sp>
-      <p:sp>
-        <p:nvSpPr>
-          <p:cNvPr id="11" name="Text 9"/>
-          <p:cNvSpPr/>
-          <p:nvPr/>
-        </p:nvSpPr>
-        <p:spPr>
-          <a:xfrm>
-            <a:off x="6197501" y="3162300"/>
-            <a:ext cx="2641550" cy="876300"/>
-          </a:xfrm>
-          <a:prstGeom prst="roundRect">
-            <a:avLst>
-              <a:gd name="adj" fmla="val 6957"/>
-            </a:avLst>
-          </a:prstGeom>
-          <a:solidFill>
-            <a:srgbClr val="F1F5F9"/>
-          </a:solidFill>
-          <a:ln/>
-        </p:spPr>
-        <p:txBody>
-          <a:bodyPr wrap="square" rtlCol="0" anchor="ctr"/>
-          <a:lstStyle/>
-          <a:p>
-            <a:pPr indent="0" marL="0">
-              <a:buNone/>
-            </a:pPr>
-            <a:endParaRPr lang="en-US" dirty="0"/>
-          </a:p>
-        </p:txBody>
-      </p:sp>
-      <p:sp>
-        <p:nvSpPr>
-          <p:cNvPr id="12" name="Text 10"/>
-          <p:cNvSpPr/>
-          <p:nvPr/>
-        </p:nvSpPr>
-        <p:spPr>
-          <a:xfrm>
-            <a:off x="6349901" y="3314700"/>
-            <a:ext cx="2383485" cy="266700"/>
-          </a:xfrm>
-          <a:prstGeom prst="rect">
-            <a:avLst/>
-          </a:prstGeom>
-          <a:noFill/>
-          <a:ln/>
-        </p:spPr>
-        <p:txBody>
-          <a:bodyPr wrap="square" lIns="0" tIns="0" rIns="0" bIns="0" rtlCol="0" anchor="t"/>
-          <a:lstStyle/>
-          <a:p>
-            <a:pPr algn="l" indent="0" marL="0">
-              <a:lnSpc>
-                <a:spcPts val="2100"/>
-              </a:lnSpc>
-              <a:spcAft>
-                <a:spcPts val="600"/>
-              </a:spcAft>
-              <a:buNone/>
-            </a:pPr>
-            <a:r>
-              <a:rPr lang="en-US" sz="1500" b="1" dirty="0">
-                <a:solidFill>
-                  <a:srgbClr val="2563EB"/>
-                </a:solidFill>
-                <a:latin typeface="Arial" pitchFamily="34" charset="0"/>
-                <a:ea typeface="Arial" pitchFamily="34" charset="-122"/>
-                <a:cs typeface="Arial" pitchFamily="34" charset="-120"/>
-              </a:rPr>
-              <a:t>🤖 ML</a:t>
-            </a:r>
-            <a:endParaRPr lang="en-US" sz="1500" dirty="0"/>
-          </a:p>
-        </p:txBody>
-      </p:sp>
-      <p:sp>
-        <p:nvSpPr>
-          <p:cNvPr id="13" name="Text 11"/>
-          <p:cNvSpPr/>
-          <p:nvPr/>
-        </p:nvSpPr>
-        <p:spPr>
-          <a:xfrm>
-            <a:off x="6349901" y="3657600"/>
-            <a:ext cx="2383485" cy="190500"/>
-          </a:xfrm>
-          <a:prstGeom prst="rect">
-            <a:avLst/>
-          </a:prstGeom>
-          <a:noFill/>
-          <a:ln/>
-        </p:spPr>
-        <p:txBody>
-          <a:bodyPr wrap="square" lIns="0" tIns="0" rIns="0" bIns="0" rtlCol="0" anchor="t"/>
-          <a:lstStyle/>
-          <a:p>
-            <a:pPr algn="l" indent="0" marL="0">
-              <a:lnSpc>
-                <a:spcPts val="1500"/>
-              </a:lnSpc>
-              <a:spcBef>
-                <a:spcPts val="300"/>
-              </a:spcBef>
-              <a:spcAft>
-                <a:spcPts val="300"/>
-              </a:spcAft>
-              <a:buNone/>
-            </a:pPr>
-            <a:r>
-              <a:rPr lang="en-US" sz="1050" dirty="0">
-                <a:solidFill>
-                  <a:srgbClr val="1E293B"/>
-                </a:solidFill>
-                <a:latin typeface="Arial" pitchFamily="34" charset="0"/>
-                <a:ea typeface="Arial" pitchFamily="34" charset="-122"/>
-                <a:cs typeface="Arial" pitchFamily="34" charset="-120"/>
-              </a:rPr>
-              <a:t>Aprendizaje de patrones</a:t>
+              <a:t> Respetar robots.txt, no sobrecargar servidores, cumplir términos de servicio</a:t>
             </a:r>
             <a:endParaRPr lang="en-US" sz="1050" dirty="0"/>
           </a:p>
@@ -5033,14 +5267,15 @@
 </p:sld>
 </file>
 
-<file path=ppt/slides/slide3.xml><?xml version="1.0" encoding="utf-8"?>
+<file path=ppt/slides/slide4.xml><?xml version="1.0" encoding="utf-8"?>
 <p:sld xmlns:a="http://schemas.openxmlformats.org/drawingml/2006/main" xmlns:r="http://schemas.openxmlformats.org/officeDocument/2006/relationships" xmlns:p="http://schemas.openxmlformats.org/presentationml/2006/main">
-  <p:cSld name="Slide 3">
+  <p:cSld name="Slide 4">
     <p:bg>
       <p:bgPr>
         <a:solidFill>
           <a:srgbClr val="FFFFFF"/>
         </a:solidFill>
+        <a:effectLst/>
       </p:bgPr>
     </p:bg>
     <p:spTree>
@@ -5080,7 +5315,7 @@
           <a:bodyPr wrap="square" rtlCol="0" anchor="ctr"/>
           <a:lstStyle/>
           <a:p>
-            <a:pPr indent="0" marL="0">
+            <a:pPr marL="0" indent="0">
               <a:buNone/>
             </a:pPr>
             <a:endParaRPr lang="en-US" dirty="0"/>
@@ -5096,7 +5331,7 @@
         <p:spPr>
           <a:xfrm>
             <a:off x="228600" y="228600"/>
-            <a:ext cx="4439984" cy="381000"/>
+            <a:ext cx="6985444" cy="381000"/>
           </a:xfrm>
           <a:prstGeom prst="rect">
             <a:avLst/>
@@ -5108,7 +5343,7 @@
           <a:bodyPr wrap="square" lIns="0" tIns="0" rIns="0" bIns="0" rtlCol="0" anchor="t"/>
           <a:lstStyle/>
           <a:p>
-            <a:pPr algn="l" indent="0" marL="0">
+            <a:pPr marL="0" indent="0" algn="l">
               <a:lnSpc>
                 <a:spcPts val="3000"/>
               </a:lnSpc>
@@ -5123,7 +5358,7 @@
                 <a:ea typeface="Arial" pitchFamily="34" charset="-122"/>
                 <a:cs typeface="Arial" pitchFamily="34" charset="-120"/>
               </a:rPr>
-              <a:t>Web Scraping</a:t>
+              <a:t>Procesamiento de Lenguaje Natural (NLP)</a:t>
             </a:r>
             <a:endParaRPr lang="en-US" sz="2700" dirty="0"/>
           </a:p>
@@ -5137,7 +5372,7 @@
         </p:nvSpPr>
         <p:spPr>
           <a:xfrm>
-            <a:off x="304800" y="1562100"/>
+            <a:off x="304800" y="1581150"/>
             <a:ext cx="8705088" cy="266700"/>
           </a:xfrm>
           <a:prstGeom prst="rect">
@@ -5150,7 +5385,7 @@
           <a:bodyPr wrap="square" lIns="0" tIns="0" rIns="0" bIns="0" rtlCol="0" anchor="t"/>
           <a:lstStyle/>
           <a:p>
-            <a:pPr algn="l" indent="0" marL="0">
+            <a:pPr marL="0" indent="0" algn="l">
               <a:lnSpc>
                 <a:spcPts val="2100"/>
               </a:lnSpc>
@@ -5163,7 +5398,7 @@
               <a:buNone/>
             </a:pPr>
             <a:r>
-              <a:rPr lang="en-US" sz="1500" b="1" dirty="0">
+              <a:rPr lang="en-US" sz="1350" dirty="0">
                 <a:solidFill>
                   <a:srgbClr val="1E293B"/>
                 </a:solidFill>
@@ -5171,9 +5406,76 @@
                 <a:ea typeface="Arial" pitchFamily="34" charset="-122"/>
                 <a:cs typeface="Arial" pitchFamily="34" charset="-120"/>
               </a:rPr>
-              <a:t>Definición:</a:t>
-            </a:r>
-            <a:pPr algn="l" indent="0" marL="0">
+              <a:t>Campo de la IA que permite a las computadoras entender, interpretar y generar lenguaje humano.</a:t>
+            </a:r>
+            <a:endParaRPr lang="en-US" sz="1350" dirty="0"/>
+          </a:p>
+        </p:txBody>
+      </p:sp>
+      <p:sp>
+        <p:nvSpPr>
+          <p:cNvPr id="5" name="Text 3"/>
+          <p:cNvSpPr/>
+          <p:nvPr/>
+        </p:nvSpPr>
+        <p:spPr>
+          <a:xfrm>
+            <a:off x="304800" y="2190750"/>
+            <a:ext cx="8705088" cy="304800"/>
+          </a:xfrm>
+          <a:prstGeom prst="rect">
+            <a:avLst/>
+          </a:prstGeom>
+          <a:noFill/>
+          <a:ln/>
+        </p:spPr>
+        <p:txBody>
+          <a:bodyPr wrap="square" lIns="0" tIns="0" rIns="0" bIns="0" rtlCol="0" anchor="t"/>
+          <a:lstStyle/>
+          <a:p>
+            <a:pPr marL="0" indent="0" algn="l">
+              <a:lnSpc>
+                <a:spcPts val="2400"/>
+              </a:lnSpc>
+              <a:buNone/>
+            </a:pPr>
+            <a:r>
+              <a:rPr lang="en-US" sz="1800" b="1" dirty="0">
+                <a:solidFill>
+                  <a:srgbClr val="2563EB"/>
+                </a:solidFill>
+                <a:latin typeface="Arial" pitchFamily="34" charset="0"/>
+                <a:ea typeface="Arial" pitchFamily="34" charset="-122"/>
+                <a:cs typeface="Arial" pitchFamily="34" charset="-120"/>
+              </a:rPr>
+              <a:t>Pipeline típico de NLP</a:t>
+            </a:r>
+            <a:endParaRPr lang="en-US" sz="1800" dirty="0"/>
+          </a:p>
+        </p:txBody>
+      </p:sp>
+      <p:sp>
+        <p:nvSpPr>
+          <p:cNvPr id="6" name="Text 4"/>
+          <p:cNvSpPr/>
+          <p:nvPr/>
+        </p:nvSpPr>
+        <p:spPr>
+          <a:xfrm>
+            <a:off x="694432" y="2609850"/>
+            <a:ext cx="5278856" cy="266700"/>
+          </a:xfrm>
+          <a:prstGeom prst="rect">
+            <a:avLst/>
+          </a:prstGeom>
+          <a:noFill/>
+          <a:ln/>
+        </p:spPr>
+        <p:txBody>
+          <a:bodyPr wrap="square" lIns="0" tIns="0" rIns="0" bIns="0" rtlCol="0" anchor="t"/>
+          <a:lstStyle/>
+          <a:p>
+            <a:pPr marL="0" indent="0" algn="l">
               <a:lnSpc>
                 <a:spcPts val="2100"/>
               </a:lnSpc>
@@ -5186,6 +5488,17 @@
               <a:buNone/>
             </a:pPr>
             <a:r>
+              <a:rPr lang="en-US" sz="1500" b="1" dirty="0">
+                <a:solidFill>
+                  <a:srgbClr val="1E293B"/>
+                </a:solidFill>
+                <a:latin typeface="Arial" pitchFamily="34" charset="0"/>
+                <a:ea typeface="Arial" pitchFamily="34" charset="-122"/>
+                <a:cs typeface="Arial" pitchFamily="34" charset="-120"/>
+              </a:rPr>
+              <a:t>Tokenización:</a:t>
+            </a:r>
+            <a:r>
               <a:rPr lang="en-US" sz="1500" dirty="0">
                 <a:solidFill>
                   <a:srgbClr val="1E293B"/>
@@ -5194,7 +5507,7 @@
                 <a:ea typeface="Arial" pitchFamily="34" charset="-122"/>
                 <a:cs typeface="Arial" pitchFamily="34" charset="-120"/>
               </a:rPr>
-              <a:t> Proceso automatizado de extracción de información de sitios web.</a:t>
+              <a:t> "Python es genial" → ["Python", "es", "genial"]</a:t>
             </a:r>
             <a:endParaRPr lang="en-US" sz="1500" dirty="0"/>
           </a:p>
@@ -5202,14 +5515,14 @@
       </p:sp>
       <p:sp>
         <p:nvSpPr>
-          <p:cNvPr id="5" name="Text 3"/>
-          <p:cNvSpPr/>
-          <p:nvPr/>
-        </p:nvSpPr>
-        <p:spPr>
-          <a:xfrm>
-            <a:off x="304800" y="2171700"/>
-            <a:ext cx="8705088" cy="304800"/>
+          <p:cNvPr id="7" name="Text 5"/>
+          <p:cNvSpPr/>
+          <p:nvPr/>
+        </p:nvSpPr>
+        <p:spPr>
+          <a:xfrm>
+            <a:off x="694432" y="3028950"/>
+            <a:ext cx="3779937" cy="266700"/>
           </a:xfrm>
           <a:prstGeom prst="rect">
             <a:avLst/>
@@ -5221,257 +5534,9 @@
           <a:bodyPr wrap="square" lIns="0" tIns="0" rIns="0" bIns="0" rtlCol="0" anchor="t"/>
           <a:lstStyle/>
           <a:p>
-            <a:pPr algn="l" indent="0" marL="0">
-              <a:lnSpc>
-                <a:spcPts val="2400"/>
-              </a:lnSpc>
-              <a:buNone/>
-            </a:pPr>
-            <a:r>
-              <a:rPr lang="en-US" sz="1800" b="1" dirty="0">
-                <a:solidFill>
-                  <a:srgbClr val="2563EB"/>
-                </a:solidFill>
-                <a:latin typeface="Arial" pitchFamily="34" charset="0"/>
-                <a:ea typeface="Arial" pitchFamily="34" charset="-122"/>
-                <a:cs typeface="Arial" pitchFamily="34" charset="-120"/>
-              </a:rPr>
-              <a:t>Herramientas en Python</a:t>
-            </a:r>
-            <a:endParaRPr lang="en-US" sz="1800" dirty="0"/>
-          </a:p>
-        </p:txBody>
-      </p:sp>
-      <p:sp>
-        <p:nvSpPr>
-          <p:cNvPr id="6" name="Text 4"/>
-          <p:cNvSpPr/>
-          <p:nvPr/>
-        </p:nvSpPr>
-        <p:spPr>
-          <a:xfrm>
-            <a:off x="304800" y="2552700"/>
-            <a:ext cx="8534400" cy="1181100"/>
-          </a:xfrm>
-          <a:prstGeom prst="rect">
-            <a:avLst/>
-          </a:prstGeom>
-          <a:noFill/>
-          <a:ln/>
-        </p:spPr>
-        <p:txBody>
-          <a:bodyPr wrap="square" lIns="85725" tIns="0" rIns="0" bIns="0" rtlCol="0" anchor="t"/>
-          <a:lstStyle/>
-          <a:p>
-            <a:pPr algn="l" marL="85725" indent="-85725">
+            <a:pPr marL="0" indent="0" algn="l">
               <a:lnSpc>
                 <a:spcPts val="2100"/>
-              </a:lnSpc>
-              <a:buSzPct val="100000"/>
-              <a:buChar char="•"/>
-            </a:pPr>
-            <a:r>
-              <a:rPr lang="en-US" sz="1350" b="1" dirty="0">
-                <a:solidFill>
-                  <a:srgbClr val="1E293B"/>
-                </a:solidFill>
-                <a:latin typeface="Arial" pitchFamily="34" charset="0"/>
-                <a:ea typeface="Arial" pitchFamily="34" charset="-122"/>
-                <a:cs typeface="Arial" pitchFamily="34" charset="-120"/>
-              </a:rPr>
-              <a:t>BeautifulSoup:</a:t>
-            </a:r>
-            <a:pPr algn="l" indent="0" marL="0">
-              <a:lnSpc>
-                <a:spcPts val="2100"/>
-              </a:lnSpc>
-              <a:buNone/>
-            </a:pPr>
-            <a:r>
-              <a:rPr lang="en-US" sz="1350" dirty="0">
-                <a:solidFill>
-                  <a:srgbClr val="1E293B"/>
-                </a:solidFill>
-                <a:latin typeface="Arial" pitchFamily="34" charset="0"/>
-                <a:ea typeface="Arial" pitchFamily="34" charset="-122"/>
-                <a:cs typeface="Arial" pitchFamily="34" charset="-120"/>
-              </a:rPr>
-              <a:t> Parsing HTML/XML</a:t>
-            </a:r>
-            <a:endParaRPr lang="en-US" sz="1350" dirty="0"/>
-          </a:p>
-          <a:p>
-            <a:pPr algn="l" marL="85725" indent="-85725">
-              <a:lnSpc>
-                <a:spcPts val="2100"/>
-              </a:lnSpc>
-              <a:buSzPct val="100000"/>
-              <a:buChar char="•"/>
-            </a:pPr>
-            <a:r>
-              <a:rPr lang="en-US" sz="1350" b="1" dirty="0">
-                <a:solidFill>
-                  <a:srgbClr val="1E293B"/>
-                </a:solidFill>
-                <a:latin typeface="Arial" pitchFamily="34" charset="0"/>
-                <a:ea typeface="Arial" pitchFamily="34" charset="-122"/>
-                <a:cs typeface="Arial" pitchFamily="34" charset="-120"/>
-              </a:rPr>
-              <a:t>Scrapy:</a:t>
-            </a:r>
-            <a:pPr algn="l" indent="0" marL="0">
-              <a:lnSpc>
-                <a:spcPts val="2100"/>
-              </a:lnSpc>
-              <a:buNone/>
-            </a:pPr>
-            <a:r>
-              <a:rPr lang="en-US" sz="1350" dirty="0">
-                <a:solidFill>
-                  <a:srgbClr val="1E293B"/>
-                </a:solidFill>
-                <a:latin typeface="Arial" pitchFamily="34" charset="0"/>
-                <a:ea typeface="Arial" pitchFamily="34" charset="-122"/>
-                <a:cs typeface="Arial" pitchFamily="34" charset="-120"/>
-              </a:rPr>
-              <a:t> Framework completo de scraping</a:t>
-            </a:r>
-            <a:endParaRPr lang="en-US" sz="1350" dirty="0"/>
-          </a:p>
-          <a:p>
-            <a:pPr algn="l" marL="85725" indent="-85725">
-              <a:lnSpc>
-                <a:spcPts val="2100"/>
-              </a:lnSpc>
-              <a:buSzPct val="100000"/>
-              <a:buChar char="•"/>
-            </a:pPr>
-            <a:r>
-              <a:rPr lang="en-US" sz="1350" b="1" dirty="0">
-                <a:solidFill>
-                  <a:srgbClr val="1E293B"/>
-                </a:solidFill>
-                <a:latin typeface="Arial" pitchFamily="34" charset="0"/>
-                <a:ea typeface="Arial" pitchFamily="34" charset="-122"/>
-                <a:cs typeface="Arial" pitchFamily="34" charset="-120"/>
-              </a:rPr>
-              <a:t>Selenium:</a:t>
-            </a:r>
-            <a:pPr algn="l" indent="0" marL="0">
-              <a:lnSpc>
-                <a:spcPts val="2100"/>
-              </a:lnSpc>
-              <a:buNone/>
-            </a:pPr>
-            <a:r>
-              <a:rPr lang="en-US" sz="1350" dirty="0">
-                <a:solidFill>
-                  <a:srgbClr val="1E293B"/>
-                </a:solidFill>
-                <a:latin typeface="Arial" pitchFamily="34" charset="0"/>
-                <a:ea typeface="Arial" pitchFamily="34" charset="-122"/>
-                <a:cs typeface="Arial" pitchFamily="34" charset="-120"/>
-              </a:rPr>
-              <a:t> Páginas dinámicas (JavaScript)</a:t>
-            </a:r>
-            <a:endParaRPr lang="en-US" sz="1350" dirty="0"/>
-          </a:p>
-          <a:p>
-            <a:pPr algn="l" marL="85725" indent="-85725">
-              <a:lnSpc>
-                <a:spcPts val="2100"/>
-              </a:lnSpc>
-              <a:buSzPct val="100000"/>
-              <a:buChar char="•"/>
-            </a:pPr>
-            <a:r>
-              <a:rPr lang="en-US" sz="1350" b="1" dirty="0">
-                <a:solidFill>
-                  <a:srgbClr val="1E293B"/>
-                </a:solidFill>
-                <a:latin typeface="Arial" pitchFamily="34" charset="0"/>
-                <a:ea typeface="Arial" pitchFamily="34" charset="-122"/>
-                <a:cs typeface="Arial" pitchFamily="34" charset="-120"/>
-              </a:rPr>
-              <a:t>Requests:</a:t>
-            </a:r>
-            <a:pPr algn="l" indent="0" marL="0">
-              <a:lnSpc>
-                <a:spcPts val="2100"/>
-              </a:lnSpc>
-              <a:buNone/>
-            </a:pPr>
-            <a:r>
-              <a:rPr lang="en-US" sz="1350" dirty="0">
-                <a:solidFill>
-                  <a:srgbClr val="1E293B"/>
-                </a:solidFill>
-                <a:latin typeface="Arial" pitchFamily="34" charset="0"/>
-                <a:ea typeface="Arial" pitchFamily="34" charset="-122"/>
-                <a:cs typeface="Arial" pitchFamily="34" charset="-120"/>
-              </a:rPr>
-              <a:t> Peticiones HTTP</a:t>
-            </a:r>
-            <a:endParaRPr lang="en-US" sz="1350" dirty="0"/>
-          </a:p>
-        </p:txBody>
-      </p:sp>
-      <p:sp>
-        <p:nvSpPr>
-          <p:cNvPr id="7" name="Text 5"/>
-          <p:cNvSpPr/>
-          <p:nvPr/>
-        </p:nvSpPr>
-        <p:spPr>
-          <a:xfrm>
-            <a:off x="304800" y="4038600"/>
-            <a:ext cx="8534400" cy="571500"/>
-          </a:xfrm>
-          <a:prstGeom prst="roundRect">
-            <a:avLst>
-              <a:gd name="adj" fmla="val 10667"/>
-            </a:avLst>
-          </a:prstGeom>
-          <a:solidFill>
-            <a:srgbClr val="F1F5F9"/>
-          </a:solidFill>
-          <a:ln/>
-        </p:spPr>
-        <p:txBody>
-          <a:bodyPr wrap="square" rtlCol="0" anchor="ctr"/>
-          <a:lstStyle/>
-          <a:p>
-            <a:pPr indent="0" marL="0">
-              <a:buNone/>
-            </a:pPr>
-            <a:endParaRPr lang="en-US" dirty="0"/>
-          </a:p>
-        </p:txBody>
-      </p:sp>
-      <p:sp>
-        <p:nvSpPr>
-          <p:cNvPr id="8" name="Text 6"/>
-          <p:cNvSpPr/>
-          <p:nvPr/>
-        </p:nvSpPr>
-        <p:spPr>
-          <a:xfrm>
-            <a:off x="457200" y="4229100"/>
-            <a:ext cx="8394192" cy="190500"/>
-          </a:xfrm>
-          <a:prstGeom prst="rect">
-            <a:avLst/>
-          </a:prstGeom>
-          <a:noFill/>
-          <a:ln/>
-        </p:spPr>
-        <p:txBody>
-          <a:bodyPr wrap="square" lIns="0" tIns="0" rIns="0" bIns="0" rtlCol="0" anchor="t"/>
-          <a:lstStyle/>
-          <a:p>
-            <a:pPr algn="l" indent="0" marL="0">
-              <a:lnSpc>
-                <a:spcPts val="1500"/>
               </a:lnSpc>
               <a:spcBef>
                 <a:spcPts val="300"/>
@@ -5482,7 +5547,7 @@
               <a:buNone/>
             </a:pPr>
             <a:r>
-              <a:rPr lang="en-US" sz="1050" b="1" dirty="0">
+              <a:rPr lang="en-US" sz="1500" b="1" dirty="0">
                 <a:solidFill>
                   <a:srgbClr val="1E293B"/>
                 </a:solidFill>
@@ -5490,11 +5555,47 @@
                 <a:ea typeface="Arial" pitchFamily="34" charset="-122"/>
                 <a:cs typeface="Arial" pitchFamily="34" charset="-120"/>
               </a:rPr>
-              <a:t>⚠️ Consideraciones éticas:</a:t>
-            </a:r>
-            <a:pPr algn="l" indent="0" marL="0">
-              <a:lnSpc>
-                <a:spcPts val="1500"/>
+              <a:t>Normalización:</a:t>
+            </a:r>
+            <a:r>
+              <a:rPr lang="en-US" sz="1500" dirty="0">
+                <a:solidFill>
+                  <a:srgbClr val="1E293B"/>
+                </a:solidFill>
+                <a:latin typeface="Arial" pitchFamily="34" charset="0"/>
+                <a:ea typeface="Arial" pitchFamily="34" charset="-122"/>
+                <a:cs typeface="Arial" pitchFamily="34" charset="-120"/>
+              </a:rPr>
+              <a:t> Minúsculas, sin puntuación</a:t>
+            </a:r>
+            <a:endParaRPr lang="en-US" sz="1500" dirty="0"/>
+          </a:p>
+        </p:txBody>
+      </p:sp>
+      <p:sp>
+        <p:nvSpPr>
+          <p:cNvPr id="8" name="Text 6"/>
+          <p:cNvSpPr/>
+          <p:nvPr/>
+        </p:nvSpPr>
+        <p:spPr>
+          <a:xfrm>
+            <a:off x="694432" y="3448050"/>
+            <a:ext cx="4798091" cy="266700"/>
+          </a:xfrm>
+          <a:prstGeom prst="rect">
+            <a:avLst/>
+          </a:prstGeom>
+          <a:noFill/>
+          <a:ln/>
+        </p:spPr>
+        <p:txBody>
+          <a:bodyPr wrap="square" lIns="0" tIns="0" rIns="0" bIns="0" rtlCol="0" anchor="t"/>
+          <a:lstStyle/>
+          <a:p>
+            <a:pPr marL="0" indent="0" algn="l">
+              <a:lnSpc>
+                <a:spcPts val="2100"/>
               </a:lnSpc>
               <a:spcBef>
                 <a:spcPts val="300"/>
@@ -5505,7 +5606,7 @@
               <a:buNone/>
             </a:pPr>
             <a:r>
-              <a:rPr lang="en-US" sz="1050" dirty="0">
+              <a:rPr lang="en-US" sz="1500" b="1" dirty="0">
                 <a:solidFill>
                   <a:srgbClr val="1E293B"/>
                 </a:solidFill>
@@ -5513,9 +5614,138 @@
                 <a:ea typeface="Arial" pitchFamily="34" charset="-122"/>
                 <a:cs typeface="Arial" pitchFamily="34" charset="-120"/>
               </a:rPr>
-              <a:t> Respetar robots.txt, no sobrecargar servidores, cumplir términos de servicio</a:t>
-            </a:r>
-            <a:endParaRPr lang="en-US" sz="1050" dirty="0"/>
+              <a:t>Stopwords:</a:t>
+            </a:r>
+            <a:r>
+              <a:rPr lang="en-US" sz="1500" dirty="0">
+                <a:solidFill>
+                  <a:srgbClr val="1E293B"/>
+                </a:solidFill>
+                <a:latin typeface="Arial" pitchFamily="34" charset="0"/>
+                <a:ea typeface="Arial" pitchFamily="34" charset="-122"/>
+                <a:cs typeface="Arial" pitchFamily="34" charset="-120"/>
+              </a:rPr>
+              <a:t> Eliminar palabras comunes ("el", "la", "de")</a:t>
+            </a:r>
+            <a:endParaRPr lang="en-US" sz="1500" dirty="0"/>
+          </a:p>
+        </p:txBody>
+      </p:sp>
+      <p:sp>
+        <p:nvSpPr>
+          <p:cNvPr id="9" name="Text 7"/>
+          <p:cNvSpPr/>
+          <p:nvPr/>
+        </p:nvSpPr>
+        <p:spPr>
+          <a:xfrm>
+            <a:off x="694432" y="3867150"/>
+            <a:ext cx="2780910" cy="266700"/>
+          </a:xfrm>
+          <a:prstGeom prst="rect">
+            <a:avLst/>
+          </a:prstGeom>
+          <a:noFill/>
+          <a:ln/>
+        </p:spPr>
+        <p:txBody>
+          <a:bodyPr wrap="square" lIns="0" tIns="0" rIns="0" bIns="0" rtlCol="0" anchor="t"/>
+          <a:lstStyle/>
+          <a:p>
+            <a:pPr marL="0" indent="0" algn="l">
+              <a:lnSpc>
+                <a:spcPts val="2100"/>
+              </a:lnSpc>
+              <a:spcBef>
+                <a:spcPts val="300"/>
+              </a:spcBef>
+              <a:spcAft>
+                <a:spcPts val="300"/>
+              </a:spcAft>
+              <a:buNone/>
+            </a:pPr>
+            <a:r>
+              <a:rPr lang="en-US" sz="1500" b="1" dirty="0">
+                <a:solidFill>
+                  <a:srgbClr val="1E293B"/>
+                </a:solidFill>
+                <a:latin typeface="Arial" pitchFamily="34" charset="0"/>
+                <a:ea typeface="Arial" pitchFamily="34" charset="-122"/>
+                <a:cs typeface="Arial" pitchFamily="34" charset="-120"/>
+              </a:rPr>
+              <a:t>Stemming:</a:t>
+            </a:r>
+            <a:r>
+              <a:rPr lang="en-US" sz="1500" dirty="0">
+                <a:solidFill>
+                  <a:srgbClr val="1E293B"/>
+                </a:solidFill>
+                <a:latin typeface="Arial" pitchFamily="34" charset="0"/>
+                <a:ea typeface="Arial" pitchFamily="34" charset="-122"/>
+                <a:cs typeface="Arial" pitchFamily="34" charset="-120"/>
+              </a:rPr>
+              <a:t> "corriendo" → "corr"</a:t>
+            </a:r>
+            <a:endParaRPr lang="en-US" sz="1500" dirty="0"/>
+          </a:p>
+        </p:txBody>
+      </p:sp>
+      <p:sp>
+        <p:nvSpPr>
+          <p:cNvPr id="10" name="Text 8"/>
+          <p:cNvSpPr/>
+          <p:nvPr/>
+        </p:nvSpPr>
+        <p:spPr>
+          <a:xfrm>
+            <a:off x="694432" y="4286250"/>
+            <a:ext cx="4513609" cy="266700"/>
+          </a:xfrm>
+          <a:prstGeom prst="rect">
+            <a:avLst/>
+          </a:prstGeom>
+          <a:noFill/>
+          <a:ln/>
+        </p:spPr>
+        <p:txBody>
+          <a:bodyPr wrap="square" lIns="0" tIns="0" rIns="0" bIns="0" rtlCol="0" anchor="t"/>
+          <a:lstStyle/>
+          <a:p>
+            <a:pPr marL="0" indent="0" algn="l">
+              <a:lnSpc>
+                <a:spcPts val="2100"/>
+              </a:lnSpc>
+              <a:spcBef>
+                <a:spcPts val="300"/>
+              </a:spcBef>
+              <a:spcAft>
+                <a:spcPts val="300"/>
+              </a:spcAft>
+              <a:buNone/>
+            </a:pPr>
+            <a:r>
+              <a:rPr lang="en-US" sz="1500" b="1" dirty="0">
+                <a:solidFill>
+                  <a:srgbClr val="1E293B"/>
+                </a:solidFill>
+                <a:latin typeface="Arial" pitchFamily="34" charset="0"/>
+                <a:ea typeface="Arial" pitchFamily="34" charset="-122"/>
+                <a:cs typeface="Arial" pitchFamily="34" charset="-120"/>
+              </a:rPr>
+              <a:t>Vectorización:</a:t>
+            </a:r>
+            <a:r>
+              <a:rPr lang="en-US" sz="1500" dirty="0">
+                <a:solidFill>
+                  <a:srgbClr val="1E293B"/>
+                </a:solidFill>
+                <a:latin typeface="Arial" pitchFamily="34" charset="0"/>
+                <a:ea typeface="Arial" pitchFamily="34" charset="-122"/>
+                <a:cs typeface="Arial" pitchFamily="34" charset="-120"/>
+              </a:rPr>
+              <a:t> Convertir texto en números (TF-IDF)</a:t>
+            </a:r>
+            <a:endParaRPr lang="en-US" sz="1500" dirty="0"/>
           </a:p>
         </p:txBody>
       </p:sp>
@@ -5527,14 +5757,15 @@
 </p:sld>
 </file>
 
-<file path=ppt/slides/slide4.xml><?xml version="1.0" encoding="utf-8"?>
+<file path=ppt/slides/slide5.xml><?xml version="1.0" encoding="utf-8"?>
 <p:sld xmlns:a="http://schemas.openxmlformats.org/drawingml/2006/main" xmlns:r="http://schemas.openxmlformats.org/officeDocument/2006/relationships" xmlns:p="http://schemas.openxmlformats.org/presentationml/2006/main">
-  <p:cSld name="Slide 4">
+  <p:cSld name="Slide 5">
     <p:bg>
       <p:bgPr>
         <a:solidFill>
           <a:srgbClr val="FFFFFF"/>
         </a:solidFill>
+        <a:effectLst/>
       </p:bgPr>
     </p:bg>
     <p:spTree>
@@ -5574,7 +5805,7 @@
           <a:bodyPr wrap="square" rtlCol="0" anchor="ctr"/>
           <a:lstStyle/>
           <a:p>
-            <a:pPr indent="0" marL="0">
+            <a:pPr marL="0" indent="0">
               <a:buNone/>
             </a:pPr>
             <a:endParaRPr lang="en-US" dirty="0"/>
@@ -5590,7 +5821,7 @@
         <p:spPr>
           <a:xfrm>
             <a:off x="228600" y="228600"/>
-            <a:ext cx="6985444" cy="381000"/>
+            <a:ext cx="4439984" cy="381000"/>
           </a:xfrm>
           <a:prstGeom prst="rect">
             <a:avLst/>
@@ -5602,7 +5833,7 @@
           <a:bodyPr wrap="square" lIns="0" tIns="0" rIns="0" bIns="0" rtlCol="0" anchor="t"/>
           <a:lstStyle/>
           <a:p>
-            <a:pPr algn="l" indent="0" marL="0">
+            <a:pPr marL="0" indent="0" algn="l">
               <a:lnSpc>
                 <a:spcPts val="3000"/>
               </a:lnSpc>
@@ -5617,7 +5848,7 @@
                 <a:ea typeface="Arial" pitchFamily="34" charset="-122"/>
                 <a:cs typeface="Arial" pitchFamily="34" charset="-120"/>
               </a:rPr>
-              <a:t>Procesamiento de Lenguaje Natural (NLP)</a:t>
+              <a:t>Vectorización: TF-IDF</a:t>
             </a:r>
             <a:endParaRPr lang="en-US" sz="2700" dirty="0"/>
           </a:p>
@@ -5631,8 +5862,8 @@
         </p:nvSpPr>
         <p:spPr>
           <a:xfrm>
-            <a:off x="304800" y="1581150"/>
-            <a:ext cx="8705088" cy="266700"/>
+            <a:off x="304800" y="1333500"/>
+            <a:ext cx="8705088" cy="304800"/>
           </a:xfrm>
           <a:prstGeom prst="rect">
             <a:avLst/>
@@ -5644,9 +5875,83 @@
           <a:bodyPr wrap="square" lIns="0" tIns="0" rIns="0" bIns="0" rtlCol="0" anchor="t"/>
           <a:lstStyle/>
           <a:p>
-            <a:pPr algn="l" indent="0" marL="0">
-              <a:lnSpc>
-                <a:spcPts val="2100"/>
+            <a:pPr marL="0" indent="0" algn="l">
+              <a:lnSpc>
+                <a:spcPts val="2400"/>
+              </a:lnSpc>
+              <a:buNone/>
+            </a:pPr>
+            <a:r>
+              <a:rPr lang="en-US" sz="1800" b="1" dirty="0">
+                <a:solidFill>
+                  <a:srgbClr val="2563EB"/>
+                </a:solidFill>
+                <a:latin typeface="Arial" pitchFamily="34" charset="0"/>
+                <a:ea typeface="Arial" pitchFamily="34" charset="-122"/>
+                <a:cs typeface="Arial" pitchFamily="34" charset="-120"/>
+              </a:rPr>
+              <a:t>Term Frequency - Inverse Document Frequency</a:t>
+            </a:r>
+            <a:endParaRPr lang="en-US" sz="1800" dirty="0"/>
+          </a:p>
+        </p:txBody>
+      </p:sp>
+      <p:sp>
+        <p:nvSpPr>
+          <p:cNvPr id="5" name="Text 3"/>
+          <p:cNvSpPr/>
+          <p:nvPr/>
+        </p:nvSpPr>
+        <p:spPr>
+          <a:xfrm>
+            <a:off x="304800" y="1790700"/>
+            <a:ext cx="8534400" cy="876300"/>
+          </a:xfrm>
+          <a:prstGeom prst="roundRect">
+            <a:avLst>
+              <a:gd name="adj" fmla="val 6957"/>
+            </a:avLst>
+          </a:prstGeom>
+          <a:solidFill>
+            <a:srgbClr val="F1F5F9"/>
+          </a:solidFill>
+          <a:ln/>
+        </p:spPr>
+        <p:txBody>
+          <a:bodyPr wrap="square" rtlCol="0" anchor="ctr"/>
+          <a:lstStyle/>
+          <a:p>
+            <a:pPr marL="0" indent="0">
+              <a:buNone/>
+            </a:pPr>
+            <a:endParaRPr lang="en-US" dirty="0"/>
+          </a:p>
+        </p:txBody>
+      </p:sp>
+      <p:sp>
+        <p:nvSpPr>
+          <p:cNvPr id="6" name="Text 4"/>
+          <p:cNvSpPr/>
+          <p:nvPr/>
+        </p:nvSpPr>
+        <p:spPr>
+          <a:xfrm>
+            <a:off x="452628" y="2057400"/>
+            <a:ext cx="8238744" cy="342900"/>
+          </a:xfrm>
+          <a:prstGeom prst="rect">
+            <a:avLst/>
+          </a:prstGeom>
+          <a:noFill/>
+          <a:ln/>
+        </p:spPr>
+        <p:txBody>
+          <a:bodyPr wrap="square" lIns="0" tIns="0" rIns="0" bIns="0" rtlCol="0" anchor="t"/>
+          <a:lstStyle/>
+          <a:p>
+            <a:pPr marL="0" indent="0" algn="ctr">
+              <a:lnSpc>
+                <a:spcPts val="2700"/>
               </a:lnSpc>
               <a:spcBef>
                 <a:spcPts val="300"/>
@@ -5657,7 +5962,7 @@
               <a:buNone/>
             </a:pPr>
             <a:r>
-              <a:rPr lang="en-US" sz="1350" dirty="0">
+              <a:rPr lang="en-US" sz="2250" b="1" dirty="0">
                 <a:solidFill>
                   <a:srgbClr val="1E293B"/>
                 </a:solidFill>
@@ -5665,22 +5970,54 @@
                 <a:ea typeface="Arial" pitchFamily="34" charset="-122"/>
                 <a:cs typeface="Arial" pitchFamily="34" charset="-120"/>
               </a:rPr>
-              <a:t>Campo de la IA que permite a las computadoras entender, interpretar y generar lenguaje humano.</a:t>
-            </a:r>
-            <a:endParaRPr lang="en-US" sz="1350" dirty="0"/>
-          </a:p>
-        </p:txBody>
-      </p:sp>
-      <p:sp>
-        <p:nvSpPr>
-          <p:cNvPr id="5" name="Text 3"/>
-          <p:cNvSpPr/>
-          <p:nvPr/>
-        </p:nvSpPr>
-        <p:spPr>
-          <a:xfrm>
-            <a:off x="304800" y="2190750"/>
-            <a:ext cx="8705088" cy="304800"/>
+              <a:t>TF-IDF = TF × IDF</a:t>
+            </a:r>
+            <a:endParaRPr lang="en-US" sz="2250" dirty="0"/>
+          </a:p>
+        </p:txBody>
+      </p:sp>
+      <p:sp>
+        <p:nvSpPr>
+          <p:cNvPr id="7" name="Text 5"/>
+          <p:cNvSpPr/>
+          <p:nvPr/>
+        </p:nvSpPr>
+        <p:spPr>
+          <a:xfrm>
+            <a:off x="304800" y="2971800"/>
+            <a:ext cx="4114800" cy="876300"/>
+          </a:xfrm>
+          <a:prstGeom prst="roundRect">
+            <a:avLst>
+              <a:gd name="adj" fmla="val 6957"/>
+            </a:avLst>
+          </a:prstGeom>
+          <a:solidFill>
+            <a:srgbClr val="F8FAFC"/>
+          </a:solidFill>
+          <a:ln/>
+        </p:spPr>
+        <p:txBody>
+          <a:bodyPr wrap="square" rtlCol="0" anchor="ctr"/>
+          <a:lstStyle/>
+          <a:p>
+            <a:pPr marL="0" indent="0">
+              <a:buNone/>
+            </a:pPr>
+            <a:endParaRPr lang="en-US" dirty="0"/>
+          </a:p>
+        </p:txBody>
+      </p:sp>
+      <p:sp>
+        <p:nvSpPr>
+          <p:cNvPr id="8" name="Text 6"/>
+          <p:cNvSpPr/>
+          <p:nvPr/>
+        </p:nvSpPr>
+        <p:spPr>
+          <a:xfrm>
+            <a:off x="457200" y="3124200"/>
+            <a:ext cx="3886200" cy="266700"/>
           </a:xfrm>
           <a:prstGeom prst="rect">
             <a:avLst/>
@@ -5692,14 +6029,17 @@
           <a:bodyPr wrap="square" lIns="0" tIns="0" rIns="0" bIns="0" rtlCol="0" anchor="t"/>
           <a:lstStyle/>
           <a:p>
-            <a:pPr algn="l" indent="0" marL="0">
-              <a:lnSpc>
-                <a:spcPts val="2400"/>
-              </a:lnSpc>
-              <a:buNone/>
-            </a:pPr>
-            <a:r>
-              <a:rPr lang="en-US" sz="1800" b="1" dirty="0">
+            <a:pPr marL="0" indent="0" algn="l">
+              <a:lnSpc>
+                <a:spcPts val="2100"/>
+              </a:lnSpc>
+              <a:spcAft>
+                <a:spcPts val="600"/>
+              </a:spcAft>
+              <a:buNone/>
+            </a:pPr>
+            <a:r>
+              <a:rPr lang="en-US" sz="1500" b="1" dirty="0">
                 <a:solidFill>
                   <a:srgbClr val="2563EB"/>
                 </a:solidFill>
@@ -5707,22 +6047,22 @@
                 <a:ea typeface="Arial" pitchFamily="34" charset="-122"/>
                 <a:cs typeface="Arial" pitchFamily="34" charset="-120"/>
               </a:rPr>
-              <a:t>Pipeline típico de NLP</a:t>
-            </a:r>
-            <a:endParaRPr lang="en-US" sz="1800" dirty="0"/>
-          </a:p>
-        </p:txBody>
-      </p:sp>
-      <p:sp>
-        <p:nvSpPr>
-          <p:cNvPr id="6" name="Text 4"/>
-          <p:cNvSpPr/>
-          <p:nvPr/>
-        </p:nvSpPr>
-        <p:spPr>
-          <a:xfrm>
-            <a:off x="694432" y="2609850"/>
-            <a:ext cx="5278856" cy="266700"/>
+              <a:t>TF</a:t>
+            </a:r>
+            <a:endParaRPr lang="en-US" sz="1500" dirty="0"/>
+          </a:p>
+        </p:txBody>
+      </p:sp>
+      <p:sp>
+        <p:nvSpPr>
+          <p:cNvPr id="9" name="Text 7"/>
+          <p:cNvSpPr/>
+          <p:nvPr/>
+        </p:nvSpPr>
+        <p:spPr>
+          <a:xfrm>
+            <a:off x="457200" y="3467100"/>
+            <a:ext cx="3886200" cy="190500"/>
           </a:xfrm>
           <a:prstGeom prst="rect">
             <a:avLst/>
@@ -5734,9 +6074,9 @@
           <a:bodyPr wrap="square" lIns="0" tIns="0" rIns="0" bIns="0" rtlCol="0" anchor="t"/>
           <a:lstStyle/>
           <a:p>
-            <a:pPr algn="l" indent="0" marL="0">
-              <a:lnSpc>
-                <a:spcPts val="2100"/>
+            <a:pPr marL="0" indent="0" algn="l">
+              <a:lnSpc>
+                <a:spcPts val="1500"/>
               </a:lnSpc>
               <a:spcBef>
                 <a:spcPts val="300"/>
@@ -5747,19 +6087,121 @@
               <a:buNone/>
             </a:pPr>
             <a:r>
+              <a:rPr lang="en-US" sz="1050" dirty="0">
+                <a:solidFill>
+                  <a:srgbClr val="1E293B"/>
+                </a:solidFill>
+                <a:latin typeface="Arial" pitchFamily="34" charset="0"/>
+                <a:ea typeface="Arial" pitchFamily="34" charset="-122"/>
+                <a:cs typeface="Arial" pitchFamily="34" charset="-120"/>
+              </a:rPr>
+              <a:t>Frecuencia del término en el documento</a:t>
+            </a:r>
+            <a:endParaRPr lang="en-US" sz="1050" dirty="0"/>
+          </a:p>
+        </p:txBody>
+      </p:sp>
+      <p:sp>
+        <p:nvSpPr>
+          <p:cNvPr id="10" name="Text 8"/>
+          <p:cNvSpPr/>
+          <p:nvPr/>
+        </p:nvSpPr>
+        <p:spPr>
+          <a:xfrm>
+            <a:off x="4724400" y="2971800"/>
+            <a:ext cx="4114800" cy="876300"/>
+          </a:xfrm>
+          <a:prstGeom prst="roundRect">
+            <a:avLst>
+              <a:gd name="adj" fmla="val 6957"/>
+            </a:avLst>
+          </a:prstGeom>
+          <a:solidFill>
+            <a:srgbClr val="F8FAFC"/>
+          </a:solidFill>
+          <a:ln/>
+        </p:spPr>
+        <p:txBody>
+          <a:bodyPr wrap="square" rtlCol="0" anchor="ctr"/>
+          <a:lstStyle/>
+          <a:p>
+            <a:pPr marL="0" indent="0">
+              <a:buNone/>
+            </a:pPr>
+            <a:endParaRPr lang="en-US" dirty="0"/>
+          </a:p>
+        </p:txBody>
+      </p:sp>
+      <p:sp>
+        <p:nvSpPr>
+          <p:cNvPr id="11" name="Text 9"/>
+          <p:cNvSpPr/>
+          <p:nvPr/>
+        </p:nvSpPr>
+        <p:spPr>
+          <a:xfrm>
+            <a:off x="4876800" y="3124200"/>
+            <a:ext cx="3886200" cy="266700"/>
+          </a:xfrm>
+          <a:prstGeom prst="rect">
+            <a:avLst/>
+          </a:prstGeom>
+          <a:noFill/>
+          <a:ln/>
+        </p:spPr>
+        <p:txBody>
+          <a:bodyPr wrap="square" lIns="0" tIns="0" rIns="0" bIns="0" rtlCol="0" anchor="t"/>
+          <a:lstStyle/>
+          <a:p>
+            <a:pPr marL="0" indent="0" algn="l">
+              <a:lnSpc>
+                <a:spcPts val="2100"/>
+              </a:lnSpc>
+              <a:spcAft>
+                <a:spcPts val="600"/>
+              </a:spcAft>
+              <a:buNone/>
+            </a:pPr>
+            <a:r>
               <a:rPr lang="en-US" sz="1500" b="1" dirty="0">
                 <a:solidFill>
-                  <a:srgbClr val="1E293B"/>
-                </a:solidFill>
-                <a:latin typeface="Arial" pitchFamily="34" charset="0"/>
-                <a:ea typeface="Arial" pitchFamily="34" charset="-122"/>
-                <a:cs typeface="Arial" pitchFamily="34" charset="-120"/>
-              </a:rPr>
-              <a:t>Tokenización:</a:t>
-            </a:r>
-            <a:pPr algn="l" indent="0" marL="0">
-              <a:lnSpc>
-                <a:spcPts val="2100"/>
+                  <a:srgbClr val="2563EB"/>
+                </a:solidFill>
+                <a:latin typeface="Arial" pitchFamily="34" charset="0"/>
+                <a:ea typeface="Arial" pitchFamily="34" charset="-122"/>
+                <a:cs typeface="Arial" pitchFamily="34" charset="-120"/>
+              </a:rPr>
+              <a:t>IDF</a:t>
+            </a:r>
+            <a:endParaRPr lang="en-US" sz="1500" dirty="0"/>
+          </a:p>
+        </p:txBody>
+      </p:sp>
+      <p:sp>
+        <p:nvSpPr>
+          <p:cNvPr id="12" name="Text 10"/>
+          <p:cNvSpPr/>
+          <p:nvPr/>
+        </p:nvSpPr>
+        <p:spPr>
+          <a:xfrm>
+            <a:off x="4876800" y="3467100"/>
+            <a:ext cx="3886200" cy="190500"/>
+          </a:xfrm>
+          <a:prstGeom prst="rect">
+            <a:avLst/>
+          </a:prstGeom>
+          <a:noFill/>
+          <a:ln/>
+        </p:spPr>
+        <p:txBody>
+          <a:bodyPr wrap="square" lIns="0" tIns="0" rIns="0" bIns="0" rtlCol="0" anchor="t"/>
+          <a:lstStyle/>
+          <a:p>
+            <a:pPr marL="0" indent="0" algn="l">
+              <a:lnSpc>
+                <a:spcPts val="1500"/>
               </a:lnSpc>
               <a:spcBef>
                 <a:spcPts val="300"/>
@@ -5770,7 +6212,7 @@
               <a:buNone/>
             </a:pPr>
             <a:r>
-              <a:rPr lang="en-US" sz="1500" dirty="0">
+              <a:rPr lang="en-US" sz="1050" dirty="0">
                 <a:solidFill>
                   <a:srgbClr val="1E293B"/>
                 </a:solidFill>
@@ -5778,22 +6220,54 @@
                 <a:ea typeface="Arial" pitchFamily="34" charset="-122"/>
                 <a:cs typeface="Arial" pitchFamily="34" charset="-120"/>
               </a:rPr>
-              <a:t> "Python es genial" → ["Python", "es", "genial"]</a:t>
-            </a:r>
-            <a:endParaRPr lang="en-US" sz="1500" dirty="0"/>
-          </a:p>
-        </p:txBody>
-      </p:sp>
-      <p:sp>
-        <p:nvSpPr>
-          <p:cNvPr id="7" name="Text 5"/>
-          <p:cNvSpPr/>
-          <p:nvPr/>
-        </p:nvSpPr>
-        <p:spPr>
-          <a:xfrm>
-            <a:off x="694432" y="3028950"/>
-            <a:ext cx="3779937" cy="266700"/>
+              <a:t>log(Total documentos / Docs con el término)</a:t>
+            </a:r>
+            <a:endParaRPr lang="en-US" sz="1050" dirty="0"/>
+          </a:p>
+        </p:txBody>
+      </p:sp>
+      <p:sp>
+        <p:nvSpPr>
+          <p:cNvPr id="13" name="Text 11"/>
+          <p:cNvSpPr/>
+          <p:nvPr/>
+        </p:nvSpPr>
+        <p:spPr>
+          <a:xfrm>
+            <a:off x="304800" y="4152900"/>
+            <a:ext cx="8534400" cy="647700"/>
+          </a:xfrm>
+          <a:prstGeom prst="roundRect">
+            <a:avLst>
+              <a:gd name="adj" fmla="val 9412"/>
+            </a:avLst>
+          </a:prstGeom>
+          <a:solidFill>
+            <a:srgbClr val="0EA5E9"/>
+          </a:solidFill>
+          <a:ln/>
+        </p:spPr>
+        <p:txBody>
+          <a:bodyPr wrap="square" rtlCol="0" anchor="ctr"/>
+          <a:lstStyle/>
+          <a:p>
+            <a:pPr marL="0" indent="0">
+              <a:buNone/>
+            </a:pPr>
+            <a:endParaRPr lang="en-US" dirty="0"/>
+          </a:p>
+        </p:txBody>
+      </p:sp>
+      <p:sp>
+        <p:nvSpPr>
+          <p:cNvPr id="14" name="Text 12"/>
+          <p:cNvSpPr/>
+          <p:nvPr/>
+        </p:nvSpPr>
+        <p:spPr>
+          <a:xfrm>
+            <a:off x="457200" y="4343400"/>
+            <a:ext cx="8394192" cy="266700"/>
           </a:xfrm>
           <a:prstGeom prst="rect">
             <a:avLst/>
@@ -5805,7 +6279,7 @@
           <a:bodyPr wrap="square" lIns="0" tIns="0" rIns="0" bIns="0" rtlCol="0" anchor="t"/>
           <a:lstStyle/>
           <a:p>
-            <a:pPr algn="l" indent="0" marL="0">
+            <a:pPr marL="0" indent="0" algn="l">
               <a:lnSpc>
                 <a:spcPts val="2100"/>
               </a:lnSpc>
@@ -5818,253 +6292,28 @@
               <a:buNone/>
             </a:pPr>
             <a:r>
-              <a:rPr lang="en-US" sz="1500" b="1" dirty="0">
-                <a:solidFill>
-                  <a:srgbClr val="1E293B"/>
-                </a:solidFill>
-                <a:latin typeface="Arial" pitchFamily="34" charset="0"/>
-                <a:ea typeface="Arial" pitchFamily="34" charset="-122"/>
-                <a:cs typeface="Arial" pitchFamily="34" charset="-120"/>
-              </a:rPr>
-              <a:t>Normalización:</a:t>
-            </a:r>
-            <a:pPr algn="l" indent="0" marL="0">
-              <a:lnSpc>
-                <a:spcPts val="2100"/>
-              </a:lnSpc>
-              <a:spcBef>
-                <a:spcPts val="300"/>
-              </a:spcBef>
-              <a:spcAft>
-                <a:spcPts val="300"/>
-              </a:spcAft>
-              <a:buNone/>
-            </a:pPr>
-            <a:r>
-              <a:rPr lang="en-US" sz="1500" dirty="0">
-                <a:solidFill>
-                  <a:srgbClr val="1E293B"/>
-                </a:solidFill>
-                <a:latin typeface="Arial" pitchFamily="34" charset="0"/>
-                <a:ea typeface="Arial" pitchFamily="34" charset="-122"/>
-                <a:cs typeface="Arial" pitchFamily="34" charset="-120"/>
-              </a:rPr>
-              <a:t> Minúsculas, sin puntuación</a:t>
-            </a:r>
-            <a:endParaRPr lang="en-US" sz="1500" dirty="0"/>
-          </a:p>
-        </p:txBody>
-      </p:sp>
-      <p:sp>
-        <p:nvSpPr>
-          <p:cNvPr id="8" name="Text 6"/>
-          <p:cNvSpPr/>
-          <p:nvPr/>
-        </p:nvSpPr>
-        <p:spPr>
-          <a:xfrm>
-            <a:off x="694432" y="3448050"/>
-            <a:ext cx="4798091" cy="266700"/>
-          </a:xfrm>
-          <a:prstGeom prst="rect">
-            <a:avLst/>
-          </a:prstGeom>
-          <a:noFill/>
-          <a:ln/>
-        </p:spPr>
-        <p:txBody>
-          <a:bodyPr wrap="square" lIns="0" tIns="0" rIns="0" bIns="0" rtlCol="0" anchor="t"/>
-          <a:lstStyle/>
-          <a:p>
-            <a:pPr algn="l" indent="0" marL="0">
-              <a:lnSpc>
-                <a:spcPts val="2100"/>
-              </a:lnSpc>
-              <a:spcBef>
-                <a:spcPts val="300"/>
-              </a:spcBef>
-              <a:spcAft>
-                <a:spcPts val="300"/>
-              </a:spcAft>
-              <a:buNone/>
-            </a:pPr>
-            <a:r>
-              <a:rPr lang="en-US" sz="1500" b="1" dirty="0">
-                <a:solidFill>
-                  <a:srgbClr val="1E293B"/>
-                </a:solidFill>
-                <a:latin typeface="Arial" pitchFamily="34" charset="0"/>
-                <a:ea typeface="Arial" pitchFamily="34" charset="-122"/>
-                <a:cs typeface="Arial" pitchFamily="34" charset="-120"/>
-              </a:rPr>
-              <a:t>Stopwords:</a:t>
-            </a:r>
-            <a:pPr algn="l" indent="0" marL="0">
-              <a:lnSpc>
-                <a:spcPts val="2100"/>
-              </a:lnSpc>
-              <a:spcBef>
-                <a:spcPts val="300"/>
-              </a:spcBef>
-              <a:spcAft>
-                <a:spcPts val="300"/>
-              </a:spcAft>
-              <a:buNone/>
-            </a:pPr>
-            <a:r>
-              <a:rPr lang="en-US" sz="1500" dirty="0">
-                <a:solidFill>
-                  <a:srgbClr val="1E293B"/>
-                </a:solidFill>
-                <a:latin typeface="Arial" pitchFamily="34" charset="0"/>
-                <a:ea typeface="Arial" pitchFamily="34" charset="-122"/>
-                <a:cs typeface="Arial" pitchFamily="34" charset="-120"/>
-              </a:rPr>
-              <a:t> Eliminar palabras comunes ("el", "la", "de")</a:t>
-            </a:r>
-            <a:endParaRPr lang="en-US" sz="1500" dirty="0"/>
-          </a:p>
-        </p:txBody>
-      </p:sp>
-      <p:sp>
-        <p:nvSpPr>
-          <p:cNvPr id="9" name="Text 7"/>
-          <p:cNvSpPr/>
-          <p:nvPr/>
-        </p:nvSpPr>
-        <p:spPr>
-          <a:xfrm>
-            <a:off x="694432" y="3867150"/>
-            <a:ext cx="2780910" cy="266700"/>
-          </a:xfrm>
-          <a:prstGeom prst="rect">
-            <a:avLst/>
-          </a:prstGeom>
-          <a:noFill/>
-          <a:ln/>
-        </p:spPr>
-        <p:txBody>
-          <a:bodyPr wrap="square" lIns="0" tIns="0" rIns="0" bIns="0" rtlCol="0" anchor="t"/>
-          <a:lstStyle/>
-          <a:p>
-            <a:pPr algn="l" indent="0" marL="0">
-              <a:lnSpc>
-                <a:spcPts val="2100"/>
-              </a:lnSpc>
-              <a:spcBef>
-                <a:spcPts val="300"/>
-              </a:spcBef>
-              <a:spcAft>
-                <a:spcPts val="300"/>
-              </a:spcAft>
-              <a:buNone/>
-            </a:pPr>
-            <a:r>
-              <a:rPr lang="en-US" sz="1500" b="1" dirty="0">
-                <a:solidFill>
-                  <a:srgbClr val="1E293B"/>
-                </a:solidFill>
-                <a:latin typeface="Arial" pitchFamily="34" charset="0"/>
-                <a:ea typeface="Arial" pitchFamily="34" charset="-122"/>
-                <a:cs typeface="Arial" pitchFamily="34" charset="-120"/>
-              </a:rPr>
-              <a:t>Stemming:</a:t>
-            </a:r>
-            <a:pPr algn="l" indent="0" marL="0">
-              <a:lnSpc>
-                <a:spcPts val="2100"/>
-              </a:lnSpc>
-              <a:spcBef>
-                <a:spcPts val="300"/>
-              </a:spcBef>
-              <a:spcAft>
-                <a:spcPts val="300"/>
-              </a:spcAft>
-              <a:buNone/>
-            </a:pPr>
-            <a:r>
-              <a:rPr lang="en-US" sz="1500" dirty="0">
-                <a:solidFill>
-                  <a:srgbClr val="1E293B"/>
-                </a:solidFill>
-                <a:latin typeface="Arial" pitchFamily="34" charset="0"/>
-                <a:ea typeface="Arial" pitchFamily="34" charset="-122"/>
-                <a:cs typeface="Arial" pitchFamily="34" charset="-120"/>
-              </a:rPr>
-              <a:t> "corriendo" → "corr"</a:t>
-            </a:r>
-            <a:endParaRPr lang="en-US" sz="1500" dirty="0"/>
-          </a:p>
-        </p:txBody>
-      </p:sp>
-      <p:sp>
-        <p:nvSpPr>
-          <p:cNvPr id="10" name="Text 8"/>
-          <p:cNvSpPr/>
-          <p:nvPr/>
-        </p:nvSpPr>
-        <p:spPr>
-          <a:xfrm>
-            <a:off x="694432" y="4286250"/>
-            <a:ext cx="4513609" cy="266700"/>
-          </a:xfrm>
-          <a:prstGeom prst="rect">
-            <a:avLst/>
-          </a:prstGeom>
-          <a:noFill/>
-          <a:ln/>
-        </p:spPr>
-        <p:txBody>
-          <a:bodyPr wrap="square" lIns="0" tIns="0" rIns="0" bIns="0" rtlCol="0" anchor="t"/>
-          <a:lstStyle/>
-          <a:p>
-            <a:pPr algn="l" indent="0" marL="0">
-              <a:lnSpc>
-                <a:spcPts val="2100"/>
-              </a:lnSpc>
-              <a:spcBef>
-                <a:spcPts val="300"/>
-              </a:spcBef>
-              <a:spcAft>
-                <a:spcPts val="300"/>
-              </a:spcAft>
-              <a:buNone/>
-            </a:pPr>
-            <a:r>
-              <a:rPr lang="en-US" sz="1500" b="1" dirty="0">
-                <a:solidFill>
-                  <a:srgbClr val="1E293B"/>
-                </a:solidFill>
-                <a:latin typeface="Arial" pitchFamily="34" charset="0"/>
-                <a:ea typeface="Arial" pitchFamily="34" charset="-122"/>
-                <a:cs typeface="Arial" pitchFamily="34" charset="-120"/>
-              </a:rPr>
-              <a:t>Vectorización:</a:t>
-            </a:r>
-            <a:pPr algn="l" indent="0" marL="0">
-              <a:lnSpc>
-                <a:spcPts val="2100"/>
-              </a:lnSpc>
-              <a:spcBef>
-                <a:spcPts val="300"/>
-              </a:spcBef>
-              <a:spcAft>
-                <a:spcPts val="300"/>
-              </a:spcAft>
-              <a:buNone/>
-            </a:pPr>
-            <a:r>
-              <a:rPr lang="en-US" sz="1500" dirty="0">
-                <a:solidFill>
-                  <a:srgbClr val="1E293B"/>
-                </a:solidFill>
-                <a:latin typeface="Arial" pitchFamily="34" charset="0"/>
-                <a:ea typeface="Arial" pitchFamily="34" charset="-122"/>
-                <a:cs typeface="Arial" pitchFamily="34" charset="-120"/>
-              </a:rPr>
-              <a:t> Convertir texto en números (TF-IDF)</a:t>
-            </a:r>
-            <a:endParaRPr lang="en-US" sz="1500" dirty="0"/>
+              <a:rPr lang="en-US" sz="1350" b="1" dirty="0">
+                <a:solidFill>
+                  <a:srgbClr val="FFFFFF"/>
+                </a:solidFill>
+                <a:latin typeface="Arial" pitchFamily="34" charset="0"/>
+                <a:ea typeface="Arial" pitchFamily="34" charset="-122"/>
+                <a:cs typeface="Arial" pitchFamily="34" charset="-120"/>
+              </a:rPr>
+              <a:t>✓ Ventaja:</a:t>
+            </a:r>
+            <a:r>
+              <a:rPr lang="en-US" sz="1350" dirty="0">
+                <a:solidFill>
+                  <a:srgbClr val="FFFFFF"/>
+                </a:solidFill>
+                <a:latin typeface="Arial" pitchFamily="34" charset="0"/>
+                <a:ea typeface="Arial" pitchFamily="34" charset="-122"/>
+                <a:cs typeface="Arial" pitchFamily="34" charset="-120"/>
+              </a:rPr>
+              <a:t> Palabras comunes tienen menor peso</a:t>
+            </a:r>
+            <a:endParaRPr lang="en-US" sz="1350" dirty="0"/>
           </a:p>
         </p:txBody>
       </p:sp>
@@ -6076,14 +6325,15 @@
 </p:sld>
 </file>
 
-<file path=ppt/slides/slide5.xml><?xml version="1.0" encoding="utf-8"?>
+<file path=ppt/slides/slide6.xml><?xml version="1.0" encoding="utf-8"?>
 <p:sld xmlns:a="http://schemas.openxmlformats.org/drawingml/2006/main" xmlns:r="http://schemas.openxmlformats.org/officeDocument/2006/relationships" xmlns:p="http://schemas.openxmlformats.org/presentationml/2006/main">
-  <p:cSld name="Slide 5">
+  <p:cSld name="Slide 6">
     <p:bg>
       <p:bgPr>
         <a:solidFill>
           <a:srgbClr val="FFFFFF"/>
         </a:solidFill>
+        <a:effectLst/>
       </p:bgPr>
     </p:bg>
     <p:spTree>
@@ -6123,7 +6373,7 @@
           <a:bodyPr wrap="square" rtlCol="0" anchor="ctr"/>
           <a:lstStyle/>
           <a:p>
-            <a:pPr indent="0" marL="0">
+            <a:pPr marL="0" indent="0">
               <a:buNone/>
             </a:pPr>
             <a:endParaRPr lang="en-US" dirty="0"/>
@@ -6151,7 +6401,7 @@
           <a:bodyPr wrap="square" lIns="0" tIns="0" rIns="0" bIns="0" rtlCol="0" anchor="t"/>
           <a:lstStyle/>
           <a:p>
-            <a:pPr algn="l" indent="0" marL="0">
+            <a:pPr marL="0" indent="0" algn="l">
               <a:lnSpc>
                 <a:spcPts val="3000"/>
               </a:lnSpc>
@@ -6166,7 +6416,7 @@
                 <a:ea typeface="Arial" pitchFamily="34" charset="-122"/>
                 <a:cs typeface="Arial" pitchFamily="34" charset="-120"/>
               </a:rPr>
-              <a:t>Vectorización: TF-IDF</a:t>
+              <a:t>Clasificación de Texto</a:t>
             </a:r>
             <a:endParaRPr lang="en-US" sz="2700" dirty="0"/>
           </a:p>
@@ -6180,8 +6430,8 @@
         </p:nvSpPr>
         <p:spPr>
           <a:xfrm>
-            <a:off x="304800" y="1333500"/>
-            <a:ext cx="8705088" cy="304800"/>
+            <a:off x="304800" y="1828800"/>
+            <a:ext cx="8705088" cy="266700"/>
           </a:xfrm>
           <a:prstGeom prst="rect">
             <a:avLst/>
@@ -6193,83 +6443,9 @@
           <a:bodyPr wrap="square" lIns="0" tIns="0" rIns="0" bIns="0" rtlCol="0" anchor="t"/>
           <a:lstStyle/>
           <a:p>
-            <a:pPr algn="l" indent="0" marL="0">
-              <a:lnSpc>
-                <a:spcPts val="2400"/>
-              </a:lnSpc>
-              <a:buNone/>
-            </a:pPr>
-            <a:r>
-              <a:rPr lang="en-US" sz="1800" b="1" dirty="0">
-                <a:solidFill>
-                  <a:srgbClr val="2563EB"/>
-                </a:solidFill>
-                <a:latin typeface="Arial" pitchFamily="34" charset="0"/>
-                <a:ea typeface="Arial" pitchFamily="34" charset="-122"/>
-                <a:cs typeface="Arial" pitchFamily="34" charset="-120"/>
-              </a:rPr>
-              <a:t>Term Frequency - Inverse Document Frequency</a:t>
-            </a:r>
-            <a:endParaRPr lang="en-US" sz="1800" dirty="0"/>
-          </a:p>
-        </p:txBody>
-      </p:sp>
-      <p:sp>
-        <p:nvSpPr>
-          <p:cNvPr id="5" name="Text 3"/>
-          <p:cNvSpPr/>
-          <p:nvPr/>
-        </p:nvSpPr>
-        <p:spPr>
-          <a:xfrm>
-            <a:off x="304800" y="1790700"/>
-            <a:ext cx="8534400" cy="876300"/>
-          </a:xfrm>
-          <a:prstGeom prst="roundRect">
-            <a:avLst>
-              <a:gd name="adj" fmla="val 6957"/>
-            </a:avLst>
-          </a:prstGeom>
-          <a:solidFill>
-            <a:srgbClr val="F1F5F9"/>
-          </a:solidFill>
-          <a:ln/>
-        </p:spPr>
-        <p:txBody>
-          <a:bodyPr wrap="square" rtlCol="0" anchor="ctr"/>
-          <a:lstStyle/>
-          <a:p>
-            <a:pPr indent="0" marL="0">
-              <a:buNone/>
-            </a:pPr>
-            <a:endParaRPr lang="en-US" dirty="0"/>
-          </a:p>
-        </p:txBody>
-      </p:sp>
-      <p:sp>
-        <p:nvSpPr>
-          <p:cNvPr id="6" name="Text 4"/>
-          <p:cNvSpPr/>
-          <p:nvPr/>
-        </p:nvSpPr>
-        <p:spPr>
-          <a:xfrm>
-            <a:off x="452628" y="2057400"/>
-            <a:ext cx="8238744" cy="342900"/>
-          </a:xfrm>
-          <a:prstGeom prst="rect">
-            <a:avLst/>
-          </a:prstGeom>
-          <a:noFill/>
-          <a:ln/>
-        </p:spPr>
-        <p:txBody>
-          <a:bodyPr wrap="square" lIns="0" tIns="0" rIns="0" bIns="0" rtlCol="0" anchor="t"/>
-          <a:lstStyle/>
-          <a:p>
-            <a:pPr algn="ctr" indent="0" marL="0">
-              <a:lnSpc>
-                <a:spcPts val="2700"/>
+            <a:pPr marL="0" indent="0" algn="l">
+              <a:lnSpc>
+                <a:spcPts val="2100"/>
               </a:lnSpc>
               <a:spcBef>
                 <a:spcPts val="300"/>
@@ -6280,7 +6456,7 @@
               <a:buNone/>
             </a:pPr>
             <a:r>
-              <a:rPr lang="en-US" sz="2250" b="1" dirty="0">
+              <a:rPr lang="en-US" sz="1500" b="1" dirty="0">
                 <a:solidFill>
                   <a:srgbClr val="1E293B"/>
                 </a:solidFill>
@@ -6288,30 +6464,83 @@
                 <a:ea typeface="Arial" pitchFamily="34" charset="-122"/>
                 <a:cs typeface="Arial" pitchFamily="34" charset="-120"/>
               </a:rPr>
-              <a:t>TF-IDF = TF × IDF</a:t>
-            </a:r>
-            <a:endParaRPr lang="en-US" sz="2250" dirty="0"/>
-          </a:p>
-        </p:txBody>
-      </p:sp>
-      <p:sp>
-        <p:nvSpPr>
-          <p:cNvPr id="7" name="Text 5"/>
-          <p:cNvSpPr/>
-          <p:nvPr/>
-        </p:nvSpPr>
-        <p:spPr>
-          <a:xfrm>
-            <a:off x="304800" y="2971800"/>
-            <a:ext cx="4114800" cy="876300"/>
+              <a:t>Definición:</a:t>
+            </a:r>
+            <a:r>
+              <a:rPr lang="en-US" sz="1500" dirty="0">
+                <a:solidFill>
+                  <a:srgbClr val="1E293B"/>
+                </a:solidFill>
+                <a:latin typeface="Arial" pitchFamily="34" charset="0"/>
+                <a:ea typeface="Arial" pitchFamily="34" charset="-122"/>
+                <a:cs typeface="Arial" pitchFamily="34" charset="-120"/>
+              </a:rPr>
+              <a:t> Asignar categorías predefinidas a documentos.</a:t>
+            </a:r>
+            <a:endParaRPr lang="en-US" sz="1500" dirty="0"/>
+          </a:p>
+        </p:txBody>
+      </p:sp>
+      <p:sp>
+        <p:nvSpPr>
+          <p:cNvPr id="5" name="Text 3"/>
+          <p:cNvSpPr/>
+          <p:nvPr/>
+        </p:nvSpPr>
+        <p:spPr>
+          <a:xfrm>
+            <a:off x="304800" y="2438400"/>
+            <a:ext cx="8705088" cy="304800"/>
+          </a:xfrm>
+          <a:prstGeom prst="rect">
+            <a:avLst/>
+          </a:prstGeom>
+          <a:noFill/>
+          <a:ln/>
+        </p:spPr>
+        <p:txBody>
+          <a:bodyPr wrap="square" lIns="0" tIns="0" rIns="0" bIns="0" rtlCol="0" anchor="t"/>
+          <a:lstStyle/>
+          <a:p>
+            <a:pPr marL="0" indent="0" algn="l">
+              <a:lnSpc>
+                <a:spcPts val="2400"/>
+              </a:lnSpc>
+              <a:buNone/>
+            </a:pPr>
+            <a:r>
+              <a:rPr lang="en-US" sz="1800" b="1" dirty="0">
+                <a:solidFill>
+                  <a:srgbClr val="2563EB"/>
+                </a:solidFill>
+                <a:latin typeface="Arial" pitchFamily="34" charset="0"/>
+                <a:ea typeface="Arial" pitchFamily="34" charset="-122"/>
+                <a:cs typeface="Arial" pitchFamily="34" charset="-120"/>
+              </a:rPr>
+              <a:t>Algoritmos Comunes</a:t>
+            </a:r>
+            <a:endParaRPr lang="en-US" sz="1800" dirty="0"/>
+          </a:p>
+        </p:txBody>
+      </p:sp>
+      <p:sp>
+        <p:nvSpPr>
+          <p:cNvPr id="6" name="Text 4"/>
+          <p:cNvSpPr/>
+          <p:nvPr/>
+        </p:nvSpPr>
+        <p:spPr>
+          <a:xfrm>
+            <a:off x="304800" y="2819400"/>
+            <a:ext cx="2743200" cy="1524000"/>
           </a:xfrm>
           <a:prstGeom prst="roundRect">
             <a:avLst>
-              <a:gd name="adj" fmla="val 6957"/>
+              <a:gd name="adj" fmla="val 4000"/>
             </a:avLst>
           </a:prstGeom>
           <a:solidFill>
-            <a:srgbClr val="F8FAFC"/>
+            <a:srgbClr val="F1F5F9"/>
           </a:solidFill>
           <a:ln/>
         </p:spPr>
@@ -6319,7 +6548,7 @@
           <a:bodyPr wrap="square" rtlCol="0" anchor="ctr"/>
           <a:lstStyle/>
           <a:p>
-            <a:pPr indent="0" marL="0">
+            <a:pPr marL="0" indent="0">
               <a:buNone/>
             </a:pPr>
             <a:endParaRPr lang="en-US" dirty="0"/>
@@ -6328,14 +6557,14 @@
       </p:sp>
       <p:sp>
         <p:nvSpPr>
-          <p:cNvPr id="8" name="Text 6"/>
-          <p:cNvSpPr/>
-          <p:nvPr/>
-        </p:nvSpPr>
-        <p:spPr>
-          <a:xfrm>
-            <a:off x="457200" y="3124200"/>
-            <a:ext cx="3886200" cy="266700"/>
+          <p:cNvPr id="7" name="Text 5"/>
+          <p:cNvSpPr/>
+          <p:nvPr/>
+        </p:nvSpPr>
+        <p:spPr>
+          <a:xfrm>
+            <a:off x="457200" y="2971800"/>
+            <a:ext cx="2487168" cy="266700"/>
           </a:xfrm>
           <a:prstGeom prst="rect">
             <a:avLst/>
@@ -6347,7 +6576,7 @@
           <a:bodyPr wrap="square" lIns="0" tIns="0" rIns="0" bIns="0" rtlCol="0" anchor="t"/>
           <a:lstStyle/>
           <a:p>
-            <a:pPr algn="l" indent="0" marL="0">
+            <a:pPr marL="0" indent="0" algn="l">
               <a:lnSpc>
                 <a:spcPts val="2100"/>
               </a:lnSpc>
@@ -6357,7 +6586,7 @@
               <a:buNone/>
             </a:pPr>
             <a:r>
-              <a:rPr lang="en-US" sz="1500" b="1" dirty="0">
+              <a:rPr lang="en-US" sz="1350" b="1" dirty="0">
                 <a:solidFill>
                   <a:srgbClr val="2563EB"/>
                 </a:solidFill>
@@ -6365,9 +6594,94 @@
                 <a:ea typeface="Arial" pitchFamily="34" charset="-122"/>
                 <a:cs typeface="Arial" pitchFamily="34" charset="-120"/>
               </a:rPr>
-              <a:t>TF</a:t>
-            </a:r>
-            <a:endParaRPr lang="en-US" sz="1500" dirty="0"/>
+              <a:t>Naive Bayes</a:t>
+            </a:r>
+            <a:endParaRPr lang="en-US" sz="1350" dirty="0"/>
+          </a:p>
+        </p:txBody>
+      </p:sp>
+      <p:sp>
+        <p:nvSpPr>
+          <p:cNvPr id="8" name="Text 6"/>
+          <p:cNvSpPr/>
+          <p:nvPr/>
+        </p:nvSpPr>
+        <p:spPr>
+          <a:xfrm>
+            <a:off x="457200" y="3314700"/>
+            <a:ext cx="2438400" cy="876300"/>
+          </a:xfrm>
+          <a:prstGeom prst="rect">
+            <a:avLst/>
+          </a:prstGeom>
+          <a:noFill/>
+          <a:ln/>
+        </p:spPr>
+        <p:txBody>
+          <a:bodyPr wrap="square" lIns="66675" tIns="0" rIns="0" bIns="0" rtlCol="0" anchor="t"/>
+          <a:lstStyle/>
+          <a:p>
+            <a:pPr marL="66675" indent="-66675" algn="l">
+              <a:lnSpc>
+                <a:spcPts val="2100"/>
+              </a:lnSpc>
+              <a:buSzPct val="100000"/>
+              <a:buChar char="•"/>
+            </a:pPr>
+            <a:r>
+              <a:rPr lang="en-US" sz="1350" dirty="0">
+                <a:solidFill>
+                  <a:srgbClr val="1E293B"/>
+                </a:solidFill>
+                <a:latin typeface="Arial" pitchFamily="34" charset="0"/>
+                <a:ea typeface="Arial" pitchFamily="34" charset="-122"/>
+                <a:cs typeface="Arial" pitchFamily="34" charset="-120"/>
+              </a:rPr>
+              <a:t>Probabilidad bayesiana</a:t>
+            </a:r>
+            <a:endParaRPr lang="en-US" sz="1350" dirty="0"/>
+          </a:p>
+          <a:p>
+            <a:pPr marL="66675" indent="-66675" algn="l">
+              <a:lnSpc>
+                <a:spcPts val="2100"/>
+              </a:lnSpc>
+              <a:buSzPct val="100000"/>
+              <a:buChar char="•"/>
+            </a:pPr>
+            <a:r>
+              <a:rPr lang="en-US" sz="1350" dirty="0">
+                <a:solidFill>
+                  <a:srgbClr val="1E293B"/>
+                </a:solidFill>
+                <a:latin typeface="Arial" pitchFamily="34" charset="0"/>
+                <a:ea typeface="Arial" pitchFamily="34" charset="-122"/>
+                <a:cs typeface="Arial" pitchFamily="34" charset="-120"/>
+              </a:rPr>
+              <a:t>Rápido y eficiente</a:t>
+            </a:r>
+            <a:endParaRPr lang="en-US" sz="1350" dirty="0"/>
+          </a:p>
+          <a:p>
+            <a:pPr marL="66675" indent="-66675" algn="l">
+              <a:lnSpc>
+                <a:spcPts val="2100"/>
+              </a:lnSpc>
+              <a:buSzPct val="100000"/>
+              <a:buChar char="•"/>
+            </a:pPr>
+            <a:r>
+              <a:rPr lang="en-US" sz="1350" dirty="0">
+                <a:solidFill>
+                  <a:srgbClr val="1E293B"/>
+                </a:solidFill>
+                <a:latin typeface="Arial" pitchFamily="34" charset="0"/>
+                <a:ea typeface="Arial" pitchFamily="34" charset="-122"/>
+                <a:cs typeface="Arial" pitchFamily="34" charset="-120"/>
+              </a:rPr>
+              <a:t>Ideal para datasets pequeños</a:t>
+            </a:r>
+            <a:endParaRPr lang="en-US" sz="1350" dirty="0"/>
           </a:p>
         </p:txBody>
       </p:sp>
@@ -6379,64 +6693,16 @@
         </p:nvSpPr>
         <p:spPr>
           <a:xfrm>
-            <a:off x="457200" y="3467100"/>
-            <a:ext cx="3886200" cy="190500"/>
-          </a:xfrm>
-          <a:prstGeom prst="rect">
-            <a:avLst/>
-          </a:prstGeom>
-          <a:noFill/>
-          <a:ln/>
-        </p:spPr>
-        <p:txBody>
-          <a:bodyPr wrap="square" lIns="0" tIns="0" rIns="0" bIns="0" rtlCol="0" anchor="t"/>
-          <a:lstStyle/>
-          <a:p>
-            <a:pPr algn="l" indent="0" marL="0">
-              <a:lnSpc>
-                <a:spcPts val="1500"/>
-              </a:lnSpc>
-              <a:spcBef>
-                <a:spcPts val="300"/>
-              </a:spcBef>
-              <a:spcAft>
-                <a:spcPts val="300"/>
-              </a:spcAft>
-              <a:buNone/>
-            </a:pPr>
-            <a:r>
-              <a:rPr lang="en-US" sz="1050" dirty="0">
-                <a:solidFill>
-                  <a:srgbClr val="1E293B"/>
-                </a:solidFill>
-                <a:latin typeface="Arial" pitchFamily="34" charset="0"/>
-                <a:ea typeface="Arial" pitchFamily="34" charset="-122"/>
-                <a:cs typeface="Arial" pitchFamily="34" charset="-120"/>
-              </a:rPr>
-              <a:t>Frecuencia del término en el documento</a:t>
-            </a:r>
-            <a:endParaRPr lang="en-US" sz="1050" dirty="0"/>
-          </a:p>
-        </p:txBody>
-      </p:sp>
-      <p:sp>
-        <p:nvSpPr>
-          <p:cNvPr id="10" name="Text 8"/>
-          <p:cNvSpPr/>
-          <p:nvPr/>
-        </p:nvSpPr>
-        <p:spPr>
-          <a:xfrm>
-            <a:off x="4724400" y="2971800"/>
-            <a:ext cx="4114800" cy="876300"/>
+            <a:off x="3200400" y="2819400"/>
+            <a:ext cx="2743200" cy="1524000"/>
           </a:xfrm>
           <a:prstGeom prst="roundRect">
             <a:avLst>
-              <a:gd name="adj" fmla="val 6957"/>
+              <a:gd name="adj" fmla="val 4000"/>
             </a:avLst>
           </a:prstGeom>
           <a:solidFill>
-            <a:srgbClr val="F8FAFC"/>
+            <a:srgbClr val="F1F5F9"/>
           </a:solidFill>
           <a:ln/>
         </p:spPr>
@@ -6444,7 +6710,7 @@
           <a:bodyPr wrap="square" rtlCol="0" anchor="ctr"/>
           <a:lstStyle/>
           <a:p>
-            <a:pPr indent="0" marL="0">
+            <a:pPr marL="0" indent="0">
               <a:buNone/>
             </a:pPr>
             <a:endParaRPr lang="en-US" dirty="0"/>
@@ -6453,14 +6719,14 @@
       </p:sp>
       <p:sp>
         <p:nvSpPr>
-          <p:cNvPr id="11" name="Text 9"/>
-          <p:cNvSpPr/>
-          <p:nvPr/>
-        </p:nvSpPr>
-        <p:spPr>
-          <a:xfrm>
-            <a:off x="4876800" y="3124200"/>
-            <a:ext cx="3886200" cy="266700"/>
+          <p:cNvPr id="10" name="Text 8"/>
+          <p:cNvSpPr/>
+          <p:nvPr/>
+        </p:nvSpPr>
+        <p:spPr>
+          <a:xfrm>
+            <a:off x="3352800" y="2971800"/>
+            <a:ext cx="2487168" cy="266700"/>
           </a:xfrm>
           <a:prstGeom prst="rect">
             <a:avLst/>
@@ -6472,7 +6738,7 @@
           <a:bodyPr wrap="square" lIns="0" tIns="0" rIns="0" bIns="0" rtlCol="0" anchor="t"/>
           <a:lstStyle/>
           <a:p>
-            <a:pPr algn="l" indent="0" marL="0">
+            <a:pPr marL="0" indent="0" algn="l">
               <a:lnSpc>
                 <a:spcPts val="2100"/>
               </a:lnSpc>
@@ -6482,7 +6748,7 @@
               <a:buNone/>
             </a:pPr>
             <a:r>
-              <a:rPr lang="en-US" sz="1500" b="1" dirty="0">
+              <a:rPr lang="en-US" sz="1350" b="1" dirty="0">
                 <a:solidFill>
                   <a:srgbClr val="2563EB"/>
                 </a:solidFill>
@@ -6490,9 +6756,94 @@
                 <a:ea typeface="Arial" pitchFamily="34" charset="-122"/>
                 <a:cs typeface="Arial" pitchFamily="34" charset="-120"/>
               </a:rPr>
-              <a:t>IDF</a:t>
-            </a:r>
-            <a:endParaRPr lang="en-US" sz="1500" dirty="0"/>
+              <a:t>SVM</a:t>
+            </a:r>
+            <a:endParaRPr lang="en-US" sz="1350" dirty="0"/>
+          </a:p>
+        </p:txBody>
+      </p:sp>
+      <p:sp>
+        <p:nvSpPr>
+          <p:cNvPr id="11" name="Text 9"/>
+          <p:cNvSpPr/>
+          <p:nvPr/>
+        </p:nvSpPr>
+        <p:spPr>
+          <a:xfrm>
+            <a:off x="3352800" y="3314700"/>
+            <a:ext cx="2438400" cy="876300"/>
+          </a:xfrm>
+          <a:prstGeom prst="rect">
+            <a:avLst/>
+          </a:prstGeom>
+          <a:noFill/>
+          <a:ln/>
+        </p:spPr>
+        <p:txBody>
+          <a:bodyPr wrap="square" lIns="66675" tIns="0" rIns="0" bIns="0" rtlCol="0" anchor="t"/>
+          <a:lstStyle/>
+          <a:p>
+            <a:pPr marL="66675" indent="-66675" algn="l">
+              <a:lnSpc>
+                <a:spcPts val="2100"/>
+              </a:lnSpc>
+              <a:buSzPct val="100000"/>
+              <a:buChar char="•"/>
+            </a:pPr>
+            <a:r>
+              <a:rPr lang="en-US" sz="1350" dirty="0">
+                <a:solidFill>
+                  <a:srgbClr val="1E293B"/>
+                </a:solidFill>
+                <a:latin typeface="Arial" pitchFamily="34" charset="0"/>
+                <a:ea typeface="Arial" pitchFamily="34" charset="-122"/>
+                <a:cs typeface="Arial" pitchFamily="34" charset="-120"/>
+              </a:rPr>
+              <a:t>Hiperplanos de separación</a:t>
+            </a:r>
+            <a:endParaRPr lang="en-US" sz="1350" dirty="0"/>
+          </a:p>
+          <a:p>
+            <a:pPr marL="66675" indent="-66675" algn="l">
+              <a:lnSpc>
+                <a:spcPts val="2100"/>
+              </a:lnSpc>
+              <a:buSzPct val="100000"/>
+              <a:buChar char="•"/>
+            </a:pPr>
+            <a:r>
+              <a:rPr lang="en-US" sz="1350" dirty="0">
+                <a:solidFill>
+                  <a:srgbClr val="1E293B"/>
+                </a:solidFill>
+                <a:latin typeface="Arial" pitchFamily="34" charset="0"/>
+                <a:ea typeface="Arial" pitchFamily="34" charset="-122"/>
+                <a:cs typeface="Arial" pitchFamily="34" charset="-120"/>
+              </a:rPr>
+              <a:t>Alta dimensión</a:t>
+            </a:r>
+            <a:endParaRPr lang="en-US" sz="1350" dirty="0"/>
+          </a:p>
+          <a:p>
+            <a:pPr marL="66675" indent="-66675" algn="l">
+              <a:lnSpc>
+                <a:spcPts val="2100"/>
+              </a:lnSpc>
+              <a:buSzPct val="100000"/>
+              <a:buChar char="•"/>
+            </a:pPr>
+            <a:r>
+              <a:rPr lang="en-US" sz="1350" dirty="0">
+                <a:solidFill>
+                  <a:srgbClr val="1E293B"/>
+                </a:solidFill>
+                <a:latin typeface="Arial" pitchFamily="34" charset="0"/>
+                <a:ea typeface="Arial" pitchFamily="34" charset="-122"/>
+                <a:cs typeface="Arial" pitchFamily="34" charset="-120"/>
+              </a:rPr>
+              <a:t>Robusto vs overfitting</a:t>
+            </a:r>
+            <a:endParaRPr lang="en-US" sz="1350" dirty="0"/>
           </a:p>
         </p:txBody>
       </p:sp>
@@ -6504,64 +6855,16 @@
         </p:nvSpPr>
         <p:spPr>
           <a:xfrm>
-            <a:off x="4876800" y="3467100"/>
-            <a:ext cx="3886200" cy="190500"/>
-          </a:xfrm>
-          <a:prstGeom prst="rect">
-            <a:avLst/>
-          </a:prstGeom>
-          <a:noFill/>
-          <a:ln/>
-        </p:spPr>
-        <p:txBody>
-          <a:bodyPr wrap="square" lIns="0" tIns="0" rIns="0" bIns="0" rtlCol="0" anchor="t"/>
-          <a:lstStyle/>
-          <a:p>
-            <a:pPr algn="l" indent="0" marL="0">
-              <a:lnSpc>
-                <a:spcPts val="1500"/>
-              </a:lnSpc>
-              <a:spcBef>
-                <a:spcPts val="300"/>
-              </a:spcBef>
-              <a:spcAft>
-                <a:spcPts val="300"/>
-              </a:spcAft>
-              <a:buNone/>
-            </a:pPr>
-            <a:r>
-              <a:rPr lang="en-US" sz="1050" dirty="0">
-                <a:solidFill>
-                  <a:srgbClr val="1E293B"/>
-                </a:solidFill>
-                <a:latin typeface="Arial" pitchFamily="34" charset="0"/>
-                <a:ea typeface="Arial" pitchFamily="34" charset="-122"/>
-                <a:cs typeface="Arial" pitchFamily="34" charset="-120"/>
-              </a:rPr>
-              <a:t>log(Total documentos / Docs con el término)</a:t>
-            </a:r>
-            <a:endParaRPr lang="en-US" sz="1050" dirty="0"/>
-          </a:p>
-        </p:txBody>
-      </p:sp>
-      <p:sp>
-        <p:nvSpPr>
-          <p:cNvPr id="13" name="Text 11"/>
-          <p:cNvSpPr/>
-          <p:nvPr/>
-        </p:nvSpPr>
-        <p:spPr>
-          <a:xfrm>
-            <a:off x="304800" y="4152900"/>
-            <a:ext cx="8534400" cy="647700"/>
+            <a:off x="6096000" y="2819400"/>
+            <a:ext cx="2743200" cy="1524000"/>
           </a:xfrm>
           <a:prstGeom prst="roundRect">
             <a:avLst>
-              <a:gd name="adj" fmla="val 9412"/>
+              <a:gd name="adj" fmla="val 4000"/>
             </a:avLst>
           </a:prstGeom>
           <a:solidFill>
-            <a:srgbClr val="0EA5E9"/>
+            <a:srgbClr val="F1F5F9"/>
           </a:solidFill>
           <a:ln/>
         </p:spPr>
@@ -6569,7 +6872,7 @@
           <a:bodyPr wrap="square" rtlCol="0" anchor="ctr"/>
           <a:lstStyle/>
           <a:p>
-            <a:pPr indent="0" marL="0">
+            <a:pPr marL="0" indent="0">
               <a:buNone/>
             </a:pPr>
             <a:endParaRPr lang="en-US" dirty="0"/>
@@ -6578,70 +6881,129 @@
       </p:sp>
       <p:sp>
         <p:nvSpPr>
+          <p:cNvPr id="13" name="Text 11"/>
+          <p:cNvSpPr/>
+          <p:nvPr/>
+        </p:nvSpPr>
+        <p:spPr>
+          <a:xfrm>
+            <a:off x="6248400" y="2971800"/>
+            <a:ext cx="2487168" cy="266700"/>
+          </a:xfrm>
+          <a:prstGeom prst="rect">
+            <a:avLst/>
+          </a:prstGeom>
+          <a:noFill/>
+          <a:ln/>
+        </p:spPr>
+        <p:txBody>
+          <a:bodyPr wrap="square" lIns="0" tIns="0" rIns="0" bIns="0" rtlCol="0" anchor="t"/>
+          <a:lstStyle/>
+          <a:p>
+            <a:pPr marL="0" indent="0" algn="l">
+              <a:lnSpc>
+                <a:spcPts val="2100"/>
+              </a:lnSpc>
+              <a:spcAft>
+                <a:spcPts val="600"/>
+              </a:spcAft>
+              <a:buNone/>
+            </a:pPr>
+            <a:r>
+              <a:rPr lang="en-US" sz="1350" b="1" dirty="0">
+                <a:solidFill>
+                  <a:srgbClr val="2563EB"/>
+                </a:solidFill>
+                <a:latin typeface="Arial" pitchFamily="34" charset="0"/>
+                <a:ea typeface="Arial" pitchFamily="34" charset="-122"/>
+                <a:cs typeface="Arial" pitchFamily="34" charset="-120"/>
+              </a:rPr>
+              <a:t>Random Forest</a:t>
+            </a:r>
+            <a:endParaRPr lang="en-US" sz="1350" dirty="0"/>
+          </a:p>
+        </p:txBody>
+      </p:sp>
+      <p:sp>
+        <p:nvSpPr>
           <p:cNvPr id="14" name="Text 12"/>
           <p:cNvSpPr/>
           <p:nvPr/>
         </p:nvSpPr>
         <p:spPr>
           <a:xfrm>
-            <a:off x="457200" y="4343400"/>
-            <a:ext cx="8394192" cy="266700"/>
-          </a:xfrm>
-          <a:prstGeom prst="rect">
-            <a:avLst/>
-          </a:prstGeom>
-          <a:noFill/>
-          <a:ln/>
-        </p:spPr>
-        <p:txBody>
-          <a:bodyPr wrap="square" lIns="0" tIns="0" rIns="0" bIns="0" rtlCol="0" anchor="t"/>
-          <a:lstStyle/>
-          <a:p>
-            <a:pPr algn="l" indent="0" marL="0">
+            <a:off x="6248400" y="3314700"/>
+            <a:ext cx="2438400" cy="876300"/>
+          </a:xfrm>
+          <a:prstGeom prst="rect">
+            <a:avLst/>
+          </a:prstGeom>
+          <a:noFill/>
+          <a:ln/>
+        </p:spPr>
+        <p:txBody>
+          <a:bodyPr wrap="square" lIns="66675" tIns="0" rIns="0" bIns="0" rtlCol="0" anchor="t"/>
+          <a:lstStyle/>
+          <a:p>
+            <a:pPr marL="66675" indent="-66675" algn="l">
               <a:lnSpc>
                 <a:spcPts val="2100"/>
               </a:lnSpc>
-              <a:spcBef>
-                <a:spcPts val="300"/>
-              </a:spcBef>
-              <a:spcAft>
-                <a:spcPts val="300"/>
-              </a:spcAft>
-              <a:buNone/>
-            </a:pPr>
-            <a:r>
-              <a:rPr lang="en-US" sz="1350" b="1" dirty="0">
-                <a:solidFill>
-                  <a:srgbClr val="FFFFFF"/>
-                </a:solidFill>
-                <a:latin typeface="Arial" pitchFamily="34" charset="0"/>
-                <a:ea typeface="Arial" pitchFamily="34" charset="-122"/>
-                <a:cs typeface="Arial" pitchFamily="34" charset="-120"/>
-              </a:rPr>
-              <a:t>✓ Ventaja:</a:t>
-            </a:r>
-            <a:pPr algn="l" indent="0" marL="0">
+              <a:buSzPct val="100000"/>
+              <a:buChar char="•"/>
+            </a:pPr>
+            <a:r>
+              <a:rPr lang="en-US" sz="1350" dirty="0">
+                <a:solidFill>
+                  <a:srgbClr val="1E293B"/>
+                </a:solidFill>
+                <a:latin typeface="Arial" pitchFamily="34" charset="0"/>
+                <a:ea typeface="Arial" pitchFamily="34" charset="-122"/>
+                <a:cs typeface="Arial" pitchFamily="34" charset="-120"/>
+              </a:rPr>
+              <a:t>Conjunto de árboles</a:t>
+            </a:r>
+            <a:endParaRPr lang="en-US" sz="1350" dirty="0"/>
+          </a:p>
+          <a:p>
+            <a:pPr marL="66675" indent="-66675" algn="l">
               <a:lnSpc>
                 <a:spcPts val="2100"/>
               </a:lnSpc>
-              <a:spcBef>
-                <a:spcPts val="300"/>
-              </a:spcBef>
-              <a:spcAft>
-                <a:spcPts val="300"/>
-              </a:spcAft>
-              <a:buNone/>
+              <a:buSzPct val="100000"/>
+              <a:buChar char="•"/>
             </a:pPr>
             <a:r>
               <a:rPr lang="en-US" sz="1350" dirty="0">
                 <a:solidFill>
-                  <a:srgbClr val="FFFFFF"/>
-                </a:solidFill>
-                <a:latin typeface="Arial" pitchFamily="34" charset="0"/>
-                <a:ea typeface="Arial" pitchFamily="34" charset="-122"/>
-                <a:cs typeface="Arial" pitchFamily="34" charset="-120"/>
-              </a:rPr>
-              <a:t> Palabras comunes tienen menor peso</a:t>
+                  <a:srgbClr val="1E293B"/>
+                </a:solidFill>
+                <a:latin typeface="Arial" pitchFamily="34" charset="0"/>
+                <a:ea typeface="Arial" pitchFamily="34" charset="-122"/>
+                <a:cs typeface="Arial" pitchFamily="34" charset="-120"/>
+              </a:rPr>
+              <a:t>Reduce overfitting</a:t>
+            </a:r>
+            <a:endParaRPr lang="en-US" sz="1350" dirty="0"/>
+          </a:p>
+          <a:p>
+            <a:pPr marL="66675" indent="-66675" algn="l">
+              <a:lnSpc>
+                <a:spcPts val="2100"/>
+              </a:lnSpc>
+              <a:buSzPct val="100000"/>
+              <a:buChar char="•"/>
+            </a:pPr>
+            <a:r>
+              <a:rPr lang="en-US" sz="1350" dirty="0">
+                <a:solidFill>
+                  <a:srgbClr val="1E293B"/>
+                </a:solidFill>
+                <a:latin typeface="Arial" pitchFamily="34" charset="0"/>
+                <a:ea typeface="Arial" pitchFamily="34" charset="-122"/>
+                <a:cs typeface="Arial" pitchFamily="34" charset="-120"/>
+              </a:rPr>
+              <a:t>Características no lineales</a:t>
             </a:r>
             <a:endParaRPr lang="en-US" sz="1350" dirty="0"/>
           </a:p>
@@ -6655,14 +7017,15 @@
 </p:sld>
 </file>
 
-<file path=ppt/slides/slide6.xml><?xml version="1.0" encoding="utf-8"?>
+<file path=ppt/slides/slide7.xml><?xml version="1.0" encoding="utf-8"?>
 <p:sld xmlns:a="http://schemas.openxmlformats.org/drawingml/2006/main" xmlns:r="http://schemas.openxmlformats.org/officeDocument/2006/relationships" xmlns:p="http://schemas.openxmlformats.org/presentationml/2006/main">
-  <p:cSld name="Slide 6">
+  <p:cSld name="Slide 7">
     <p:bg>
       <p:bgPr>
         <a:solidFill>
           <a:srgbClr val="FFFFFF"/>
         </a:solidFill>
+        <a:effectLst/>
       </p:bgPr>
     </p:bg>
     <p:spTree>
@@ -6702,7 +7065,7 @@
           <a:bodyPr wrap="square" rtlCol="0" anchor="ctr"/>
           <a:lstStyle/>
           <a:p>
-            <a:pPr indent="0" marL="0">
+            <a:pPr marL="0" indent="0">
               <a:buNone/>
             </a:pPr>
             <a:endParaRPr lang="en-US" dirty="0"/>
@@ -6730,7 +7093,7 @@
           <a:bodyPr wrap="square" lIns="0" tIns="0" rIns="0" bIns="0" rtlCol="0" anchor="t"/>
           <a:lstStyle/>
           <a:p>
-            <a:pPr algn="l" indent="0" marL="0">
+            <a:pPr marL="0" indent="0" algn="l">
               <a:lnSpc>
                 <a:spcPts val="3000"/>
               </a:lnSpc>
@@ -6745,7 +7108,7 @@
                 <a:ea typeface="Arial" pitchFamily="34" charset="-122"/>
                 <a:cs typeface="Arial" pitchFamily="34" charset="-120"/>
               </a:rPr>
-              <a:t>Clasificación de Texto</a:t>
+              <a:t>Métricas de Evaluación</a:t>
             </a:r>
             <a:endParaRPr lang="en-US" sz="2700" dirty="0"/>
           </a:p>
@@ -6759,8 +7122,40 @@
         </p:nvSpPr>
         <p:spPr>
           <a:xfrm>
-            <a:off x="304800" y="1828800"/>
-            <a:ext cx="8705088" cy="266700"/>
+            <a:off x="304800" y="1638300"/>
+            <a:ext cx="4114800" cy="876300"/>
+          </a:xfrm>
+          <a:prstGeom prst="roundRect">
+            <a:avLst>
+              <a:gd name="adj" fmla="val 6957"/>
+            </a:avLst>
+          </a:prstGeom>
+          <a:solidFill>
+            <a:srgbClr val="F1F5F9"/>
+          </a:solidFill>
+          <a:ln/>
+        </p:spPr>
+        <p:txBody>
+          <a:bodyPr wrap="square" rtlCol="0" anchor="ctr"/>
+          <a:lstStyle/>
+          <a:p>
+            <a:pPr marL="0" indent="0">
+              <a:buNone/>
+            </a:pPr>
+            <a:endParaRPr lang="en-US" dirty="0"/>
+          </a:p>
+        </p:txBody>
+      </p:sp>
+      <p:sp>
+        <p:nvSpPr>
+          <p:cNvPr id="5" name="Text 3"/>
+          <p:cNvSpPr/>
+          <p:nvPr/>
+        </p:nvSpPr>
+        <p:spPr>
+          <a:xfrm>
+            <a:off x="457200" y="1790700"/>
+            <a:ext cx="3886200" cy="266700"/>
           </a:xfrm>
           <a:prstGeom prst="rect">
             <a:avLst/>
@@ -6772,9 +7167,54 @@
           <a:bodyPr wrap="square" lIns="0" tIns="0" rIns="0" bIns="0" rtlCol="0" anchor="t"/>
           <a:lstStyle/>
           <a:p>
-            <a:pPr algn="l" indent="0" marL="0">
+            <a:pPr marL="0" indent="0" algn="l">
               <a:lnSpc>
                 <a:spcPts val="2100"/>
+              </a:lnSpc>
+              <a:spcAft>
+                <a:spcPts val="600"/>
+              </a:spcAft>
+              <a:buNone/>
+            </a:pPr>
+            <a:r>
+              <a:rPr lang="en-US" sz="1500" b="1" dirty="0">
+                <a:solidFill>
+                  <a:srgbClr val="2563EB"/>
+                </a:solidFill>
+                <a:latin typeface="Arial" pitchFamily="34" charset="0"/>
+                <a:ea typeface="Arial" pitchFamily="34" charset="-122"/>
+                <a:cs typeface="Arial" pitchFamily="34" charset="-120"/>
+              </a:rPr>
+              <a:t>Accuracy</a:t>
+            </a:r>
+            <a:endParaRPr lang="en-US" sz="1500" dirty="0"/>
+          </a:p>
+        </p:txBody>
+      </p:sp>
+      <p:sp>
+        <p:nvSpPr>
+          <p:cNvPr id="6" name="Text 4"/>
+          <p:cNvSpPr/>
+          <p:nvPr/>
+        </p:nvSpPr>
+        <p:spPr>
+          <a:xfrm>
+            <a:off x="457200" y="2133600"/>
+            <a:ext cx="3886200" cy="190500"/>
+          </a:xfrm>
+          <a:prstGeom prst="rect">
+            <a:avLst/>
+          </a:prstGeom>
+          <a:noFill/>
+          <a:ln/>
+        </p:spPr>
+        <p:txBody>
+          <a:bodyPr wrap="square" lIns="0" tIns="0" rIns="0" bIns="0" rtlCol="0" anchor="t"/>
+          <a:lstStyle/>
+          <a:p>
+            <a:pPr marL="0" indent="0" algn="l">
+              <a:lnSpc>
+                <a:spcPts val="1500"/>
               </a:lnSpc>
               <a:spcBef>
                 <a:spcPts val="300"/>
@@ -6785,19 +7225,121 @@
               <a:buNone/>
             </a:pPr>
             <a:r>
+              <a:rPr lang="en-US" sz="1050" dirty="0">
+                <a:solidFill>
+                  <a:srgbClr val="1E293B"/>
+                </a:solidFill>
+                <a:latin typeface="Arial" pitchFamily="34" charset="0"/>
+                <a:ea typeface="Arial" pitchFamily="34" charset="-122"/>
+                <a:cs typeface="Arial" pitchFamily="34" charset="-120"/>
+              </a:rPr>
+              <a:t>Predicciones correctas / Total predicciones</a:t>
+            </a:r>
+            <a:endParaRPr lang="en-US" sz="1050" dirty="0"/>
+          </a:p>
+        </p:txBody>
+      </p:sp>
+      <p:sp>
+        <p:nvSpPr>
+          <p:cNvPr id="7" name="Text 5"/>
+          <p:cNvSpPr/>
+          <p:nvPr/>
+        </p:nvSpPr>
+        <p:spPr>
+          <a:xfrm>
+            <a:off x="4724400" y="1638300"/>
+            <a:ext cx="4114800" cy="876300"/>
+          </a:xfrm>
+          <a:prstGeom prst="roundRect">
+            <a:avLst>
+              <a:gd name="adj" fmla="val 6957"/>
+            </a:avLst>
+          </a:prstGeom>
+          <a:solidFill>
+            <a:srgbClr val="F1F5F9"/>
+          </a:solidFill>
+          <a:ln/>
+        </p:spPr>
+        <p:txBody>
+          <a:bodyPr wrap="square" rtlCol="0" anchor="ctr"/>
+          <a:lstStyle/>
+          <a:p>
+            <a:pPr marL="0" indent="0">
+              <a:buNone/>
+            </a:pPr>
+            <a:endParaRPr lang="en-US" dirty="0"/>
+          </a:p>
+        </p:txBody>
+      </p:sp>
+      <p:sp>
+        <p:nvSpPr>
+          <p:cNvPr id="8" name="Text 6"/>
+          <p:cNvSpPr/>
+          <p:nvPr/>
+        </p:nvSpPr>
+        <p:spPr>
+          <a:xfrm>
+            <a:off x="4876800" y="1790700"/>
+            <a:ext cx="3886200" cy="266700"/>
+          </a:xfrm>
+          <a:prstGeom prst="rect">
+            <a:avLst/>
+          </a:prstGeom>
+          <a:noFill/>
+          <a:ln/>
+        </p:spPr>
+        <p:txBody>
+          <a:bodyPr wrap="square" lIns="0" tIns="0" rIns="0" bIns="0" rtlCol="0" anchor="t"/>
+          <a:lstStyle/>
+          <a:p>
+            <a:pPr marL="0" indent="0" algn="l">
+              <a:lnSpc>
+                <a:spcPts val="2100"/>
+              </a:lnSpc>
+              <a:spcAft>
+                <a:spcPts val="600"/>
+              </a:spcAft>
+              <a:buNone/>
+            </a:pPr>
+            <a:r>
               <a:rPr lang="en-US" sz="1500" b="1" dirty="0">
                 <a:solidFill>
-                  <a:srgbClr val="1E293B"/>
-                </a:solidFill>
-                <a:latin typeface="Arial" pitchFamily="34" charset="0"/>
-                <a:ea typeface="Arial" pitchFamily="34" charset="-122"/>
-                <a:cs typeface="Arial" pitchFamily="34" charset="-120"/>
-              </a:rPr>
-              <a:t>Definición:</a:t>
-            </a:r>
-            <a:pPr algn="l" indent="0" marL="0">
-              <a:lnSpc>
-                <a:spcPts val="2100"/>
+                  <a:srgbClr val="2563EB"/>
+                </a:solidFill>
+                <a:latin typeface="Arial" pitchFamily="34" charset="0"/>
+                <a:ea typeface="Arial" pitchFamily="34" charset="-122"/>
+                <a:cs typeface="Arial" pitchFamily="34" charset="-120"/>
+              </a:rPr>
+              <a:t>Precision</a:t>
+            </a:r>
+            <a:endParaRPr lang="en-US" sz="1500" dirty="0"/>
+          </a:p>
+        </p:txBody>
+      </p:sp>
+      <p:sp>
+        <p:nvSpPr>
+          <p:cNvPr id="9" name="Text 7"/>
+          <p:cNvSpPr/>
+          <p:nvPr/>
+        </p:nvSpPr>
+        <p:spPr>
+          <a:xfrm>
+            <a:off x="4876800" y="2133600"/>
+            <a:ext cx="3886200" cy="190500"/>
+          </a:xfrm>
+          <a:prstGeom prst="rect">
+            <a:avLst/>
+          </a:prstGeom>
+          <a:noFill/>
+          <a:ln/>
+        </p:spPr>
+        <p:txBody>
+          <a:bodyPr wrap="square" lIns="0" tIns="0" rIns="0" bIns="0" rtlCol="0" anchor="t"/>
+          <a:lstStyle/>
+          <a:p>
+            <a:pPr marL="0" indent="0" algn="l">
+              <a:lnSpc>
+                <a:spcPts val="1500"/>
               </a:lnSpc>
               <a:spcBef>
                 <a:spcPts val="300"/>
@@ -6808,7 +7350,7 @@
               <a:buNone/>
             </a:pPr>
             <a:r>
-              <a:rPr lang="en-US" sz="1500" dirty="0">
+              <a:rPr lang="en-US" sz="1050" dirty="0">
                 <a:solidFill>
                   <a:srgbClr val="1E293B"/>
                 </a:solidFill>
@@ -6816,68 +7358,26 @@
                 <a:ea typeface="Arial" pitchFamily="34" charset="-122"/>
                 <a:cs typeface="Arial" pitchFamily="34" charset="-120"/>
               </a:rPr>
-              <a:t> Asignar categorías predefinidas a documentos.</a:t>
-            </a:r>
-            <a:endParaRPr lang="en-US" sz="1500" dirty="0"/>
-          </a:p>
-        </p:txBody>
-      </p:sp>
-      <p:sp>
-        <p:nvSpPr>
-          <p:cNvPr id="5" name="Text 3"/>
-          <p:cNvSpPr/>
-          <p:nvPr/>
-        </p:nvSpPr>
-        <p:spPr>
-          <a:xfrm>
-            <a:off x="304800" y="2438400"/>
-            <a:ext cx="8705088" cy="304800"/>
-          </a:xfrm>
-          <a:prstGeom prst="rect">
-            <a:avLst/>
-          </a:prstGeom>
-          <a:noFill/>
-          <a:ln/>
-        </p:spPr>
-        <p:txBody>
-          <a:bodyPr wrap="square" lIns="0" tIns="0" rIns="0" bIns="0" rtlCol="0" anchor="t"/>
-          <a:lstStyle/>
-          <a:p>
-            <a:pPr algn="l" indent="0" marL="0">
-              <a:lnSpc>
-                <a:spcPts val="2400"/>
-              </a:lnSpc>
-              <a:buNone/>
-            </a:pPr>
-            <a:r>
-              <a:rPr lang="en-US" sz="1800" b="1" dirty="0">
-                <a:solidFill>
-                  <a:srgbClr val="2563EB"/>
-                </a:solidFill>
-                <a:latin typeface="Arial" pitchFamily="34" charset="0"/>
-                <a:ea typeface="Arial" pitchFamily="34" charset="-122"/>
-                <a:cs typeface="Arial" pitchFamily="34" charset="-120"/>
-              </a:rPr>
-              <a:t>Algoritmos Comunes</a:t>
-            </a:r>
-            <a:endParaRPr lang="en-US" sz="1800" dirty="0"/>
-          </a:p>
-        </p:txBody>
-      </p:sp>
-      <p:sp>
-        <p:nvSpPr>
-          <p:cNvPr id="6" name="Text 4"/>
-          <p:cNvSpPr/>
-          <p:nvPr/>
-        </p:nvSpPr>
-        <p:spPr>
-          <a:xfrm>
-            <a:off x="304800" y="2819400"/>
-            <a:ext cx="2743200" cy="1524000"/>
+              <a:t>VP / (VP + FP)</a:t>
+            </a:r>
+            <a:endParaRPr lang="en-US" sz="1050" dirty="0"/>
+          </a:p>
+        </p:txBody>
+      </p:sp>
+      <p:sp>
+        <p:nvSpPr>
+          <p:cNvPr id="10" name="Text 8"/>
+          <p:cNvSpPr/>
+          <p:nvPr/>
+        </p:nvSpPr>
+        <p:spPr>
+          <a:xfrm>
+            <a:off x="304800" y="2667000"/>
+            <a:ext cx="4114800" cy="876300"/>
           </a:xfrm>
           <a:prstGeom prst="roundRect">
             <a:avLst>
-              <a:gd name="adj" fmla="val 4000"/>
+              <a:gd name="adj" fmla="val 6957"/>
             </a:avLst>
           </a:prstGeom>
           <a:solidFill>
@@ -6889,7 +7389,7 @@
           <a:bodyPr wrap="square" rtlCol="0" anchor="ctr"/>
           <a:lstStyle/>
           <a:p>
-            <a:pPr indent="0" marL="0">
+            <a:pPr marL="0" indent="0">
               <a:buNone/>
             </a:pPr>
             <a:endParaRPr lang="en-US" dirty="0"/>
@@ -6898,14 +7398,14 @@
       </p:sp>
       <p:sp>
         <p:nvSpPr>
-          <p:cNvPr id="7" name="Text 5"/>
-          <p:cNvSpPr/>
-          <p:nvPr/>
-        </p:nvSpPr>
-        <p:spPr>
-          <a:xfrm>
-            <a:off x="457200" y="2971800"/>
-            <a:ext cx="2487168" cy="266700"/>
+          <p:cNvPr id="11" name="Text 9"/>
+          <p:cNvSpPr/>
+          <p:nvPr/>
+        </p:nvSpPr>
+        <p:spPr>
+          <a:xfrm>
+            <a:off x="457200" y="2819400"/>
+            <a:ext cx="3886200" cy="266700"/>
           </a:xfrm>
           <a:prstGeom prst="rect">
             <a:avLst/>
@@ -6917,7 +7417,7 @@
           <a:bodyPr wrap="square" lIns="0" tIns="0" rIns="0" bIns="0" rtlCol="0" anchor="t"/>
           <a:lstStyle/>
           <a:p>
-            <a:pPr algn="l" indent="0" marL="0">
+            <a:pPr marL="0" indent="0" algn="l">
               <a:lnSpc>
                 <a:spcPts val="2100"/>
               </a:lnSpc>
@@ -6927,7 +7427,7 @@
               <a:buNone/>
             </a:pPr>
             <a:r>
-              <a:rPr lang="en-US" sz="1350" b="1" dirty="0">
+              <a:rPr lang="en-US" sz="1500" b="1" dirty="0">
                 <a:solidFill>
                   <a:srgbClr val="2563EB"/>
                 </a:solidFill>
@@ -6935,42 +7435,47 @@
                 <a:ea typeface="Arial" pitchFamily="34" charset="-122"/>
                 <a:cs typeface="Arial" pitchFamily="34" charset="-120"/>
               </a:rPr>
-              <a:t>Naive Bayes</a:t>
-            </a:r>
-            <a:endParaRPr lang="en-US" sz="1350" dirty="0"/>
-          </a:p>
-        </p:txBody>
-      </p:sp>
-      <p:sp>
-        <p:nvSpPr>
-          <p:cNvPr id="8" name="Text 6"/>
-          <p:cNvSpPr/>
-          <p:nvPr/>
-        </p:nvSpPr>
-        <p:spPr>
-          <a:xfrm>
-            <a:off x="457200" y="3314700"/>
-            <a:ext cx="2438400" cy="876300"/>
-          </a:xfrm>
-          <a:prstGeom prst="rect">
-            <a:avLst/>
-          </a:prstGeom>
-          <a:noFill/>
-          <a:ln/>
-        </p:spPr>
-        <p:txBody>
-          <a:bodyPr wrap="square" lIns="66675" tIns="0" rIns="0" bIns="0" rtlCol="0" anchor="t"/>
-          <a:lstStyle/>
-          <a:p>
-            <a:pPr algn="l" marL="66675" indent="-66675">
-              <a:lnSpc>
-                <a:spcPts val="2100"/>
-              </a:lnSpc>
-              <a:buSzPct val="100000"/>
-              <a:buChar char="•"/>
-            </a:pPr>
-            <a:r>
-              <a:rPr lang="en-US" sz="1350" dirty="0">
+              <a:t>Recall</a:t>
+            </a:r>
+            <a:endParaRPr lang="en-US" sz="1500" dirty="0"/>
+          </a:p>
+        </p:txBody>
+      </p:sp>
+      <p:sp>
+        <p:nvSpPr>
+          <p:cNvPr id="12" name="Text 10"/>
+          <p:cNvSpPr/>
+          <p:nvPr/>
+        </p:nvSpPr>
+        <p:spPr>
+          <a:xfrm>
+            <a:off x="457200" y="3162300"/>
+            <a:ext cx="3886200" cy="190500"/>
+          </a:xfrm>
+          <a:prstGeom prst="rect">
+            <a:avLst/>
+          </a:prstGeom>
+          <a:noFill/>
+          <a:ln/>
+        </p:spPr>
+        <p:txBody>
+          <a:bodyPr wrap="square" lIns="0" tIns="0" rIns="0" bIns="0" rtlCol="0" anchor="t"/>
+          <a:lstStyle/>
+          <a:p>
+            <a:pPr marL="0" indent="0" algn="l">
+              <a:lnSpc>
+                <a:spcPts val="1500"/>
+              </a:lnSpc>
+              <a:spcBef>
+                <a:spcPts val="300"/>
+              </a:spcBef>
+              <a:spcAft>
+                <a:spcPts val="300"/>
+              </a:spcAft>
+              <a:buNone/>
+            </a:pPr>
+            <a:r>
+              <a:rPr lang="en-US" sz="1050" dirty="0">
                 <a:solidFill>
                   <a:srgbClr val="1E293B"/>
                 </a:solidFill>
@@ -6978,68 +7483,26 @@
                 <a:ea typeface="Arial" pitchFamily="34" charset="-122"/>
                 <a:cs typeface="Arial" pitchFamily="34" charset="-120"/>
               </a:rPr>
-              <a:t>Probabilidad bayesiana</a:t>
-            </a:r>
-            <a:endParaRPr lang="en-US" sz="1350" dirty="0"/>
-          </a:p>
-          <a:p>
-            <a:pPr algn="l" marL="66675" indent="-66675">
-              <a:lnSpc>
-                <a:spcPts val="2100"/>
-              </a:lnSpc>
-              <a:buSzPct val="100000"/>
-              <a:buChar char="•"/>
-            </a:pPr>
-            <a:r>
-              <a:rPr lang="en-US" sz="1350" dirty="0">
-                <a:solidFill>
-                  <a:srgbClr val="1E293B"/>
-                </a:solidFill>
-                <a:latin typeface="Arial" pitchFamily="34" charset="0"/>
-                <a:ea typeface="Arial" pitchFamily="34" charset="-122"/>
-                <a:cs typeface="Arial" pitchFamily="34" charset="-120"/>
-              </a:rPr>
-              <a:t>Rápido y eficiente</a:t>
-            </a:r>
-            <a:endParaRPr lang="en-US" sz="1350" dirty="0"/>
-          </a:p>
-          <a:p>
-            <a:pPr algn="l" marL="66675" indent="-66675">
-              <a:lnSpc>
-                <a:spcPts val="2100"/>
-              </a:lnSpc>
-              <a:buSzPct val="100000"/>
-              <a:buChar char="•"/>
-            </a:pPr>
-            <a:r>
-              <a:rPr lang="en-US" sz="1350" dirty="0">
-                <a:solidFill>
-                  <a:srgbClr val="1E293B"/>
-                </a:solidFill>
-                <a:latin typeface="Arial" pitchFamily="34" charset="0"/>
-                <a:ea typeface="Arial" pitchFamily="34" charset="-122"/>
-                <a:cs typeface="Arial" pitchFamily="34" charset="-120"/>
-              </a:rPr>
-              <a:t>Ideal para datasets pequeños</a:t>
-            </a:r>
-            <a:endParaRPr lang="en-US" sz="1350" dirty="0"/>
-          </a:p>
-        </p:txBody>
-      </p:sp>
-      <p:sp>
-        <p:nvSpPr>
-          <p:cNvPr id="9" name="Text 7"/>
-          <p:cNvSpPr/>
-          <p:nvPr/>
-        </p:nvSpPr>
-        <p:spPr>
-          <a:xfrm>
-            <a:off x="3200400" y="2819400"/>
-            <a:ext cx="2743200" cy="1524000"/>
+              <a:t>VP / (VP + FN)</a:t>
+            </a:r>
+            <a:endParaRPr lang="en-US" sz="1050" dirty="0"/>
+          </a:p>
+        </p:txBody>
+      </p:sp>
+      <p:sp>
+        <p:nvSpPr>
+          <p:cNvPr id="13" name="Text 11"/>
+          <p:cNvSpPr/>
+          <p:nvPr/>
+        </p:nvSpPr>
+        <p:spPr>
+          <a:xfrm>
+            <a:off x="4724400" y="2667000"/>
+            <a:ext cx="4114800" cy="876300"/>
           </a:xfrm>
           <a:prstGeom prst="roundRect">
             <a:avLst>
-              <a:gd name="adj" fmla="val 4000"/>
+              <a:gd name="adj" fmla="val 6957"/>
             </a:avLst>
           </a:prstGeom>
           <a:solidFill>
@@ -7051,7 +7514,7 @@
           <a:bodyPr wrap="square" rtlCol="0" anchor="ctr"/>
           <a:lstStyle/>
           <a:p>
-            <a:pPr indent="0" marL="0">
+            <a:pPr marL="0" indent="0">
               <a:buNone/>
             </a:pPr>
             <a:endParaRPr lang="en-US" dirty="0"/>
@@ -7060,14 +7523,14 @@
       </p:sp>
       <p:sp>
         <p:nvSpPr>
-          <p:cNvPr id="10" name="Text 8"/>
-          <p:cNvSpPr/>
-          <p:nvPr/>
-        </p:nvSpPr>
-        <p:spPr>
-          <a:xfrm>
-            <a:off x="3352800" y="2971800"/>
-            <a:ext cx="2487168" cy="266700"/>
+          <p:cNvPr id="14" name="Text 12"/>
+          <p:cNvSpPr/>
+          <p:nvPr/>
+        </p:nvSpPr>
+        <p:spPr>
+          <a:xfrm>
+            <a:off x="4876800" y="2819400"/>
+            <a:ext cx="3886200" cy="266700"/>
           </a:xfrm>
           <a:prstGeom prst="rect">
             <a:avLst/>
@@ -7079,7 +7542,7 @@
           <a:bodyPr wrap="square" lIns="0" tIns="0" rIns="0" bIns="0" rtlCol="0" anchor="t"/>
           <a:lstStyle/>
           <a:p>
-            <a:pPr algn="l" indent="0" marL="0">
+            <a:pPr marL="0" indent="0" algn="l">
               <a:lnSpc>
                 <a:spcPts val="2100"/>
               </a:lnSpc>
@@ -7089,7 +7552,7 @@
               <a:buNone/>
             </a:pPr>
             <a:r>
-              <a:rPr lang="en-US" sz="1350" b="1" dirty="0">
+              <a:rPr lang="en-US" sz="1500" b="1" dirty="0">
                 <a:solidFill>
                   <a:srgbClr val="2563EB"/>
                 </a:solidFill>
@@ -7097,42 +7560,47 @@
                 <a:ea typeface="Arial" pitchFamily="34" charset="-122"/>
                 <a:cs typeface="Arial" pitchFamily="34" charset="-120"/>
               </a:rPr>
-              <a:t>SVM</a:t>
-            </a:r>
-            <a:endParaRPr lang="en-US" sz="1350" dirty="0"/>
-          </a:p>
-        </p:txBody>
-      </p:sp>
-      <p:sp>
-        <p:nvSpPr>
-          <p:cNvPr id="11" name="Text 9"/>
-          <p:cNvSpPr/>
-          <p:nvPr/>
-        </p:nvSpPr>
-        <p:spPr>
-          <a:xfrm>
-            <a:off x="3352800" y="3314700"/>
-            <a:ext cx="2438400" cy="876300"/>
-          </a:xfrm>
-          <a:prstGeom prst="rect">
-            <a:avLst/>
-          </a:prstGeom>
-          <a:noFill/>
-          <a:ln/>
-        </p:spPr>
-        <p:txBody>
-          <a:bodyPr wrap="square" lIns="66675" tIns="0" rIns="0" bIns="0" rtlCol="0" anchor="t"/>
-          <a:lstStyle/>
-          <a:p>
-            <a:pPr algn="l" marL="66675" indent="-66675">
-              <a:lnSpc>
-                <a:spcPts val="2100"/>
-              </a:lnSpc>
-              <a:buSzPct val="100000"/>
-              <a:buChar char="•"/>
-            </a:pPr>
-            <a:r>
-              <a:rPr lang="en-US" sz="1350" dirty="0">
+              <a:t>F1-Score</a:t>
+            </a:r>
+            <a:endParaRPr lang="en-US" sz="1500" dirty="0"/>
+          </a:p>
+        </p:txBody>
+      </p:sp>
+      <p:sp>
+        <p:nvSpPr>
+          <p:cNvPr id="15" name="Text 13"/>
+          <p:cNvSpPr/>
+          <p:nvPr/>
+        </p:nvSpPr>
+        <p:spPr>
+          <a:xfrm>
+            <a:off x="4876800" y="3162300"/>
+            <a:ext cx="3886200" cy="190500"/>
+          </a:xfrm>
+          <a:prstGeom prst="rect">
+            <a:avLst/>
+          </a:prstGeom>
+          <a:noFill/>
+          <a:ln/>
+        </p:spPr>
+        <p:txBody>
+          <a:bodyPr wrap="square" lIns="0" tIns="0" rIns="0" bIns="0" rtlCol="0" anchor="t"/>
+          <a:lstStyle/>
+          <a:p>
+            <a:pPr marL="0" indent="0" algn="l">
+              <a:lnSpc>
+                <a:spcPts val="1500"/>
+              </a:lnSpc>
+              <a:spcBef>
+                <a:spcPts val="300"/>
+              </a:spcBef>
+              <a:spcAft>
+                <a:spcPts val="300"/>
+              </a:spcAft>
+              <a:buNone/>
+            </a:pPr>
+            <a:r>
+              <a:rPr lang="en-US" sz="1050" dirty="0">
                 <a:solidFill>
                   <a:srgbClr val="1E293B"/>
                 </a:solidFill>
@@ -7140,72 +7608,30 @@
                 <a:ea typeface="Arial" pitchFamily="34" charset="-122"/>
                 <a:cs typeface="Arial" pitchFamily="34" charset="-120"/>
               </a:rPr>
-              <a:t>Hiperplanos de separación</a:t>
-            </a:r>
-            <a:endParaRPr lang="en-US" sz="1350" dirty="0"/>
-          </a:p>
-          <a:p>
-            <a:pPr algn="l" marL="66675" indent="-66675">
-              <a:lnSpc>
-                <a:spcPts val="2100"/>
-              </a:lnSpc>
-              <a:buSzPct val="100000"/>
-              <a:buChar char="•"/>
-            </a:pPr>
-            <a:r>
-              <a:rPr lang="en-US" sz="1350" dirty="0">
-                <a:solidFill>
-                  <a:srgbClr val="1E293B"/>
-                </a:solidFill>
-                <a:latin typeface="Arial" pitchFamily="34" charset="0"/>
-                <a:ea typeface="Arial" pitchFamily="34" charset="-122"/>
-                <a:cs typeface="Arial" pitchFamily="34" charset="-120"/>
-              </a:rPr>
-              <a:t>Alta dimensión</a:t>
-            </a:r>
-            <a:endParaRPr lang="en-US" sz="1350" dirty="0"/>
-          </a:p>
-          <a:p>
-            <a:pPr algn="l" marL="66675" indent="-66675">
-              <a:lnSpc>
-                <a:spcPts val="2100"/>
-              </a:lnSpc>
-              <a:buSzPct val="100000"/>
-              <a:buChar char="•"/>
-            </a:pPr>
-            <a:r>
-              <a:rPr lang="en-US" sz="1350" dirty="0">
-                <a:solidFill>
-                  <a:srgbClr val="1E293B"/>
-                </a:solidFill>
-                <a:latin typeface="Arial" pitchFamily="34" charset="0"/>
-                <a:ea typeface="Arial" pitchFamily="34" charset="-122"/>
-                <a:cs typeface="Arial" pitchFamily="34" charset="-120"/>
-              </a:rPr>
-              <a:t>Robusto vs overfitting</a:t>
-            </a:r>
-            <a:endParaRPr lang="en-US" sz="1350" dirty="0"/>
-          </a:p>
-        </p:txBody>
-      </p:sp>
-      <p:sp>
-        <p:nvSpPr>
-          <p:cNvPr id="12" name="Text 10"/>
-          <p:cNvSpPr/>
-          <p:nvPr/>
-        </p:nvSpPr>
-        <p:spPr>
-          <a:xfrm>
-            <a:off x="6096000" y="2819400"/>
-            <a:ext cx="2743200" cy="1524000"/>
+              <a:t>2 × (Precision × Recall) / (Precision + Recall)</a:t>
+            </a:r>
+            <a:endParaRPr lang="en-US" sz="1050" dirty="0"/>
+          </a:p>
+        </p:txBody>
+      </p:sp>
+      <p:sp>
+        <p:nvSpPr>
+          <p:cNvPr id="16" name="Text 14"/>
+          <p:cNvSpPr/>
+          <p:nvPr/>
+        </p:nvSpPr>
+        <p:spPr>
+          <a:xfrm>
+            <a:off x="304800" y="3848100"/>
+            <a:ext cx="8534400" cy="647700"/>
           </a:xfrm>
           <a:prstGeom prst="roundRect">
             <a:avLst>
-              <a:gd name="adj" fmla="val 4000"/>
+              <a:gd name="adj" fmla="val 9412"/>
             </a:avLst>
           </a:prstGeom>
           <a:solidFill>
-            <a:srgbClr val="F1F5F9"/>
+            <a:srgbClr val="0EA5E9"/>
           </a:solidFill>
           <a:ln/>
         </p:spPr>
@@ -7213,7 +7639,7 @@
           <a:bodyPr wrap="square" rtlCol="0" anchor="ctr"/>
           <a:lstStyle/>
           <a:p>
-            <a:pPr indent="0" marL="0">
+            <a:pPr marL="0" indent="0">
               <a:buNone/>
             </a:pPr>
             <a:endParaRPr lang="en-US" dirty="0"/>
@@ -7222,14 +7648,14 @@
       </p:sp>
       <p:sp>
         <p:nvSpPr>
-          <p:cNvPr id="13" name="Text 11"/>
-          <p:cNvSpPr/>
-          <p:nvPr/>
-        </p:nvSpPr>
-        <p:spPr>
-          <a:xfrm>
-            <a:off x="6248400" y="2971800"/>
-            <a:ext cx="2487168" cy="266700"/>
+          <p:cNvPr id="17" name="Text 15"/>
+          <p:cNvSpPr/>
+          <p:nvPr/>
+        </p:nvSpPr>
+        <p:spPr>
+          <a:xfrm>
+            <a:off x="374904" y="4038600"/>
+            <a:ext cx="8394192" cy="266700"/>
           </a:xfrm>
           <a:prstGeom prst="rect">
             <a:avLst/>
@@ -7241,112 +7667,85 @@
           <a:bodyPr wrap="square" lIns="0" tIns="0" rIns="0" bIns="0" rtlCol="0" anchor="t"/>
           <a:lstStyle/>
           <a:p>
-            <a:pPr algn="l" indent="0" marL="0">
+            <a:pPr marL="0" indent="0" algn="ctr">
               <a:lnSpc>
                 <a:spcPts val="2100"/>
               </a:lnSpc>
+              <a:spcBef>
+                <a:spcPts val="300"/>
+              </a:spcBef>
               <a:spcAft>
-                <a:spcPts val="600"/>
+                <a:spcPts val="300"/>
               </a:spcAft>
               <a:buNone/>
             </a:pPr>
             <a:r>
-              <a:rPr lang="en-US" sz="1350" b="1" dirty="0">
-                <a:solidFill>
-                  <a:srgbClr val="2563EB"/>
-                </a:solidFill>
-                <a:latin typeface="Arial" pitchFamily="34" charset="0"/>
-                <a:ea typeface="Arial" pitchFamily="34" charset="-122"/>
-                <a:cs typeface="Arial" pitchFamily="34" charset="-120"/>
-              </a:rPr>
-              <a:t>Random Forest</a:t>
-            </a:r>
-            <a:endParaRPr lang="en-US" sz="1350" dirty="0"/>
-          </a:p>
-        </p:txBody>
-      </p:sp>
-      <p:sp>
-        <p:nvSpPr>
-          <p:cNvPr id="14" name="Text 12"/>
-          <p:cNvSpPr/>
-          <p:nvPr/>
-        </p:nvSpPr>
-        <p:spPr>
-          <a:xfrm>
-            <a:off x="6248400" y="3314700"/>
-            <a:ext cx="2438400" cy="876300"/>
-          </a:xfrm>
-          <a:prstGeom prst="rect">
-            <a:avLst/>
-          </a:prstGeom>
-          <a:noFill/>
-          <a:ln/>
-        </p:spPr>
-        <p:txBody>
-          <a:bodyPr wrap="square" lIns="66675" tIns="0" rIns="0" bIns="0" rtlCol="0" anchor="t"/>
-          <a:lstStyle/>
-          <a:p>
-            <a:pPr algn="l" marL="66675" indent="-66675">
-              <a:lnSpc>
-                <a:spcPts val="2100"/>
-              </a:lnSpc>
-              <a:buSzPct val="100000"/>
-              <a:buChar char="•"/>
-            </a:pPr>
-            <a:r>
-              <a:rPr lang="en-US" sz="1350" dirty="0">
-                <a:solidFill>
-                  <a:srgbClr val="1E293B"/>
-                </a:solidFill>
-                <a:latin typeface="Arial" pitchFamily="34" charset="0"/>
-                <a:ea typeface="Arial" pitchFamily="34" charset="-122"/>
-                <a:cs typeface="Arial" pitchFamily="34" charset="-120"/>
-              </a:rPr>
-              <a:t>Conjunto de árboles</a:t>
-            </a:r>
-            <a:endParaRPr lang="en-US" sz="1350" dirty="0"/>
-          </a:p>
-          <a:p>
-            <a:pPr algn="l" marL="66675" indent="-66675">
-              <a:lnSpc>
-                <a:spcPts val="2100"/>
-              </a:lnSpc>
-              <a:buSzPct val="100000"/>
-              <a:buChar char="•"/>
-            </a:pPr>
-            <a:r>
-              <a:rPr lang="en-US" sz="1350" dirty="0">
-                <a:solidFill>
-                  <a:srgbClr val="1E293B"/>
-                </a:solidFill>
-                <a:latin typeface="Arial" pitchFamily="34" charset="0"/>
-                <a:ea typeface="Arial" pitchFamily="34" charset="-122"/>
-                <a:cs typeface="Arial" pitchFamily="34" charset="-120"/>
-              </a:rPr>
-              <a:t>Reduce overfitting</a:t>
-            </a:r>
-            <a:endParaRPr lang="en-US" sz="1350" dirty="0"/>
-          </a:p>
-          <a:p>
-            <a:pPr algn="l" marL="66675" indent="-66675">
-              <a:lnSpc>
-                <a:spcPts val="2100"/>
-              </a:lnSpc>
-              <a:buSzPct val="100000"/>
-              <a:buChar char="•"/>
-            </a:pPr>
-            <a:r>
-              <a:rPr lang="en-US" sz="1350" dirty="0">
-                <a:solidFill>
-                  <a:srgbClr val="1E293B"/>
-                </a:solidFill>
-                <a:latin typeface="Arial" pitchFamily="34" charset="0"/>
-                <a:ea typeface="Arial" pitchFamily="34" charset="-122"/>
-                <a:cs typeface="Arial" pitchFamily="34" charset="-120"/>
-              </a:rPr>
-              <a:t>Características no lineales</a:t>
-            </a:r>
-            <a:endParaRPr lang="en-US" sz="1350" dirty="0"/>
+              <a:rPr lang="en-US" sz="1500" b="1" dirty="0">
+                <a:solidFill>
+                  <a:srgbClr val="FFFFFF"/>
+                </a:solidFill>
+                <a:latin typeface="Arial" pitchFamily="34" charset="0"/>
+                <a:ea typeface="Arial" pitchFamily="34" charset="-122"/>
+                <a:cs typeface="Arial" pitchFamily="34" charset="-120"/>
+              </a:rPr>
+              <a:t>VP:</a:t>
+            </a:r>
+            <a:r>
+              <a:rPr lang="en-US" sz="1500" dirty="0">
+                <a:solidFill>
+                  <a:srgbClr val="FFFFFF"/>
+                </a:solidFill>
+                <a:latin typeface="Arial" pitchFamily="34" charset="0"/>
+                <a:ea typeface="Arial" pitchFamily="34" charset="-122"/>
+                <a:cs typeface="Arial" pitchFamily="34" charset="-120"/>
+              </a:rPr>
+              <a:t> Verdaderos Positivos | </a:t>
+            </a:r>
+            <a:r>
+              <a:rPr lang="en-US" sz="1500" b="1" dirty="0">
+                <a:solidFill>
+                  <a:srgbClr val="FFFFFF"/>
+                </a:solidFill>
+                <a:latin typeface="Arial" pitchFamily="34" charset="0"/>
+                <a:ea typeface="Arial" pitchFamily="34" charset="-122"/>
+                <a:cs typeface="Arial" pitchFamily="34" charset="-120"/>
+              </a:rPr>
+              <a:t>FP:</a:t>
+            </a:r>
+            <a:r>
+              <a:rPr lang="en-US" sz="1500" dirty="0">
+                <a:solidFill>
+                  <a:srgbClr val="FFFFFF"/>
+                </a:solidFill>
+                <a:latin typeface="Arial" pitchFamily="34" charset="0"/>
+                <a:ea typeface="Arial" pitchFamily="34" charset="-122"/>
+                <a:cs typeface="Arial" pitchFamily="34" charset="-120"/>
+              </a:rPr>
+              <a:t> Falsos Positivos | </a:t>
+            </a:r>
+            <a:r>
+              <a:rPr lang="en-US" sz="1500" b="1" dirty="0">
+                <a:solidFill>
+                  <a:srgbClr val="FFFFFF"/>
+                </a:solidFill>
+                <a:latin typeface="Arial" pitchFamily="34" charset="0"/>
+                <a:ea typeface="Arial" pitchFamily="34" charset="-122"/>
+                <a:cs typeface="Arial" pitchFamily="34" charset="-120"/>
+              </a:rPr>
+              <a:t>FN:</a:t>
+            </a:r>
+            <a:r>
+              <a:rPr lang="en-US" sz="1500" dirty="0">
+                <a:solidFill>
+                  <a:srgbClr val="FFFFFF"/>
+                </a:solidFill>
+                <a:latin typeface="Arial" pitchFamily="34" charset="0"/>
+                <a:ea typeface="Arial" pitchFamily="34" charset="-122"/>
+                <a:cs typeface="Arial" pitchFamily="34" charset="-120"/>
+              </a:rPr>
+              <a:t> Falsos Negativos</a:t>
+            </a:r>
+            <a:endParaRPr lang="en-US" sz="1500" dirty="0"/>
           </a:p>
         </p:txBody>
       </p:sp>
@@ -7358,14 +7757,15 @@
 </p:sld>
 </file>
 
-<file path=ppt/slides/slide7.xml><?xml version="1.0" encoding="utf-8"?>
+<file path=ppt/slides/slide8.xml><?xml version="1.0" encoding="utf-8"?>
 <p:sld xmlns:a="http://schemas.openxmlformats.org/drawingml/2006/main" xmlns:r="http://schemas.openxmlformats.org/officeDocument/2006/relationships" xmlns:p="http://schemas.openxmlformats.org/presentationml/2006/main">
-  <p:cSld name="Slide 7">
+  <p:cSld name="Slide 8">
     <p:bg>
       <p:bgPr>
         <a:solidFill>
           <a:srgbClr val="FFFFFF"/>
         </a:solidFill>
+        <a:effectLst/>
       </p:bgPr>
     </p:bg>
     <p:spTree>
@@ -7405,7 +7805,7 @@
           <a:bodyPr wrap="square" rtlCol="0" anchor="ctr"/>
           <a:lstStyle/>
           <a:p>
-            <a:pPr indent="0" marL="0">
+            <a:pPr marL="0" indent="0">
               <a:buNone/>
             </a:pPr>
             <a:endParaRPr lang="en-US" dirty="0"/>
@@ -7433,7 +7833,7 @@
           <a:bodyPr wrap="square" lIns="0" tIns="0" rIns="0" bIns="0" rtlCol="0" anchor="t"/>
           <a:lstStyle/>
           <a:p>
-            <a:pPr algn="l" indent="0" marL="0">
+            <a:pPr marL="0" indent="0" algn="l">
               <a:lnSpc>
                 <a:spcPts val="3000"/>
               </a:lnSpc>
@@ -7448,7 +7848,7 @@
                 <a:ea typeface="Arial" pitchFamily="34" charset="-122"/>
                 <a:cs typeface="Arial" pitchFamily="34" charset="-120"/>
               </a:rPr>
-              <a:t>Métricas de Evaluación</a:t>
+              <a:t>Arquitectura del Sistema</a:t>
             </a:r>
             <a:endParaRPr lang="en-US" sz="2700" dirty="0"/>
           </a:p>
@@ -7462,12 +7862,12 @@
         </p:nvSpPr>
         <p:spPr>
           <a:xfrm>
-            <a:off x="304800" y="1638300"/>
-            <a:ext cx="4114800" cy="876300"/>
+            <a:off x="228600" y="2076450"/>
+            <a:ext cx="1333500" cy="266700"/>
           </a:xfrm>
           <a:prstGeom prst="roundRect">
             <a:avLst>
-              <a:gd name="adj" fmla="val 6957"/>
+              <a:gd name="adj" fmla="val 22857"/>
             </a:avLst>
           </a:prstGeom>
           <a:solidFill>
@@ -7479,7 +7879,7 @@
           <a:bodyPr wrap="square" rtlCol="0" anchor="ctr"/>
           <a:lstStyle/>
           <a:p>
-            <a:pPr indent="0" marL="0">
+            <a:pPr marL="0" indent="0">
               <a:buNone/>
             </a:pPr>
             <a:endParaRPr lang="en-US" dirty="0"/>
@@ -7494,8 +7894,8 @@
         </p:nvSpPr>
         <p:spPr>
           <a:xfrm>
-            <a:off x="457200" y="1790700"/>
-            <a:ext cx="3886200" cy="266700"/>
+            <a:off x="215265" y="2114550"/>
+            <a:ext cx="1360170" cy="190500"/>
           </a:xfrm>
           <a:prstGeom prst="rect">
             <a:avLst/>
@@ -7507,52 +7907,7 @@
           <a:bodyPr wrap="square" lIns="0" tIns="0" rIns="0" bIns="0" rtlCol="0" anchor="t"/>
           <a:lstStyle/>
           <a:p>
-            <a:pPr algn="l" indent="0" marL="0">
-              <a:lnSpc>
-                <a:spcPts val="2100"/>
-              </a:lnSpc>
-              <a:spcAft>
-                <a:spcPts val="600"/>
-              </a:spcAft>
-              <a:buNone/>
-            </a:pPr>
-            <a:r>
-              <a:rPr lang="en-US" sz="1500" b="1" dirty="0">
-                <a:solidFill>
-                  <a:srgbClr val="2563EB"/>
-                </a:solidFill>
-                <a:latin typeface="Arial" pitchFamily="34" charset="0"/>
-                <a:ea typeface="Arial" pitchFamily="34" charset="-122"/>
-                <a:cs typeface="Arial" pitchFamily="34" charset="-120"/>
-              </a:rPr>
-              <a:t>Accuracy</a:t>
-            </a:r>
-            <a:endParaRPr lang="en-US" sz="1500" dirty="0"/>
-          </a:p>
-        </p:txBody>
-      </p:sp>
-      <p:sp>
-        <p:nvSpPr>
-          <p:cNvPr id="6" name="Text 4"/>
-          <p:cNvSpPr/>
-          <p:nvPr/>
-        </p:nvSpPr>
-        <p:spPr>
-          <a:xfrm>
-            <a:off x="457200" y="2133600"/>
-            <a:ext cx="3886200" cy="190500"/>
-          </a:xfrm>
-          <a:prstGeom prst="rect">
-            <a:avLst/>
-          </a:prstGeom>
-          <a:noFill/>
-          <a:ln/>
-        </p:spPr>
-        <p:txBody>
-          <a:bodyPr wrap="square" lIns="0" tIns="0" rIns="0" bIns="0" rtlCol="0" anchor="t"/>
-          <a:lstStyle/>
-          <a:p>
-            <a:pPr algn="l" indent="0" marL="0">
+            <a:pPr marL="0" indent="0" algn="ctr">
               <a:lnSpc>
                 <a:spcPts val="1500"/>
               </a:lnSpc>
@@ -7565,7 +7920,7 @@
               <a:buNone/>
             </a:pPr>
             <a:r>
-              <a:rPr lang="en-US" sz="1050" dirty="0">
+              <a:rPr lang="en-US" sz="1050" b="1" dirty="0">
                 <a:solidFill>
                   <a:srgbClr val="1E293B"/>
                 </a:solidFill>
@@ -7573,7 +7928,7 @@
                 <a:ea typeface="Arial" pitchFamily="34" charset="-122"/>
                 <a:cs typeface="Arial" pitchFamily="34" charset="-120"/>
               </a:rPr>
-              <a:t>Predicciones correctas / Total predicciones</a:t>
+              <a:t>1. Web Scraping</a:t>
             </a:r>
             <a:endParaRPr lang="en-US" sz="1050" dirty="0"/>
           </a:p>
@@ -7581,46 +7936,14 @@
       </p:sp>
       <p:sp>
         <p:nvSpPr>
-          <p:cNvPr id="7" name="Text 5"/>
-          <p:cNvSpPr/>
-          <p:nvPr/>
-        </p:nvSpPr>
-        <p:spPr>
-          <a:xfrm>
-            <a:off x="4724400" y="1638300"/>
-            <a:ext cx="4114800" cy="876300"/>
-          </a:xfrm>
-          <a:prstGeom prst="roundRect">
-            <a:avLst>
-              <a:gd name="adj" fmla="val 6957"/>
-            </a:avLst>
-          </a:prstGeom>
-          <a:solidFill>
-            <a:srgbClr val="F1F5F9"/>
-          </a:solidFill>
-          <a:ln/>
-        </p:spPr>
-        <p:txBody>
-          <a:bodyPr wrap="square" rtlCol="0" anchor="ctr"/>
-          <a:lstStyle/>
-          <a:p>
-            <a:pPr indent="0" marL="0">
-              <a:buNone/>
-            </a:pPr>
-            <a:endParaRPr lang="en-US" dirty="0"/>
-          </a:p>
-        </p:txBody>
-      </p:sp>
-      <p:sp>
-        <p:nvSpPr>
-          <p:cNvPr id="8" name="Text 6"/>
-          <p:cNvSpPr/>
-          <p:nvPr/>
-        </p:nvSpPr>
-        <p:spPr>
-          <a:xfrm>
-            <a:off x="4876800" y="1790700"/>
-            <a:ext cx="3886200" cy="266700"/>
+          <p:cNvPr id="6" name="Text 4"/>
+          <p:cNvSpPr/>
+          <p:nvPr/>
+        </p:nvSpPr>
+        <p:spPr>
+          <a:xfrm>
+            <a:off x="1714500" y="2057400"/>
+            <a:ext cx="233172" cy="304800"/>
           </a:xfrm>
           <a:prstGeom prst="rect">
             <a:avLst/>
@@ -7632,54 +7955,9 @@
           <a:bodyPr wrap="square" lIns="0" tIns="0" rIns="0" bIns="0" rtlCol="0" anchor="t"/>
           <a:lstStyle/>
           <a:p>
-            <a:pPr algn="l" indent="0" marL="0">
-              <a:lnSpc>
-                <a:spcPts val="2100"/>
-              </a:lnSpc>
-              <a:spcAft>
-                <a:spcPts val="600"/>
-              </a:spcAft>
-              <a:buNone/>
-            </a:pPr>
-            <a:r>
-              <a:rPr lang="en-US" sz="1500" b="1" dirty="0">
-                <a:solidFill>
-                  <a:srgbClr val="2563EB"/>
-                </a:solidFill>
-                <a:latin typeface="Arial" pitchFamily="34" charset="0"/>
-                <a:ea typeface="Arial" pitchFamily="34" charset="-122"/>
-                <a:cs typeface="Arial" pitchFamily="34" charset="-120"/>
-              </a:rPr>
-              <a:t>Precision</a:t>
-            </a:r>
-            <a:endParaRPr lang="en-US" sz="1500" dirty="0"/>
-          </a:p>
-        </p:txBody>
-      </p:sp>
-      <p:sp>
-        <p:nvSpPr>
-          <p:cNvPr id="9" name="Text 7"/>
-          <p:cNvSpPr/>
-          <p:nvPr/>
-        </p:nvSpPr>
-        <p:spPr>
-          <a:xfrm>
-            <a:off x="4876800" y="2133600"/>
-            <a:ext cx="3886200" cy="190500"/>
-          </a:xfrm>
-          <a:prstGeom prst="rect">
-            <a:avLst/>
-          </a:prstGeom>
-          <a:noFill/>
-          <a:ln/>
-        </p:spPr>
-        <p:txBody>
-          <a:bodyPr wrap="square" lIns="0" tIns="0" rIns="0" bIns="0" rtlCol="0" anchor="t"/>
-          <a:lstStyle/>
-          <a:p>
-            <a:pPr algn="l" indent="0" marL="0">
-              <a:lnSpc>
-                <a:spcPts val="1500"/>
+            <a:pPr marL="0" indent="0" algn="l">
+              <a:lnSpc>
+                <a:spcPts val="2400"/>
               </a:lnSpc>
               <a:spcBef>
                 <a:spcPts val="300"/>
@@ -7690,7 +7968,7 @@
               <a:buNone/>
             </a:pPr>
             <a:r>
-              <a:rPr lang="en-US" sz="1050" dirty="0">
+              <a:rPr lang="en-US" sz="1800" dirty="0">
                 <a:solidFill>
                   <a:srgbClr val="1E293B"/>
                 </a:solidFill>
@@ -7698,26 +7976,26 @@
                 <a:ea typeface="Arial" pitchFamily="34" charset="-122"/>
                 <a:cs typeface="Arial" pitchFamily="34" charset="-120"/>
               </a:rPr>
-              <a:t>VP / (VP + FP)</a:t>
-            </a:r>
-            <a:endParaRPr lang="en-US" sz="1050" dirty="0"/>
-          </a:p>
-        </p:txBody>
-      </p:sp>
-      <p:sp>
-        <p:nvSpPr>
-          <p:cNvPr id="10" name="Text 8"/>
-          <p:cNvSpPr/>
-          <p:nvPr/>
-        </p:nvSpPr>
-        <p:spPr>
-          <a:xfrm>
-            <a:off x="304800" y="2667000"/>
-            <a:ext cx="4114800" cy="876300"/>
+              <a:t>→</a:t>
+            </a:r>
+            <a:endParaRPr lang="en-US" sz="1800" dirty="0"/>
+          </a:p>
+        </p:txBody>
+      </p:sp>
+      <p:sp>
+        <p:nvSpPr>
+          <p:cNvPr id="7" name="Text 5"/>
+          <p:cNvSpPr/>
+          <p:nvPr/>
+        </p:nvSpPr>
+        <p:spPr>
+          <a:xfrm>
+            <a:off x="2095500" y="2076450"/>
+            <a:ext cx="1333500" cy="266700"/>
           </a:xfrm>
           <a:prstGeom prst="roundRect">
             <a:avLst>
-              <a:gd name="adj" fmla="val 6957"/>
+              <a:gd name="adj" fmla="val 22857"/>
             </a:avLst>
           </a:prstGeom>
           <a:solidFill>
@@ -7729,7 +8007,7 @@
           <a:bodyPr wrap="square" rtlCol="0" anchor="ctr"/>
           <a:lstStyle/>
           <a:p>
-            <a:pPr indent="0" marL="0">
+            <a:pPr marL="0" indent="0">
               <a:buNone/>
             </a:pPr>
             <a:endParaRPr lang="en-US" dirty="0"/>
@@ -7738,14 +8016,14 @@
       </p:sp>
       <p:sp>
         <p:nvSpPr>
-          <p:cNvPr id="11" name="Text 9"/>
-          <p:cNvSpPr/>
-          <p:nvPr/>
-        </p:nvSpPr>
-        <p:spPr>
-          <a:xfrm>
-            <a:off x="457200" y="2819400"/>
-            <a:ext cx="3886200" cy="266700"/>
+          <p:cNvPr id="8" name="Text 6"/>
+          <p:cNvSpPr/>
+          <p:nvPr/>
+        </p:nvSpPr>
+        <p:spPr>
+          <a:xfrm>
+            <a:off x="2082165" y="2114550"/>
+            <a:ext cx="1360170" cy="190500"/>
           </a:xfrm>
           <a:prstGeom prst="rect">
             <a:avLst/>
@@ -7757,52 +8035,7 @@
           <a:bodyPr wrap="square" lIns="0" tIns="0" rIns="0" bIns="0" rtlCol="0" anchor="t"/>
           <a:lstStyle/>
           <a:p>
-            <a:pPr algn="l" indent="0" marL="0">
-              <a:lnSpc>
-                <a:spcPts val="2100"/>
-              </a:lnSpc>
-              <a:spcAft>
-                <a:spcPts val="600"/>
-              </a:spcAft>
-              <a:buNone/>
-            </a:pPr>
-            <a:r>
-              <a:rPr lang="en-US" sz="1500" b="1" dirty="0">
-                <a:solidFill>
-                  <a:srgbClr val="2563EB"/>
-                </a:solidFill>
-                <a:latin typeface="Arial" pitchFamily="34" charset="0"/>
-                <a:ea typeface="Arial" pitchFamily="34" charset="-122"/>
-                <a:cs typeface="Arial" pitchFamily="34" charset="-120"/>
-              </a:rPr>
-              <a:t>Recall</a:t>
-            </a:r>
-            <a:endParaRPr lang="en-US" sz="1500" dirty="0"/>
-          </a:p>
-        </p:txBody>
-      </p:sp>
-      <p:sp>
-        <p:nvSpPr>
-          <p:cNvPr id="12" name="Text 10"/>
-          <p:cNvSpPr/>
-          <p:nvPr/>
-        </p:nvSpPr>
-        <p:spPr>
-          <a:xfrm>
-            <a:off x="457200" y="3162300"/>
-            <a:ext cx="3886200" cy="190500"/>
-          </a:xfrm>
-          <a:prstGeom prst="rect">
-            <a:avLst/>
-          </a:prstGeom>
-          <a:noFill/>
-          <a:ln/>
-        </p:spPr>
-        <p:txBody>
-          <a:bodyPr wrap="square" lIns="0" tIns="0" rIns="0" bIns="0" rtlCol="0" anchor="t"/>
-          <a:lstStyle/>
-          <a:p>
-            <a:pPr algn="l" indent="0" marL="0">
+            <a:pPr marL="0" indent="0" algn="ctr">
               <a:lnSpc>
                 <a:spcPts val="1500"/>
               </a:lnSpc>
@@ -7815,7 +8048,7 @@
               <a:buNone/>
             </a:pPr>
             <a:r>
-              <a:rPr lang="en-US" sz="1050" dirty="0">
+              <a:rPr lang="en-US" sz="1050" b="1" dirty="0">
                 <a:solidFill>
                   <a:srgbClr val="1E293B"/>
                 </a:solidFill>
@@ -7823,7 +8056,7 @@
                 <a:ea typeface="Arial" pitchFamily="34" charset="-122"/>
                 <a:cs typeface="Arial" pitchFamily="34" charset="-120"/>
               </a:rPr>
-              <a:t>VP / (VP + FN)</a:t>
+              <a:t>2. Preprocesamiento</a:t>
             </a:r>
             <a:endParaRPr lang="en-US" sz="1050" dirty="0"/>
           </a:p>
@@ -7831,46 +8064,14 @@
       </p:sp>
       <p:sp>
         <p:nvSpPr>
-          <p:cNvPr id="13" name="Text 11"/>
-          <p:cNvSpPr/>
-          <p:nvPr/>
-        </p:nvSpPr>
-        <p:spPr>
-          <a:xfrm>
-            <a:off x="4724400" y="2667000"/>
-            <a:ext cx="4114800" cy="876300"/>
-          </a:xfrm>
-          <a:prstGeom prst="roundRect">
-            <a:avLst>
-              <a:gd name="adj" fmla="val 6957"/>
-            </a:avLst>
-          </a:prstGeom>
-          <a:solidFill>
-            <a:srgbClr val="F1F5F9"/>
-          </a:solidFill>
-          <a:ln/>
-        </p:spPr>
-        <p:txBody>
-          <a:bodyPr wrap="square" rtlCol="0" anchor="ctr"/>
-          <a:lstStyle/>
-          <a:p>
-            <a:pPr indent="0" marL="0">
-              <a:buNone/>
-            </a:pPr>
-            <a:endParaRPr lang="en-US" dirty="0"/>
-          </a:p>
-        </p:txBody>
-      </p:sp>
-      <p:sp>
-        <p:nvSpPr>
-          <p:cNvPr id="14" name="Text 12"/>
-          <p:cNvSpPr/>
-          <p:nvPr/>
-        </p:nvSpPr>
-        <p:spPr>
-          <a:xfrm>
-            <a:off x="4876800" y="2819400"/>
-            <a:ext cx="3886200" cy="266700"/>
+          <p:cNvPr id="9" name="Text 7"/>
+          <p:cNvSpPr/>
+          <p:nvPr/>
+        </p:nvSpPr>
+        <p:spPr>
+          <a:xfrm>
+            <a:off x="3581400" y="2057400"/>
+            <a:ext cx="233172" cy="304800"/>
           </a:xfrm>
           <a:prstGeom prst="rect">
             <a:avLst/>
@@ -7882,54 +8083,9 @@
           <a:bodyPr wrap="square" lIns="0" tIns="0" rIns="0" bIns="0" rtlCol="0" anchor="t"/>
           <a:lstStyle/>
           <a:p>
-            <a:pPr algn="l" indent="0" marL="0">
-              <a:lnSpc>
-                <a:spcPts val="2100"/>
-              </a:lnSpc>
-              <a:spcAft>
-                <a:spcPts val="600"/>
-              </a:spcAft>
-              <a:buNone/>
-            </a:pPr>
-            <a:r>
-              <a:rPr lang="en-US" sz="1500" b="1" dirty="0">
-                <a:solidFill>
-                  <a:srgbClr val="2563EB"/>
-                </a:solidFill>
-                <a:latin typeface="Arial" pitchFamily="34" charset="0"/>
-                <a:ea typeface="Arial" pitchFamily="34" charset="-122"/>
-                <a:cs typeface="Arial" pitchFamily="34" charset="-120"/>
-              </a:rPr>
-              <a:t>F1-Score</a:t>
-            </a:r>
-            <a:endParaRPr lang="en-US" sz="1500" dirty="0"/>
-          </a:p>
-        </p:txBody>
-      </p:sp>
-      <p:sp>
-        <p:nvSpPr>
-          <p:cNvPr id="15" name="Text 13"/>
-          <p:cNvSpPr/>
-          <p:nvPr/>
-        </p:nvSpPr>
-        <p:spPr>
-          <a:xfrm>
-            <a:off x="4876800" y="3162300"/>
-            <a:ext cx="3886200" cy="190500"/>
-          </a:xfrm>
-          <a:prstGeom prst="rect">
-            <a:avLst/>
-          </a:prstGeom>
-          <a:noFill/>
-          <a:ln/>
-        </p:spPr>
-        <p:txBody>
-          <a:bodyPr wrap="square" lIns="0" tIns="0" rIns="0" bIns="0" rtlCol="0" anchor="t"/>
-          <a:lstStyle/>
-          <a:p>
-            <a:pPr algn="l" indent="0" marL="0">
-              <a:lnSpc>
-                <a:spcPts val="1500"/>
+            <a:pPr marL="0" indent="0" algn="l">
+              <a:lnSpc>
+                <a:spcPts val="2400"/>
               </a:lnSpc>
               <a:spcBef>
                 <a:spcPts val="300"/>
@@ -7940,7 +8096,7 @@
               <a:buNone/>
             </a:pPr>
             <a:r>
-              <a:rPr lang="en-US" sz="1050" dirty="0">
+              <a:rPr lang="en-US" sz="1800" dirty="0">
                 <a:solidFill>
                   <a:srgbClr val="1E293B"/>
                 </a:solidFill>
@@ -7948,30 +8104,30 @@
                 <a:ea typeface="Arial" pitchFamily="34" charset="-122"/>
                 <a:cs typeface="Arial" pitchFamily="34" charset="-120"/>
               </a:rPr>
-              <a:t>2 × (Precision × Recall) / (Precision + Recall)</a:t>
-            </a:r>
-            <a:endParaRPr lang="en-US" sz="1050" dirty="0"/>
-          </a:p>
-        </p:txBody>
-      </p:sp>
-      <p:sp>
-        <p:nvSpPr>
-          <p:cNvPr id="16" name="Text 14"/>
-          <p:cNvSpPr/>
-          <p:nvPr/>
-        </p:nvSpPr>
-        <p:spPr>
-          <a:xfrm>
-            <a:off x="304800" y="3848100"/>
-            <a:ext cx="8534400" cy="647700"/>
+              <a:t>→</a:t>
+            </a:r>
+            <a:endParaRPr lang="en-US" sz="1800" dirty="0"/>
+          </a:p>
+        </p:txBody>
+      </p:sp>
+      <p:sp>
+        <p:nvSpPr>
+          <p:cNvPr id="10" name="Text 8"/>
+          <p:cNvSpPr/>
+          <p:nvPr/>
+        </p:nvSpPr>
+        <p:spPr>
+          <a:xfrm>
+            <a:off x="3962400" y="2076450"/>
+            <a:ext cx="1333500" cy="266700"/>
           </a:xfrm>
           <a:prstGeom prst="roundRect">
             <a:avLst>
-              <a:gd name="adj" fmla="val 9412"/>
+              <a:gd name="adj" fmla="val 22857"/>
             </a:avLst>
           </a:prstGeom>
           <a:solidFill>
-            <a:srgbClr val="0EA5E9"/>
+            <a:srgbClr val="F1F5F9"/>
           </a:solidFill>
           <a:ln/>
         </p:spPr>
@@ -7979,7 +8135,7 @@
           <a:bodyPr wrap="square" rtlCol="0" anchor="ctr"/>
           <a:lstStyle/>
           <a:p>
-            <a:pPr indent="0" marL="0">
+            <a:pPr marL="0" indent="0">
               <a:buNone/>
             </a:pPr>
             <a:endParaRPr lang="en-US" dirty="0"/>
@@ -7988,14 +8144,14 @@
       </p:sp>
       <p:sp>
         <p:nvSpPr>
-          <p:cNvPr id="17" name="Text 15"/>
-          <p:cNvSpPr/>
-          <p:nvPr/>
-        </p:nvSpPr>
-        <p:spPr>
-          <a:xfrm>
-            <a:off x="374904" y="4038600"/>
-            <a:ext cx="8394192" cy="266700"/>
+          <p:cNvPr id="11" name="Text 9"/>
+          <p:cNvSpPr/>
+          <p:nvPr/>
+        </p:nvSpPr>
+        <p:spPr>
+          <a:xfrm>
+            <a:off x="3949065" y="2114550"/>
+            <a:ext cx="1360170" cy="190500"/>
           </a:xfrm>
           <a:prstGeom prst="rect">
             <a:avLst/>
@@ -8007,9 +8163,9 @@
           <a:bodyPr wrap="square" lIns="0" tIns="0" rIns="0" bIns="0" rtlCol="0" anchor="t"/>
           <a:lstStyle/>
           <a:p>
-            <a:pPr algn="ctr" indent="0" marL="0">
-              <a:lnSpc>
-                <a:spcPts val="2100"/>
+            <a:pPr marL="0" indent="0" algn="ctr">
+              <a:lnSpc>
+                <a:spcPts val="1500"/>
               </a:lnSpc>
               <a:spcBef>
                 <a:spcPts val="300"/>
@@ -8020,19 +8176,44 @@
               <a:buNone/>
             </a:pPr>
             <a:r>
-              <a:rPr lang="en-US" sz="1500" b="1" dirty="0">
-                <a:solidFill>
-                  <a:srgbClr val="FFFFFF"/>
-                </a:solidFill>
-                <a:latin typeface="Arial" pitchFamily="34" charset="0"/>
-                <a:ea typeface="Arial" pitchFamily="34" charset="-122"/>
-                <a:cs typeface="Arial" pitchFamily="34" charset="-120"/>
-              </a:rPr>
-              <a:t>VP:</a:t>
-            </a:r>
-            <a:pPr algn="ctr" indent="0" marL="0">
-              <a:lnSpc>
-                <a:spcPts val="2100"/>
+              <a:rPr lang="en-US" sz="1050" b="1" dirty="0">
+                <a:solidFill>
+                  <a:srgbClr val="1E293B"/>
+                </a:solidFill>
+                <a:latin typeface="Arial" pitchFamily="34" charset="0"/>
+                <a:ea typeface="Arial" pitchFamily="34" charset="-122"/>
+                <a:cs typeface="Arial" pitchFamily="34" charset="-120"/>
+              </a:rPr>
+              <a:t>3. Vectorización</a:t>
+            </a:r>
+            <a:endParaRPr lang="en-US" sz="1050" dirty="0"/>
+          </a:p>
+        </p:txBody>
+      </p:sp>
+      <p:sp>
+        <p:nvSpPr>
+          <p:cNvPr id="12" name="Text 10"/>
+          <p:cNvSpPr/>
+          <p:nvPr/>
+        </p:nvSpPr>
+        <p:spPr>
+          <a:xfrm>
+            <a:off x="4514850" y="2514600"/>
+            <a:ext cx="116586" cy="304800"/>
+          </a:xfrm>
+          <a:prstGeom prst="rect">
+            <a:avLst/>
+          </a:prstGeom>
+          <a:noFill/>
+          <a:ln/>
+        </p:spPr>
+        <p:txBody>
+          <a:bodyPr wrap="square" lIns="0" tIns="0" rIns="0" bIns="0" rtlCol="0" anchor="t"/>
+          <a:lstStyle/>
+          <a:p>
+            <a:pPr marL="0" indent="0" algn="l">
+              <a:lnSpc>
+                <a:spcPts val="2400"/>
               </a:lnSpc>
               <a:spcBef>
                 <a:spcPts val="300"/>
@@ -8043,19 +8224,76 @@
               <a:buNone/>
             </a:pPr>
             <a:r>
-              <a:rPr lang="en-US" sz="1500" dirty="0">
-                <a:solidFill>
-                  <a:srgbClr val="FFFFFF"/>
-                </a:solidFill>
-                <a:latin typeface="Arial" pitchFamily="34" charset="0"/>
-                <a:ea typeface="Arial" pitchFamily="34" charset="-122"/>
-                <a:cs typeface="Arial" pitchFamily="34" charset="-120"/>
-              </a:rPr>
-              <a:t> Verdaderos Positivos | </a:t>
-            </a:r>
-            <a:pPr algn="ctr" indent="0" marL="0">
-              <a:lnSpc>
-                <a:spcPts val="2100"/>
+              <a:rPr lang="en-US" sz="1800" dirty="0">
+                <a:solidFill>
+                  <a:srgbClr val="1E293B"/>
+                </a:solidFill>
+                <a:latin typeface="Arial" pitchFamily="34" charset="0"/>
+                <a:ea typeface="Arial" pitchFamily="34" charset="-122"/>
+                <a:cs typeface="Arial" pitchFamily="34" charset="-120"/>
+              </a:rPr>
+              <a:t>↓</a:t>
+            </a:r>
+            <a:endParaRPr lang="en-US" sz="1800" dirty="0"/>
+          </a:p>
+        </p:txBody>
+      </p:sp>
+      <p:sp>
+        <p:nvSpPr>
+          <p:cNvPr id="13" name="Text 11"/>
+          <p:cNvSpPr/>
+          <p:nvPr/>
+        </p:nvSpPr>
+        <p:spPr>
+          <a:xfrm>
+            <a:off x="3810000" y="2933700"/>
+            <a:ext cx="1524000" cy="266700"/>
+          </a:xfrm>
+          <a:prstGeom prst="roundRect">
+            <a:avLst>
+              <a:gd name="adj" fmla="val 22857"/>
+            </a:avLst>
+          </a:prstGeom>
+          <a:solidFill>
+            <a:srgbClr val="2563EB"/>
+          </a:solidFill>
+          <a:ln/>
+        </p:spPr>
+        <p:txBody>
+          <a:bodyPr wrap="square" rtlCol="0" anchor="ctr"/>
+          <a:lstStyle/>
+          <a:p>
+            <a:pPr marL="0" indent="0">
+              <a:buNone/>
+            </a:pPr>
+            <a:endParaRPr lang="en-US" dirty="0"/>
+          </a:p>
+        </p:txBody>
+      </p:sp>
+      <p:sp>
+        <p:nvSpPr>
+          <p:cNvPr id="14" name="Text 12"/>
+          <p:cNvSpPr/>
+          <p:nvPr/>
+        </p:nvSpPr>
+        <p:spPr>
+          <a:xfrm>
+            <a:off x="3794760" y="2971800"/>
+            <a:ext cx="1554480" cy="190500"/>
+          </a:xfrm>
+          <a:prstGeom prst="rect">
+            <a:avLst/>
+          </a:prstGeom>
+          <a:noFill/>
+          <a:ln/>
+        </p:spPr>
+        <p:txBody>
+          <a:bodyPr wrap="square" lIns="0" tIns="0" rIns="0" bIns="0" rtlCol="0" anchor="t"/>
+          <a:lstStyle/>
+          <a:p>
+            <a:pPr marL="0" indent="0" algn="ctr">
+              <a:lnSpc>
+                <a:spcPts val="1500"/>
               </a:lnSpc>
               <a:spcBef>
                 <a:spcPts val="300"/>
@@ -8066,7 +8304,7 @@
               <a:buNone/>
             </a:pPr>
             <a:r>
-              <a:rPr lang="en-US" sz="1500" b="1" dirty="0">
+              <a:rPr lang="en-US" sz="1050" b="1" dirty="0">
                 <a:solidFill>
                   <a:srgbClr val="FFFFFF"/>
                 </a:solidFill>
@@ -8074,11 +8312,36 @@
                 <a:ea typeface="Arial" pitchFamily="34" charset="-122"/>
                 <a:cs typeface="Arial" pitchFamily="34" charset="-120"/>
               </a:rPr>
-              <a:t>FP:</a:t>
-            </a:r>
-            <a:pPr algn="ctr" indent="0" marL="0">
-              <a:lnSpc>
-                <a:spcPts val="2100"/>
+              <a:t>4. Modelo ML</a:t>
+            </a:r>
+            <a:endParaRPr lang="en-US" sz="1050" dirty="0"/>
+          </a:p>
+        </p:txBody>
+      </p:sp>
+      <p:sp>
+        <p:nvSpPr>
+          <p:cNvPr id="15" name="Text 13"/>
+          <p:cNvSpPr/>
+          <p:nvPr/>
+        </p:nvSpPr>
+        <p:spPr>
+          <a:xfrm>
+            <a:off x="4514850" y="3314700"/>
+            <a:ext cx="116586" cy="304800"/>
+          </a:xfrm>
+          <a:prstGeom prst="rect">
+            <a:avLst/>
+          </a:prstGeom>
+          <a:noFill/>
+          <a:ln/>
+        </p:spPr>
+        <p:txBody>
+          <a:bodyPr wrap="square" lIns="0" tIns="0" rIns="0" bIns="0" rtlCol="0" anchor="t"/>
+          <a:lstStyle/>
+          <a:p>
+            <a:pPr marL="0" indent="0" algn="l">
+              <a:lnSpc>
+                <a:spcPts val="2400"/>
               </a:lnSpc>
               <a:spcBef>
                 <a:spcPts val="300"/>
@@ -8089,19 +8352,76 @@
               <a:buNone/>
             </a:pPr>
             <a:r>
-              <a:rPr lang="en-US" sz="1500" dirty="0">
-                <a:solidFill>
-                  <a:srgbClr val="FFFFFF"/>
-                </a:solidFill>
-                <a:latin typeface="Arial" pitchFamily="34" charset="0"/>
-                <a:ea typeface="Arial" pitchFamily="34" charset="-122"/>
-                <a:cs typeface="Arial" pitchFamily="34" charset="-120"/>
-              </a:rPr>
-              <a:t> Falsos Positivos | </a:t>
-            </a:r>
-            <a:pPr algn="ctr" indent="0" marL="0">
-              <a:lnSpc>
-                <a:spcPts val="2100"/>
+              <a:rPr lang="en-US" sz="1800" dirty="0">
+                <a:solidFill>
+                  <a:srgbClr val="1E293B"/>
+                </a:solidFill>
+                <a:latin typeface="Arial" pitchFamily="34" charset="0"/>
+                <a:ea typeface="Arial" pitchFamily="34" charset="-122"/>
+                <a:cs typeface="Arial" pitchFamily="34" charset="-120"/>
+              </a:rPr>
+              <a:t>↓</a:t>
+            </a:r>
+            <a:endParaRPr lang="en-US" sz="1800" dirty="0"/>
+          </a:p>
+        </p:txBody>
+      </p:sp>
+      <p:sp>
+        <p:nvSpPr>
+          <p:cNvPr id="16" name="Text 14"/>
+          <p:cNvSpPr/>
+          <p:nvPr/>
+        </p:nvSpPr>
+        <p:spPr>
+          <a:xfrm>
+            <a:off x="228600" y="3790950"/>
+            <a:ext cx="1333500" cy="266700"/>
+          </a:xfrm>
+          <a:prstGeom prst="roundRect">
+            <a:avLst>
+              <a:gd name="adj" fmla="val 22857"/>
+            </a:avLst>
+          </a:prstGeom>
+          <a:solidFill>
+            <a:srgbClr val="F1F5F9"/>
+          </a:solidFill>
+          <a:ln/>
+        </p:spPr>
+        <p:txBody>
+          <a:bodyPr wrap="square" rtlCol="0" anchor="ctr"/>
+          <a:lstStyle/>
+          <a:p>
+            <a:pPr marL="0" indent="0">
+              <a:buNone/>
+            </a:pPr>
+            <a:endParaRPr lang="en-US" dirty="0"/>
+          </a:p>
+        </p:txBody>
+      </p:sp>
+      <p:sp>
+        <p:nvSpPr>
+          <p:cNvPr id="17" name="Text 15"/>
+          <p:cNvSpPr/>
+          <p:nvPr/>
+        </p:nvSpPr>
+        <p:spPr>
+          <a:xfrm>
+            <a:off x="215265" y="3829050"/>
+            <a:ext cx="1360170" cy="190500"/>
+          </a:xfrm>
+          <a:prstGeom prst="rect">
+            <a:avLst/>
+          </a:prstGeom>
+          <a:noFill/>
+          <a:ln/>
+        </p:spPr>
+        <p:txBody>
+          <a:bodyPr wrap="square" lIns="0" tIns="0" rIns="0" bIns="0" rtlCol="0" anchor="t"/>
+          <a:lstStyle/>
+          <a:p>
+            <a:pPr marL="0" indent="0" algn="ctr">
+              <a:lnSpc>
+                <a:spcPts val="1500"/>
               </a:lnSpc>
               <a:spcBef>
                 <a:spcPts val="300"/>
@@ -8112,19 +8432,44 @@
               <a:buNone/>
             </a:pPr>
             <a:r>
-              <a:rPr lang="en-US" sz="1500" b="1" dirty="0">
-                <a:solidFill>
-                  <a:srgbClr val="FFFFFF"/>
-                </a:solidFill>
-                <a:latin typeface="Arial" pitchFamily="34" charset="0"/>
-                <a:ea typeface="Arial" pitchFamily="34" charset="-122"/>
-                <a:cs typeface="Arial" pitchFamily="34" charset="-120"/>
-              </a:rPr>
-              <a:t>FN:</a:t>
-            </a:r>
-            <a:pPr algn="ctr" indent="0" marL="0">
-              <a:lnSpc>
-                <a:spcPts val="2100"/>
+              <a:rPr lang="en-US" sz="1050" b="1" dirty="0">
+                <a:solidFill>
+                  <a:srgbClr val="1E293B"/>
+                </a:solidFill>
+                <a:latin typeface="Arial" pitchFamily="34" charset="0"/>
+                <a:ea typeface="Arial" pitchFamily="34" charset="-122"/>
+                <a:cs typeface="Arial" pitchFamily="34" charset="-120"/>
+              </a:rPr>
+              <a:t>5. Predicción</a:t>
+            </a:r>
+            <a:endParaRPr lang="en-US" sz="1050" dirty="0"/>
+          </a:p>
+        </p:txBody>
+      </p:sp>
+      <p:sp>
+        <p:nvSpPr>
+          <p:cNvPr id="18" name="Text 16"/>
+          <p:cNvSpPr/>
+          <p:nvPr/>
+        </p:nvSpPr>
+        <p:spPr>
+          <a:xfrm>
+            <a:off x="1714500" y="3771900"/>
+            <a:ext cx="233172" cy="304800"/>
+          </a:xfrm>
+          <a:prstGeom prst="rect">
+            <a:avLst/>
+          </a:prstGeom>
+          <a:noFill/>
+          <a:ln/>
+        </p:spPr>
+        <p:txBody>
+          <a:bodyPr wrap="square" lIns="0" tIns="0" rIns="0" bIns="0" rtlCol="0" anchor="t"/>
+          <a:lstStyle/>
+          <a:p>
+            <a:pPr marL="0" indent="0" algn="l">
+              <a:lnSpc>
+                <a:spcPts val="2400"/>
               </a:lnSpc>
               <a:spcBef>
                 <a:spcPts val="300"/>
@@ -8135,7 +8480,87 @@
               <a:buNone/>
             </a:pPr>
             <a:r>
-              <a:rPr lang="en-US" sz="1500" dirty="0">
+              <a:rPr lang="en-US" sz="1800" dirty="0">
+                <a:solidFill>
+                  <a:srgbClr val="1E293B"/>
+                </a:solidFill>
+                <a:latin typeface="Arial" pitchFamily="34" charset="0"/>
+                <a:ea typeface="Arial" pitchFamily="34" charset="-122"/>
+                <a:cs typeface="Arial" pitchFamily="34" charset="-120"/>
+              </a:rPr>
+              <a:t>→</a:t>
+            </a:r>
+            <a:endParaRPr lang="en-US" sz="1800" dirty="0"/>
+          </a:p>
+        </p:txBody>
+      </p:sp>
+      <p:sp>
+        <p:nvSpPr>
+          <p:cNvPr id="19" name="Text 17"/>
+          <p:cNvSpPr/>
+          <p:nvPr/>
+        </p:nvSpPr>
+        <p:spPr>
+          <a:xfrm>
+            <a:off x="2095500" y="3790950"/>
+            <a:ext cx="1333500" cy="266700"/>
+          </a:xfrm>
+          <a:prstGeom prst="roundRect">
+            <a:avLst>
+              <a:gd name="adj" fmla="val 22857"/>
+            </a:avLst>
+          </a:prstGeom>
+          <a:solidFill>
+            <a:srgbClr val="0EA5E9"/>
+          </a:solidFill>
+          <a:ln/>
+        </p:spPr>
+        <p:txBody>
+          <a:bodyPr wrap="square" rtlCol="0" anchor="ctr"/>
+          <a:lstStyle/>
+          <a:p>
+            <a:pPr marL="0" indent="0">
+              <a:buNone/>
+            </a:pPr>
+            <a:endParaRPr lang="en-US" dirty="0"/>
+          </a:p>
+        </p:txBody>
+      </p:sp>
+      <p:sp>
+        <p:nvSpPr>
+          <p:cNvPr id="20" name="Text 18"/>
+          <p:cNvSpPr/>
+          <p:nvPr/>
+        </p:nvSpPr>
+        <p:spPr>
+          <a:xfrm>
+            <a:off x="2082165" y="3829050"/>
+            <a:ext cx="1360170" cy="190500"/>
+          </a:xfrm>
+          <a:prstGeom prst="rect">
+            <a:avLst/>
+          </a:prstGeom>
+          <a:noFill/>
+          <a:ln/>
+        </p:spPr>
+        <p:txBody>
+          <a:bodyPr wrap="square" lIns="0" tIns="0" rIns="0" bIns="0" rtlCol="0" anchor="t"/>
+          <a:lstStyle/>
+          <a:p>
+            <a:pPr marL="0" indent="0" algn="ctr">
+              <a:lnSpc>
+                <a:spcPts val="1500"/>
+              </a:lnSpc>
+              <a:spcBef>
+                <a:spcPts val="300"/>
+              </a:spcBef>
+              <a:spcAft>
+                <a:spcPts val="300"/>
+              </a:spcAft>
+              <a:buNone/>
+            </a:pPr>
+            <a:r>
+              <a:rPr lang="en-US" sz="1050" b="1" dirty="0">
                 <a:solidFill>
                   <a:srgbClr val="FFFFFF"/>
                 </a:solidFill>
@@ -8143,9 +8568,9 @@
                 <a:ea typeface="Arial" pitchFamily="34" charset="-122"/>
                 <a:cs typeface="Arial" pitchFamily="34" charset="-120"/>
               </a:rPr>
-              <a:t> Falsos Negativos</a:t>
-            </a:r>
-            <a:endParaRPr lang="en-US" sz="1500" dirty="0"/>
+              <a:t>6. Visualización</a:t>
+            </a:r>
+            <a:endParaRPr lang="en-US" sz="1050" dirty="0"/>
           </a:p>
         </p:txBody>
       </p:sp>
@@ -8157,14 +8582,15 @@
 </p:sld>
 </file>
 
-<file path=ppt/slides/slide8.xml><?xml version="1.0" encoding="utf-8"?>
+<file path=ppt/slides/slide9.xml><?xml version="1.0" encoding="utf-8"?>
 <p:sld xmlns:a="http://schemas.openxmlformats.org/drawingml/2006/main" xmlns:r="http://schemas.openxmlformats.org/officeDocument/2006/relationships" xmlns:p="http://schemas.openxmlformats.org/presentationml/2006/main">
-  <p:cSld name="Slide 8">
+  <p:cSld name="Slide 9">
     <p:bg>
       <p:bgPr>
         <a:solidFill>
           <a:srgbClr val="FFFFFF"/>
         </a:solidFill>
+        <a:effectLst/>
       </p:bgPr>
     </p:bg>
     <p:spTree>
@@ -8204,7 +8630,7 @@
           <a:bodyPr wrap="square" rtlCol="0" anchor="ctr"/>
           <a:lstStyle/>
           <a:p>
-            <a:pPr indent="0" marL="0">
+            <a:pPr marL="0" indent="0">
               <a:buNone/>
             </a:pPr>
             <a:endParaRPr lang="en-US" dirty="0"/>
@@ -8232,7 +8658,7 @@
           <a:bodyPr wrap="square" lIns="0" tIns="0" rIns="0" bIns="0" rtlCol="0" anchor="t"/>
           <a:lstStyle/>
           <a:p>
-            <a:pPr algn="l" indent="0" marL="0">
+            <a:pPr marL="0" indent="0" algn="l">
               <a:lnSpc>
                 <a:spcPts val="3000"/>
               </a:lnSpc>
@@ -8247,7 +8673,7 @@
                 <a:ea typeface="Arial" pitchFamily="34" charset="-122"/>
                 <a:cs typeface="Arial" pitchFamily="34" charset="-120"/>
               </a:rPr>
-              <a:t>Arquitectura del Sistema</a:t>
+              <a:t>Aplicaciones Prácticas</a:t>
             </a:r>
             <a:endParaRPr lang="en-US" sz="2700" dirty="0"/>
           </a:p>
@@ -8261,12 +8687,12 @@
         </p:nvSpPr>
         <p:spPr>
           <a:xfrm>
-            <a:off x="228600" y="2076450"/>
-            <a:ext cx="1333500" cy="266700"/>
+            <a:off x="304800" y="1543050"/>
+            <a:ext cx="4191000" cy="914400"/>
           </a:xfrm>
           <a:prstGeom prst="roundRect">
             <a:avLst>
-              <a:gd name="adj" fmla="val 22857"/>
+              <a:gd name="adj" fmla="val 6667"/>
             </a:avLst>
           </a:prstGeom>
           <a:solidFill>
@@ -8278,7 +8704,7 @@
           <a:bodyPr wrap="square" rtlCol="0" anchor="ctr"/>
           <a:lstStyle/>
           <a:p>
-            <a:pPr indent="0" marL="0">
+            <a:pPr marL="0" indent="0">
               <a:buNone/>
             </a:pPr>
             <a:endParaRPr lang="en-US" dirty="0"/>
@@ -8293,8 +8719,8 @@
         </p:nvSpPr>
         <p:spPr>
           <a:xfrm>
-            <a:off x="215265" y="2114550"/>
-            <a:ext cx="1360170" cy="190500"/>
+            <a:off x="457200" y="1695450"/>
+            <a:ext cx="3963924" cy="266700"/>
           </a:xfrm>
           <a:prstGeom prst="rect">
             <a:avLst/>
@@ -8306,7 +8732,49 @@
           <a:bodyPr wrap="square" lIns="0" tIns="0" rIns="0" bIns="0" rtlCol="0" anchor="t"/>
           <a:lstStyle/>
           <a:p>
-            <a:pPr algn="ctr" indent="0" marL="0">
+            <a:pPr marL="0" indent="0" algn="l">
+              <a:lnSpc>
+                <a:spcPts val="2100"/>
+              </a:lnSpc>
+              <a:buNone/>
+            </a:pPr>
+            <a:r>
+              <a:rPr lang="en-US" sz="1350" b="1" dirty="0">
+                <a:solidFill>
+                  <a:srgbClr val="2563EB"/>
+                </a:solidFill>
+                <a:latin typeface="Arial" pitchFamily="34" charset="0"/>
+                <a:ea typeface="Arial" pitchFamily="34" charset="-122"/>
+                <a:cs typeface="Arial" pitchFamily="34" charset="-120"/>
+              </a:rPr>
+              <a:t>📰 Clasificación de Noticias</a:t>
+            </a:r>
+            <a:endParaRPr lang="en-US" sz="1350" dirty="0"/>
+          </a:p>
+        </p:txBody>
+      </p:sp>
+      <p:sp>
+        <p:nvSpPr>
+          <p:cNvPr id="6" name="Text 4"/>
+          <p:cNvSpPr/>
+          <p:nvPr/>
+        </p:nvSpPr>
+        <p:spPr>
+          <a:xfrm>
+            <a:off x="457200" y="2076450"/>
+            <a:ext cx="3963924" cy="190500"/>
+          </a:xfrm>
+          <a:prstGeom prst="rect">
+            <a:avLst/>
+          </a:prstGeom>
+          <a:noFill/>
+          <a:ln/>
+        </p:spPr>
+        <p:txBody>
+          <a:bodyPr wrap="square" lIns="0" tIns="0" rIns="0" bIns="0" rtlCol="0" anchor="t"/>
+          <a:lstStyle/>
+          <a:p>
+            <a:pPr marL="0" indent="0" algn="l">
               <a:lnSpc>
                 <a:spcPts val="1500"/>
               </a:lnSpc>
@@ -8319,7 +8787,7 @@
               <a:buNone/>
             </a:pPr>
             <a:r>
-              <a:rPr lang="en-US" sz="1050" b="1" dirty="0">
+              <a:rPr lang="en-US" sz="1050" dirty="0">
                 <a:solidFill>
                   <a:srgbClr val="1E293B"/>
                 </a:solidFill>
@@ -8327,7 +8795,7 @@
                 <a:ea typeface="Arial" pitchFamily="34" charset="-122"/>
                 <a:cs typeface="Arial" pitchFamily="34" charset="-120"/>
               </a:rPr>
-              <a:t>1. Web Scraping</a:t>
+              <a:t>Categorización automática por tema</a:t>
             </a:r>
             <a:endParaRPr lang="en-US" sz="1050" dirty="0"/>
           </a:p>
@@ -8335,14 +8803,46 @@
       </p:sp>
       <p:sp>
         <p:nvSpPr>
-          <p:cNvPr id="6" name="Text 4"/>
-          <p:cNvSpPr/>
-          <p:nvPr/>
-        </p:nvSpPr>
-        <p:spPr>
-          <a:xfrm>
-            <a:off x="1714500" y="2057400"/>
-            <a:ext cx="233172" cy="304800"/>
+          <p:cNvPr id="7" name="Text 5"/>
+          <p:cNvSpPr/>
+          <p:nvPr/>
+        </p:nvSpPr>
+        <p:spPr>
+          <a:xfrm>
+            <a:off x="4648200" y="1543050"/>
+            <a:ext cx="4191000" cy="914400"/>
+          </a:xfrm>
+          <a:prstGeom prst="roundRect">
+            <a:avLst>
+              <a:gd name="adj" fmla="val 6667"/>
+            </a:avLst>
+          </a:prstGeom>
+          <a:solidFill>
+            <a:srgbClr val="F1F5F9"/>
+          </a:solidFill>
+          <a:ln/>
+        </p:spPr>
+        <p:txBody>
+          <a:bodyPr wrap="square" rtlCol="0" anchor="ctr"/>
+          <a:lstStyle/>
+          <a:p>
+            <a:pPr marL="0" indent="0">
+              <a:buNone/>
+            </a:pPr>
+            <a:endParaRPr lang="en-US" dirty="0"/>
+          </a:p>
+        </p:txBody>
+      </p:sp>
+      <p:sp>
+        <p:nvSpPr>
+          <p:cNvPr id="8" name="Text 6"/>
+          <p:cNvSpPr/>
+          <p:nvPr/>
+        </p:nvSpPr>
+        <p:spPr>
+          <a:xfrm>
+            <a:off x="4800600" y="1695450"/>
+            <a:ext cx="3963924" cy="266700"/>
           </a:xfrm>
           <a:prstGeom prst="rect">
             <a:avLst/>
@@ -8354,9 +8854,51 @@
           <a:bodyPr wrap="square" lIns="0" tIns="0" rIns="0" bIns="0" rtlCol="0" anchor="t"/>
           <a:lstStyle/>
           <a:p>
-            <a:pPr algn="l" indent="0" marL="0">
-              <a:lnSpc>
-                <a:spcPts val="2400"/>
+            <a:pPr marL="0" indent="0" algn="l">
+              <a:lnSpc>
+                <a:spcPts val="2100"/>
+              </a:lnSpc>
+              <a:buNone/>
+            </a:pPr>
+            <a:r>
+              <a:rPr lang="en-US" sz="1350" b="1" dirty="0">
+                <a:solidFill>
+                  <a:srgbClr val="2563EB"/>
+                </a:solidFill>
+                <a:latin typeface="Arial" pitchFamily="34" charset="0"/>
+                <a:ea typeface="Arial" pitchFamily="34" charset="-122"/>
+                <a:cs typeface="Arial" pitchFamily="34" charset="-120"/>
+              </a:rPr>
+              <a:t>💬 Análisis de Sentimientos</a:t>
+            </a:r>
+            <a:endParaRPr lang="en-US" sz="1350" dirty="0"/>
+          </a:p>
+        </p:txBody>
+      </p:sp>
+      <p:sp>
+        <p:nvSpPr>
+          <p:cNvPr id="9" name="Text 7"/>
+          <p:cNvSpPr/>
+          <p:nvPr/>
+        </p:nvSpPr>
+        <p:spPr>
+          <a:xfrm>
+            <a:off x="4800600" y="2076450"/>
+            <a:ext cx="3963924" cy="190500"/>
+          </a:xfrm>
+          <a:prstGeom prst="rect">
+            <a:avLst/>
+          </a:prstGeom>
+          <a:noFill/>
+          <a:ln/>
+        </p:spPr>
+        <p:txBody>
+          <a:bodyPr wrap="square" lIns="0" tIns="0" rIns="0" bIns="0" rtlCol="0" anchor="t"/>
+          <a:lstStyle/>
+          <a:p>
+            <a:pPr marL="0" indent="0" algn="l">
+              <a:lnSpc>
+                <a:spcPts val="1500"/>
               </a:lnSpc>
               <a:spcBef>
                 <a:spcPts val="300"/>
@@ -8367,7 +8909,7 @@
               <a:buNone/>
             </a:pPr>
             <a:r>
-              <a:rPr lang="en-US" sz="1800" dirty="0">
+              <a:rPr lang="en-US" sz="1050" dirty="0">
                 <a:solidFill>
                   <a:srgbClr val="1E293B"/>
                 </a:solidFill>
@@ -8375,26 +8917,26 @@
                 <a:ea typeface="Arial" pitchFamily="34" charset="-122"/>
                 <a:cs typeface="Arial" pitchFamily="34" charset="-120"/>
               </a:rPr>
-              <a:t>→</a:t>
-            </a:r>
-            <a:endParaRPr lang="en-US" sz="1800" dirty="0"/>
-          </a:p>
-        </p:txBody>
-      </p:sp>
-      <p:sp>
-        <p:nvSpPr>
-          <p:cNvPr id="7" name="Text 5"/>
-          <p:cNvSpPr/>
-          <p:nvPr/>
-        </p:nvSpPr>
-        <p:spPr>
-          <a:xfrm>
-            <a:off x="2095500" y="2076450"/>
-            <a:ext cx="1333500" cy="266700"/>
+              <a:t>Opiniones en redes sociales</a:t>
+            </a:r>
+            <a:endParaRPr lang="en-US" sz="1050" dirty="0"/>
+          </a:p>
+        </p:txBody>
+      </p:sp>
+      <p:sp>
+        <p:nvSpPr>
+          <p:cNvPr id="10" name="Text 8"/>
+          <p:cNvSpPr/>
+          <p:nvPr/>
+        </p:nvSpPr>
+        <p:spPr>
+          <a:xfrm>
+            <a:off x="304800" y="2609850"/>
+            <a:ext cx="4191000" cy="914400"/>
           </a:xfrm>
           <a:prstGeom prst="roundRect">
             <a:avLst>
-              <a:gd name="adj" fmla="val 22857"/>
+              <a:gd name="adj" fmla="val 6667"/>
             </a:avLst>
           </a:prstGeom>
           <a:solidFill>
@@ -8406,7 +8948,7 @@
           <a:bodyPr wrap="square" rtlCol="0" anchor="ctr"/>
           <a:lstStyle/>
           <a:p>
-            <a:pPr indent="0" marL="0">
+            <a:pPr marL="0" indent="0">
               <a:buNone/>
             </a:pPr>
             <a:endParaRPr lang="en-US" dirty="0"/>
@@ -8415,14 +8957,14 @@
       </p:sp>
       <p:sp>
         <p:nvSpPr>
-          <p:cNvPr id="8" name="Text 6"/>
-          <p:cNvSpPr/>
-          <p:nvPr/>
-        </p:nvSpPr>
-        <p:spPr>
-          <a:xfrm>
-            <a:off x="2082165" y="2114550"/>
-            <a:ext cx="1360170" cy="190500"/>
+          <p:cNvPr id="11" name="Text 9"/>
+          <p:cNvSpPr/>
+          <p:nvPr/>
+        </p:nvSpPr>
+        <p:spPr>
+          <a:xfrm>
+            <a:off x="457200" y="2762250"/>
+            <a:ext cx="3963924" cy="266700"/>
           </a:xfrm>
           <a:prstGeom prst="rect">
             <a:avLst/>
@@ -8434,7 +8976,49 @@
           <a:bodyPr wrap="square" lIns="0" tIns="0" rIns="0" bIns="0" rtlCol="0" anchor="t"/>
           <a:lstStyle/>
           <a:p>
-            <a:pPr algn="ctr" indent="0" marL="0">
+            <a:pPr marL="0" indent="0" algn="l">
+              <a:lnSpc>
+                <a:spcPts val="2100"/>
+              </a:lnSpc>
+              <a:buNone/>
+            </a:pPr>
+            <a:r>
+              <a:rPr lang="en-US" sz="1350" b="1" dirty="0">
+                <a:solidFill>
+                  <a:srgbClr val="2563EB"/>
+                </a:solidFill>
+                <a:latin typeface="Arial" pitchFamily="34" charset="0"/>
+                <a:ea typeface="Arial" pitchFamily="34" charset="-122"/>
+                <a:cs typeface="Arial" pitchFamily="34" charset="-120"/>
+              </a:rPr>
+              <a:t>🚫 Detección de Spam</a:t>
+            </a:r>
+            <a:endParaRPr lang="en-US" sz="1350" dirty="0"/>
+          </a:p>
+        </p:txBody>
+      </p:sp>
+      <p:sp>
+        <p:nvSpPr>
+          <p:cNvPr id="12" name="Text 10"/>
+          <p:cNvSpPr/>
+          <p:nvPr/>
+        </p:nvSpPr>
+        <p:spPr>
+          <a:xfrm>
+            <a:off x="457200" y="3143250"/>
+            <a:ext cx="3963924" cy="190500"/>
+          </a:xfrm>
+          <a:prstGeom prst="rect">
+            <a:avLst/>
+          </a:prstGeom>
+          <a:noFill/>
+          <a:ln/>
+        </p:spPr>
+        <p:txBody>
+          <a:bodyPr wrap="square" lIns="0" tIns="0" rIns="0" bIns="0" rtlCol="0" anchor="t"/>
+          <a:lstStyle/>
+          <a:p>
+            <a:pPr marL="0" indent="0" algn="l">
               <a:lnSpc>
                 <a:spcPts val="1500"/>
               </a:lnSpc>
@@ -8447,7 +9031,7 @@
               <a:buNone/>
             </a:pPr>
             <a:r>
-              <a:rPr lang="en-US" sz="1050" b="1" dirty="0">
+              <a:rPr lang="en-US" sz="1050" dirty="0">
                 <a:solidFill>
                   <a:srgbClr val="1E293B"/>
                 </a:solidFill>
@@ -8455,7 +9039,7 @@
                 <a:ea typeface="Arial" pitchFamily="34" charset="-122"/>
                 <a:cs typeface="Arial" pitchFamily="34" charset="-120"/>
               </a:rPr>
-              <a:t>2. Preprocesamiento</a:t>
+              <a:t>Filtrado de correos no deseados</a:t>
             </a:r>
             <a:endParaRPr lang="en-US" sz="1050" dirty="0"/>
           </a:p>
@@ -8463,14 +9047,46 @@
       </p:sp>
       <p:sp>
         <p:nvSpPr>
-          <p:cNvPr id="9" name="Text 7"/>
-          <p:cNvSpPr/>
-          <p:nvPr/>
-        </p:nvSpPr>
-        <p:spPr>
-          <a:xfrm>
-            <a:off x="3581400" y="2057400"/>
-            <a:ext cx="233172" cy="304800"/>
+          <p:cNvPr id="13" name="Text 11"/>
+          <p:cNvSpPr/>
+          <p:nvPr/>
+        </p:nvSpPr>
+        <p:spPr>
+          <a:xfrm>
+            <a:off x="4648200" y="2609850"/>
+            <a:ext cx="4191000" cy="914400"/>
+          </a:xfrm>
+          <a:prstGeom prst="roundRect">
+            <a:avLst>
+              <a:gd name="adj" fmla="val 6667"/>
+            </a:avLst>
+          </a:prstGeom>
+          <a:solidFill>
+            <a:srgbClr val="F1F5F9"/>
+          </a:solidFill>
+          <a:ln/>
+        </p:spPr>
+        <p:txBody>
+          <a:bodyPr wrap="square" rtlCol="0" anchor="ctr"/>
+          <a:lstStyle/>
+          <a:p>
+            <a:pPr marL="0" indent="0">
+              <a:buNone/>
+            </a:pPr>
+            <a:endParaRPr lang="en-US" dirty="0"/>
+          </a:p>
+        </p:txBody>
+      </p:sp>
+      <p:sp>
+        <p:nvSpPr>
+          <p:cNvPr id="14" name="Text 12"/>
+          <p:cNvSpPr/>
+          <p:nvPr/>
+        </p:nvSpPr>
+        <p:spPr>
+          <a:xfrm>
+            <a:off x="4800600" y="2762250"/>
+            <a:ext cx="3963924" cy="266700"/>
           </a:xfrm>
           <a:prstGeom prst="rect">
             <a:avLst/>
@@ -8482,9 +9098,51 @@
           <a:bodyPr wrap="square" lIns="0" tIns="0" rIns="0" bIns="0" rtlCol="0" anchor="t"/>
           <a:lstStyle/>
           <a:p>
-            <a:pPr algn="l" indent="0" marL="0">
-              <a:lnSpc>
-                <a:spcPts val="2400"/>
+            <a:pPr marL="0" indent="0" algn="l">
+              <a:lnSpc>
+                <a:spcPts val="2100"/>
+              </a:lnSpc>
+              <a:buNone/>
+            </a:pPr>
+            <a:r>
+              <a:rPr lang="en-US" sz="1350" b="1" dirty="0">
+                <a:solidFill>
+                  <a:srgbClr val="2563EB"/>
+                </a:solidFill>
+                <a:latin typeface="Arial" pitchFamily="34" charset="0"/>
+                <a:ea typeface="Arial" pitchFamily="34" charset="-122"/>
+                <a:cs typeface="Arial" pitchFamily="34" charset="-120"/>
+              </a:rPr>
+              <a:t>🔍 Recomendaciones</a:t>
+            </a:r>
+            <a:endParaRPr lang="en-US" sz="1350" dirty="0"/>
+          </a:p>
+        </p:txBody>
+      </p:sp>
+      <p:sp>
+        <p:nvSpPr>
+          <p:cNvPr id="15" name="Text 13"/>
+          <p:cNvSpPr/>
+          <p:nvPr/>
+        </p:nvSpPr>
+        <p:spPr>
+          <a:xfrm>
+            <a:off x="4800600" y="3143250"/>
+            <a:ext cx="3963924" cy="190500"/>
+          </a:xfrm>
+          <a:prstGeom prst="rect">
+            <a:avLst/>
+          </a:prstGeom>
+          <a:noFill/>
+          <a:ln/>
+        </p:spPr>
+        <p:txBody>
+          <a:bodyPr wrap="square" lIns="0" tIns="0" rIns="0" bIns="0" rtlCol="0" anchor="t"/>
+          <a:lstStyle/>
+          <a:p>
+            <a:pPr marL="0" indent="0" algn="l">
+              <a:lnSpc>
+                <a:spcPts val="1500"/>
               </a:lnSpc>
               <a:spcBef>
                 <a:spcPts val="300"/>
@@ -8495,7 +9153,7 @@
               <a:buNone/>
             </a:pPr>
             <a:r>
-              <a:rPr lang="en-US" sz="1800" dirty="0">
+              <a:rPr lang="en-US" sz="1050" dirty="0">
                 <a:solidFill>
                   <a:srgbClr val="1E293B"/>
                 </a:solidFill>
@@ -8503,26 +9161,26 @@
                 <a:ea typeface="Arial" pitchFamily="34" charset="-122"/>
                 <a:cs typeface="Arial" pitchFamily="34" charset="-120"/>
               </a:rPr>
-              <a:t>→</a:t>
-            </a:r>
-            <a:endParaRPr lang="en-US" sz="1800" dirty="0"/>
-          </a:p>
-        </p:txBody>
-      </p:sp>
-      <p:sp>
-        <p:nvSpPr>
-          <p:cNvPr id="10" name="Text 8"/>
-          <p:cNvSpPr/>
-          <p:nvPr/>
-        </p:nvSpPr>
-        <p:spPr>
-          <a:xfrm>
-            <a:off x="3962400" y="2076450"/>
-            <a:ext cx="1333500" cy="266700"/>
+              <a:t>Sistemas de contenido similar</a:t>
+            </a:r>
+            <a:endParaRPr lang="en-US" sz="1050" dirty="0"/>
+          </a:p>
+        </p:txBody>
+      </p:sp>
+      <p:sp>
+        <p:nvSpPr>
+          <p:cNvPr id="16" name="Text 14"/>
+          <p:cNvSpPr/>
+          <p:nvPr/>
+        </p:nvSpPr>
+        <p:spPr>
+          <a:xfrm>
+            <a:off x="304800" y="3676650"/>
+            <a:ext cx="4191000" cy="914400"/>
           </a:xfrm>
           <a:prstGeom prst="roundRect">
             <a:avLst>
-              <a:gd name="adj" fmla="val 22857"/>
+              <a:gd name="adj" fmla="val 6667"/>
             </a:avLst>
           </a:prstGeom>
           <a:solidFill>
@@ -8534,7 +9192,7 @@
           <a:bodyPr wrap="square" rtlCol="0" anchor="ctr"/>
           <a:lstStyle/>
           <a:p>
-            <a:pPr indent="0" marL="0">
+            <a:pPr marL="0" indent="0">
               <a:buNone/>
             </a:pPr>
             <a:endParaRPr lang="en-US" dirty="0"/>
@@ -8543,14 +9201,14 @@
       </p:sp>
       <p:sp>
         <p:nvSpPr>
-          <p:cNvPr id="11" name="Text 9"/>
-          <p:cNvSpPr/>
-          <p:nvPr/>
-        </p:nvSpPr>
-        <p:spPr>
-          <a:xfrm>
-            <a:off x="3949065" y="2114550"/>
-            <a:ext cx="1360170" cy="190500"/>
+          <p:cNvPr id="17" name="Text 15"/>
+          <p:cNvSpPr/>
+          <p:nvPr/>
+        </p:nvSpPr>
+        <p:spPr>
+          <a:xfrm>
+            <a:off x="457200" y="3829050"/>
+            <a:ext cx="3963924" cy="266700"/>
           </a:xfrm>
           <a:prstGeom prst="rect">
             <a:avLst/>
@@ -8562,7 +9220,49 @@
           <a:bodyPr wrap="square" lIns="0" tIns="0" rIns="0" bIns="0" rtlCol="0" anchor="t"/>
           <a:lstStyle/>
           <a:p>
-            <a:pPr algn="ctr" indent="0" marL="0">
+            <a:pPr marL="0" indent="0" algn="l">
+              <a:lnSpc>
+                <a:spcPts val="2100"/>
+              </a:lnSpc>
+              <a:buNone/>
+            </a:pPr>
+            <a:r>
+              <a:rPr lang="en-US" sz="1350" b="1" dirty="0">
+                <a:solidFill>
+                  <a:srgbClr val="2563EB"/>
+                </a:solidFill>
+                <a:latin typeface="Arial" pitchFamily="34" charset="0"/>
+                <a:ea typeface="Arial" pitchFamily="34" charset="-122"/>
+                <a:cs typeface="Arial" pitchFamily="34" charset="-120"/>
+              </a:rPr>
+              <a:t>📊 Análisis de Tendencias</a:t>
+            </a:r>
+            <a:endParaRPr lang="en-US" sz="1350" dirty="0"/>
+          </a:p>
+        </p:txBody>
+      </p:sp>
+      <p:sp>
+        <p:nvSpPr>
+          <p:cNvPr id="18" name="Text 16"/>
+          <p:cNvSpPr/>
+          <p:nvPr/>
+        </p:nvSpPr>
+        <p:spPr>
+          <a:xfrm>
+            <a:off x="457200" y="4210050"/>
+            <a:ext cx="3963924" cy="190500"/>
+          </a:xfrm>
+          <a:prstGeom prst="rect">
+            <a:avLst/>
+          </a:prstGeom>
+          <a:noFill/>
+          <a:ln/>
+        </p:spPr>
+        <p:txBody>
+          <a:bodyPr wrap="square" lIns="0" tIns="0" rIns="0" bIns="0" rtlCol="0" anchor="t"/>
+          <a:lstStyle/>
+          <a:p>
+            <a:pPr marL="0" indent="0" algn="l">
               <a:lnSpc>
                 <a:spcPts val="1500"/>
               </a:lnSpc>
@@ -8575,7 +9275,7 @@
               <a:buNone/>
             </a:pPr>
             <a:r>
-              <a:rPr lang="en-US" sz="1050" b="1" dirty="0">
+              <a:rPr lang="en-US" sz="1050" dirty="0">
                 <a:solidFill>
                   <a:srgbClr val="1E293B"/>
                 </a:solidFill>
@@ -8583,7 +9283,7 @@
                 <a:ea typeface="Arial" pitchFamily="34" charset="-122"/>
                 <a:cs typeface="Arial" pitchFamily="34" charset="-120"/>
               </a:rPr>
-              <a:t>3. Vectorización</a:t>
+              <a:t>Identificar tópicos populares</a:t>
             </a:r>
             <a:endParaRPr lang="en-US" sz="1050" dirty="0"/>
           </a:p>
@@ -8591,501 +9291,13 @@
       </p:sp>
       <p:sp>
         <p:nvSpPr>
-          <p:cNvPr id="12" name="Text 10"/>
-          <p:cNvSpPr/>
-          <p:nvPr/>
-        </p:nvSpPr>
-        <p:spPr>
-          <a:xfrm>
-            <a:off x="4514850" y="2514600"/>
-            <a:ext cx="116586" cy="304800"/>
-          </a:xfrm>
-          <a:prstGeom prst="rect">
-            <a:avLst/>
-          </a:prstGeom>
-          <a:noFill/>
-          <a:ln/>
-        </p:spPr>
-        <p:txBody>
-          <a:bodyPr wrap="square" lIns="0" tIns="0" rIns="0" bIns="0" rtlCol="0" anchor="t"/>
-          <a:lstStyle/>
-          <a:p>
-            <a:pPr algn="l" indent="0" marL="0">
-              <a:lnSpc>
-                <a:spcPts val="2400"/>
-              </a:lnSpc>
-              <a:spcBef>
-                <a:spcPts val="300"/>
-              </a:spcBef>
-              <a:spcAft>
-                <a:spcPts val="300"/>
-              </a:spcAft>
-              <a:buNone/>
-            </a:pPr>
-            <a:r>
-              <a:rPr lang="en-US" sz="1800" dirty="0">
-                <a:solidFill>
-                  <a:srgbClr val="1E293B"/>
-                </a:solidFill>
-                <a:latin typeface="Arial" pitchFamily="34" charset="0"/>
-                <a:ea typeface="Arial" pitchFamily="34" charset="-122"/>
-                <a:cs typeface="Arial" pitchFamily="34" charset="-120"/>
-              </a:rPr>
-              <a:t>↓</a:t>
-            </a:r>
-            <a:endParaRPr lang="en-US" sz="1800" dirty="0"/>
-          </a:p>
-        </p:txBody>
-      </p:sp>
-      <p:sp>
-        <p:nvSpPr>
-          <p:cNvPr id="13" name="Text 11"/>
-          <p:cNvSpPr/>
-          <p:nvPr/>
-        </p:nvSpPr>
-        <p:spPr>
-          <a:xfrm>
-            <a:off x="3810000" y="2933700"/>
-            <a:ext cx="1524000" cy="266700"/>
-          </a:xfrm>
-          <a:prstGeom prst="roundRect">
-            <a:avLst>
-              <a:gd name="adj" fmla="val 22857"/>
-            </a:avLst>
-          </a:prstGeom>
-          <a:solidFill>
-            <a:srgbClr val="2563EB"/>
-          </a:solidFill>
-          <a:ln/>
-        </p:spPr>
-        <p:txBody>
-          <a:bodyPr wrap="square" rtlCol="0" anchor="ctr"/>
-          <a:lstStyle/>
-          <a:p>
-            <a:pPr indent="0" marL="0">
-              <a:buNone/>
-            </a:pPr>
-            <a:endParaRPr lang="en-US" dirty="0"/>
-          </a:p>
-        </p:txBody>
-      </p:sp>
-      <p:sp>
-        <p:nvSpPr>
-          <p:cNvPr id="14" name="Text 12"/>
-          <p:cNvSpPr/>
-          <p:nvPr/>
-        </p:nvSpPr>
-        <p:spPr>
-          <a:xfrm>
-            <a:off x="3794760" y="2971800"/>
-            <a:ext cx="1554480" cy="190500"/>
-          </a:xfrm>
-          <a:prstGeom prst="rect">
-            <a:avLst/>
-          </a:prstGeom>
-          <a:noFill/>
-          <a:ln/>
-        </p:spPr>
-        <p:txBody>
-          <a:bodyPr wrap="square" lIns="0" tIns="0" rIns="0" bIns="0" rtlCol="0" anchor="t"/>
-          <a:lstStyle/>
-          <a:p>
-            <a:pPr algn="ctr" indent="0" marL="0">
-              <a:lnSpc>
-                <a:spcPts val="1500"/>
-              </a:lnSpc>
-              <a:spcBef>
-                <a:spcPts val="300"/>
-              </a:spcBef>
-              <a:spcAft>
-                <a:spcPts val="300"/>
-              </a:spcAft>
-              <a:buNone/>
-            </a:pPr>
-            <a:r>
-              <a:rPr lang="en-US" sz="1050" b="1" dirty="0">
-                <a:solidFill>
-                  <a:srgbClr val="FFFFFF"/>
-                </a:solidFill>
-                <a:latin typeface="Arial" pitchFamily="34" charset="0"/>
-                <a:ea typeface="Arial" pitchFamily="34" charset="-122"/>
-                <a:cs typeface="Arial" pitchFamily="34" charset="-120"/>
-              </a:rPr>
-              <a:t>4. Modelo ML</a:t>
-            </a:r>
-            <a:endParaRPr lang="en-US" sz="1050" dirty="0"/>
-          </a:p>
-        </p:txBody>
-      </p:sp>
-      <p:sp>
-        <p:nvSpPr>
-          <p:cNvPr id="15" name="Text 13"/>
-          <p:cNvSpPr/>
-          <p:nvPr/>
-        </p:nvSpPr>
-        <p:spPr>
-          <a:xfrm>
-            <a:off x="4514850" y="3314700"/>
-            <a:ext cx="116586" cy="304800"/>
-          </a:xfrm>
-          <a:prstGeom prst="rect">
-            <a:avLst/>
-          </a:prstGeom>
-          <a:noFill/>
-          <a:ln/>
-        </p:spPr>
-        <p:txBody>
-          <a:bodyPr wrap="square" lIns="0" tIns="0" rIns="0" bIns="0" rtlCol="0" anchor="t"/>
-          <a:lstStyle/>
-          <a:p>
-            <a:pPr algn="l" indent="0" marL="0">
-              <a:lnSpc>
-                <a:spcPts val="2400"/>
-              </a:lnSpc>
-              <a:spcBef>
-                <a:spcPts val="300"/>
-              </a:spcBef>
-              <a:spcAft>
-                <a:spcPts val="300"/>
-              </a:spcAft>
-              <a:buNone/>
-            </a:pPr>
-            <a:r>
-              <a:rPr lang="en-US" sz="1800" dirty="0">
-                <a:solidFill>
-                  <a:srgbClr val="1E293B"/>
-                </a:solidFill>
-                <a:latin typeface="Arial" pitchFamily="34" charset="0"/>
-                <a:ea typeface="Arial" pitchFamily="34" charset="-122"/>
-                <a:cs typeface="Arial" pitchFamily="34" charset="-120"/>
-              </a:rPr>
-              <a:t>↓</a:t>
-            </a:r>
-            <a:endParaRPr lang="en-US" sz="1800" dirty="0"/>
-          </a:p>
-        </p:txBody>
-      </p:sp>
-      <p:sp>
-        <p:nvSpPr>
-          <p:cNvPr id="16" name="Text 14"/>
-          <p:cNvSpPr/>
-          <p:nvPr/>
-        </p:nvSpPr>
-        <p:spPr>
-          <a:xfrm>
-            <a:off x="228600" y="3790950"/>
-            <a:ext cx="1333500" cy="266700"/>
-          </a:xfrm>
-          <a:prstGeom prst="roundRect">
-            <a:avLst>
-              <a:gd name="adj" fmla="val 22857"/>
-            </a:avLst>
-          </a:prstGeom>
-          <a:solidFill>
-            <a:srgbClr val="F1F5F9"/>
-          </a:solidFill>
-          <a:ln/>
-        </p:spPr>
-        <p:txBody>
-          <a:bodyPr wrap="square" rtlCol="0" anchor="ctr"/>
-          <a:lstStyle/>
-          <a:p>
-            <a:pPr indent="0" marL="0">
-              <a:buNone/>
-            </a:pPr>
-            <a:endParaRPr lang="en-US" dirty="0"/>
-          </a:p>
-        </p:txBody>
-      </p:sp>
-      <p:sp>
-        <p:nvSpPr>
-          <p:cNvPr id="17" name="Text 15"/>
-          <p:cNvSpPr/>
-          <p:nvPr/>
-        </p:nvSpPr>
-        <p:spPr>
-          <a:xfrm>
-            <a:off x="215265" y="3829050"/>
-            <a:ext cx="1360170" cy="190500"/>
-          </a:xfrm>
-          <a:prstGeom prst="rect">
-            <a:avLst/>
-          </a:prstGeom>
-          <a:noFill/>
-          <a:ln/>
-        </p:spPr>
-        <p:txBody>
-          <a:bodyPr wrap="square" lIns="0" tIns="0" rIns="0" bIns="0" rtlCol="0" anchor="t"/>
-          <a:lstStyle/>
-          <a:p>
-            <a:pPr algn="ctr" indent="0" marL="0">
-              <a:lnSpc>
-                <a:spcPts val="1500"/>
-              </a:lnSpc>
-              <a:spcBef>
-                <a:spcPts val="300"/>
-              </a:spcBef>
-              <a:spcAft>
-                <a:spcPts val="300"/>
-              </a:spcAft>
-              <a:buNone/>
-            </a:pPr>
-            <a:r>
-              <a:rPr lang="en-US" sz="1050" b="1" dirty="0">
-                <a:solidFill>
-                  <a:srgbClr val="1E293B"/>
-                </a:solidFill>
-                <a:latin typeface="Arial" pitchFamily="34" charset="0"/>
-                <a:ea typeface="Arial" pitchFamily="34" charset="-122"/>
-                <a:cs typeface="Arial" pitchFamily="34" charset="-120"/>
-              </a:rPr>
-              <a:t>5. Predicción</a:t>
-            </a:r>
-            <a:endParaRPr lang="en-US" sz="1050" dirty="0"/>
-          </a:p>
-        </p:txBody>
-      </p:sp>
-      <p:sp>
-        <p:nvSpPr>
-          <p:cNvPr id="18" name="Text 16"/>
-          <p:cNvSpPr/>
-          <p:nvPr/>
-        </p:nvSpPr>
-        <p:spPr>
-          <a:xfrm>
-            <a:off x="1714500" y="3771900"/>
-            <a:ext cx="233172" cy="304800"/>
-          </a:xfrm>
-          <a:prstGeom prst="rect">
-            <a:avLst/>
-          </a:prstGeom>
-          <a:noFill/>
-          <a:ln/>
-        </p:spPr>
-        <p:txBody>
-          <a:bodyPr wrap="square" lIns="0" tIns="0" rIns="0" bIns="0" rtlCol="0" anchor="t"/>
-          <a:lstStyle/>
-          <a:p>
-            <a:pPr algn="l" indent="0" marL="0">
-              <a:lnSpc>
-                <a:spcPts val="2400"/>
-              </a:lnSpc>
-              <a:spcBef>
-                <a:spcPts val="300"/>
-              </a:spcBef>
-              <a:spcAft>
-                <a:spcPts val="300"/>
-              </a:spcAft>
-              <a:buNone/>
-            </a:pPr>
-            <a:r>
-              <a:rPr lang="en-US" sz="1800" dirty="0">
-                <a:solidFill>
-                  <a:srgbClr val="1E293B"/>
-                </a:solidFill>
-                <a:latin typeface="Arial" pitchFamily="34" charset="0"/>
-                <a:ea typeface="Arial" pitchFamily="34" charset="-122"/>
-                <a:cs typeface="Arial" pitchFamily="34" charset="-120"/>
-              </a:rPr>
-              <a:t>→</a:t>
-            </a:r>
-            <a:endParaRPr lang="en-US" sz="1800" dirty="0"/>
-          </a:p>
-        </p:txBody>
-      </p:sp>
-      <p:sp>
-        <p:nvSpPr>
           <p:cNvPr id="19" name="Text 17"/>
           <p:cNvSpPr/>
           <p:nvPr/>
         </p:nvSpPr>
         <p:spPr>
           <a:xfrm>
-            <a:off x="2095500" y="3790950"/>
-            <a:ext cx="1333500" cy="266700"/>
-          </a:xfrm>
-          <a:prstGeom prst="roundRect">
-            <a:avLst>
-              <a:gd name="adj" fmla="val 22857"/>
-            </a:avLst>
-          </a:prstGeom>
-          <a:solidFill>
-            <a:srgbClr val="0EA5E9"/>
-          </a:solidFill>
-          <a:ln/>
-        </p:spPr>
-        <p:txBody>
-          <a:bodyPr wrap="square" rtlCol="0" anchor="ctr"/>
-          <a:lstStyle/>
-          <a:p>
-            <a:pPr indent="0" marL="0">
-              <a:buNone/>
-            </a:pPr>
-            <a:endParaRPr lang="en-US" dirty="0"/>
-          </a:p>
-        </p:txBody>
-      </p:sp>
-      <p:sp>
-        <p:nvSpPr>
-          <p:cNvPr id="20" name="Text 18"/>
-          <p:cNvSpPr/>
-          <p:nvPr/>
-        </p:nvSpPr>
-        <p:spPr>
-          <a:xfrm>
-            <a:off x="2082165" y="3829050"/>
-            <a:ext cx="1360170" cy="190500"/>
-          </a:xfrm>
-          <a:prstGeom prst="rect">
-            <a:avLst/>
-          </a:prstGeom>
-          <a:noFill/>
-          <a:ln/>
-        </p:spPr>
-        <p:txBody>
-          <a:bodyPr wrap="square" lIns="0" tIns="0" rIns="0" bIns="0" rtlCol="0" anchor="t"/>
-          <a:lstStyle/>
-          <a:p>
-            <a:pPr algn="ctr" indent="0" marL="0">
-              <a:lnSpc>
-                <a:spcPts val="1500"/>
-              </a:lnSpc>
-              <a:spcBef>
-                <a:spcPts val="300"/>
-              </a:spcBef>
-              <a:spcAft>
-                <a:spcPts val="300"/>
-              </a:spcAft>
-              <a:buNone/>
-            </a:pPr>
-            <a:r>
-              <a:rPr lang="en-US" sz="1050" b="1" dirty="0">
-                <a:solidFill>
-                  <a:srgbClr val="FFFFFF"/>
-                </a:solidFill>
-                <a:latin typeface="Arial" pitchFamily="34" charset="0"/>
-                <a:ea typeface="Arial" pitchFamily="34" charset="-122"/>
-                <a:cs typeface="Arial" pitchFamily="34" charset="-120"/>
-              </a:rPr>
-              <a:t>6. Visualización</a:t>
-            </a:r>
-            <a:endParaRPr lang="en-US" sz="1050" dirty="0"/>
-          </a:p>
-        </p:txBody>
-      </p:sp>
-    </p:spTree>
-  </p:cSld>
-  <p:clrMapOvr>
-    <a:masterClrMapping/>
-  </p:clrMapOvr>
-</p:sld>
-</file>
-
-<file path=ppt/slides/slide9.xml><?xml version="1.0" encoding="utf-8"?>
-<p:sld xmlns:a="http://schemas.openxmlformats.org/drawingml/2006/main" xmlns:r="http://schemas.openxmlformats.org/officeDocument/2006/relationships" xmlns:p="http://schemas.openxmlformats.org/presentationml/2006/main">
-  <p:cSld name="Slide 9">
-    <p:bg>
-      <p:bgPr>
-        <a:solidFill>
-          <a:srgbClr val="FFFFFF"/>
-        </a:solidFill>
-      </p:bgPr>
-    </p:bg>
-    <p:spTree>
-      <p:nvGrpSpPr>
-        <p:cNvPr id="1" name=""/>
-        <p:cNvGrpSpPr/>
-        <p:nvPr/>
-      </p:nvGrpSpPr>
-      <p:grpSpPr>
-        <a:xfrm>
-          <a:off x="0" y="0"/>
-          <a:ext cx="0" cy="0"/>
-          <a:chOff x="0" y="0"/>
-          <a:chExt cx="0" cy="0"/>
-        </a:xfrm>
-      </p:grpSpPr>
-      <p:sp>
-        <p:nvSpPr>
-          <p:cNvPr id="2" name="Text 0"/>
-          <p:cNvSpPr/>
-          <p:nvPr/>
-        </p:nvSpPr>
-        <p:spPr>
-          <a:xfrm>
-            <a:off x="0" y="0"/>
-            <a:ext cx="9144000" cy="838200"/>
-          </a:xfrm>
-          <a:prstGeom prst="rect">
-            <a:avLst/>
-          </a:prstGeom>
-          <a:solidFill>
-            <a:srgbClr val="2563EB"/>
-          </a:solidFill>
-          <a:ln/>
-        </p:spPr>
-        <p:txBody>
-          <a:bodyPr wrap="square" rtlCol="0" anchor="ctr"/>
-          <a:lstStyle/>
-          <a:p>
-            <a:pPr indent="0" marL="0">
-              <a:buNone/>
-            </a:pPr>
-            <a:endParaRPr lang="en-US" dirty="0"/>
-          </a:p>
-        </p:txBody>
-      </p:sp>
-      <p:sp>
-        <p:nvSpPr>
-          <p:cNvPr id="3" name="Text 1"/>
-          <p:cNvSpPr/>
-          <p:nvPr/>
-        </p:nvSpPr>
-        <p:spPr>
-          <a:xfrm>
-            <a:off x="228600" y="228600"/>
-            <a:ext cx="4439984" cy="381000"/>
-          </a:xfrm>
-          <a:prstGeom prst="rect">
-            <a:avLst/>
-          </a:prstGeom>
-          <a:noFill/>
-          <a:ln/>
-        </p:spPr>
-        <p:txBody>
-          <a:bodyPr wrap="square" lIns="0" tIns="0" rIns="0" bIns="0" rtlCol="0" anchor="t"/>
-          <a:lstStyle/>
-          <a:p>
-            <a:pPr algn="l" indent="0" marL="0">
-              <a:lnSpc>
-                <a:spcPts val="3000"/>
-              </a:lnSpc>
-              <a:buNone/>
-            </a:pPr>
-            <a:r>
-              <a:rPr lang="en-US" sz="2700" b="1" dirty="0">
-                <a:solidFill>
-                  <a:srgbClr val="FFFFFF"/>
-                </a:solidFill>
-                <a:latin typeface="Arial" pitchFamily="34" charset="0"/>
-                <a:ea typeface="Arial" pitchFamily="34" charset="-122"/>
-                <a:cs typeface="Arial" pitchFamily="34" charset="-120"/>
-              </a:rPr>
-              <a:t>Aplicaciones Prácticas</a:t>
-            </a:r>
-            <a:endParaRPr lang="en-US" sz="2700" dirty="0"/>
-          </a:p>
-        </p:txBody>
-      </p:sp>
-      <p:sp>
-        <p:nvSpPr>
-          <p:cNvPr id="4" name="Text 2"/>
-          <p:cNvSpPr/>
-          <p:nvPr/>
-        </p:nvSpPr>
-        <p:spPr>
-          <a:xfrm>
-            <a:off x="304800" y="1543050"/>
+            <a:off x="4648200" y="3676650"/>
             <a:ext cx="4191000" cy="914400"/>
           </a:xfrm>
           <a:prstGeom prst="roundRect">
@@ -9102,617 +9314,7 @@
           <a:bodyPr wrap="square" rtlCol="0" anchor="ctr"/>
           <a:lstStyle/>
           <a:p>
-            <a:pPr indent="0" marL="0">
-              <a:buNone/>
-            </a:pPr>
-            <a:endParaRPr lang="en-US" dirty="0"/>
-          </a:p>
-        </p:txBody>
-      </p:sp>
-      <p:sp>
-        <p:nvSpPr>
-          <p:cNvPr id="5" name="Text 3"/>
-          <p:cNvSpPr/>
-          <p:nvPr/>
-        </p:nvSpPr>
-        <p:spPr>
-          <a:xfrm>
-            <a:off x="457200" y="1695450"/>
-            <a:ext cx="3963924" cy="266700"/>
-          </a:xfrm>
-          <a:prstGeom prst="rect">
-            <a:avLst/>
-          </a:prstGeom>
-          <a:noFill/>
-          <a:ln/>
-        </p:spPr>
-        <p:txBody>
-          <a:bodyPr wrap="square" lIns="0" tIns="0" rIns="0" bIns="0" rtlCol="0" anchor="t"/>
-          <a:lstStyle/>
-          <a:p>
-            <a:pPr algn="l" indent="0" marL="0">
-              <a:lnSpc>
-                <a:spcPts val="2100"/>
-              </a:lnSpc>
-              <a:buNone/>
-            </a:pPr>
-            <a:r>
-              <a:rPr lang="en-US" sz="1350" b="1" dirty="0">
-                <a:solidFill>
-                  <a:srgbClr val="2563EB"/>
-                </a:solidFill>
-                <a:latin typeface="Arial" pitchFamily="34" charset="0"/>
-                <a:ea typeface="Arial" pitchFamily="34" charset="-122"/>
-                <a:cs typeface="Arial" pitchFamily="34" charset="-120"/>
-              </a:rPr>
-              <a:t>📰 Clasificación de Noticias</a:t>
-            </a:r>
-            <a:endParaRPr lang="en-US" sz="1350" dirty="0"/>
-          </a:p>
-        </p:txBody>
-      </p:sp>
-      <p:sp>
-        <p:nvSpPr>
-          <p:cNvPr id="6" name="Text 4"/>
-          <p:cNvSpPr/>
-          <p:nvPr/>
-        </p:nvSpPr>
-        <p:spPr>
-          <a:xfrm>
-            <a:off x="457200" y="2076450"/>
-            <a:ext cx="3963924" cy="190500"/>
-          </a:xfrm>
-          <a:prstGeom prst="rect">
-            <a:avLst/>
-          </a:prstGeom>
-          <a:noFill/>
-          <a:ln/>
-        </p:spPr>
-        <p:txBody>
-          <a:bodyPr wrap="square" lIns="0" tIns="0" rIns="0" bIns="0" rtlCol="0" anchor="t"/>
-          <a:lstStyle/>
-          <a:p>
-            <a:pPr algn="l" indent="0" marL="0">
-              <a:lnSpc>
-                <a:spcPts val="1500"/>
-              </a:lnSpc>
-              <a:spcBef>
-                <a:spcPts val="300"/>
-              </a:spcBef>
-              <a:spcAft>
-                <a:spcPts val="300"/>
-              </a:spcAft>
-              <a:buNone/>
-            </a:pPr>
-            <a:r>
-              <a:rPr lang="en-US" sz="1050" dirty="0">
-                <a:solidFill>
-                  <a:srgbClr val="1E293B"/>
-                </a:solidFill>
-                <a:latin typeface="Arial" pitchFamily="34" charset="0"/>
-                <a:ea typeface="Arial" pitchFamily="34" charset="-122"/>
-                <a:cs typeface="Arial" pitchFamily="34" charset="-120"/>
-              </a:rPr>
-              <a:t>Categorización automática por tema</a:t>
-            </a:r>
-            <a:endParaRPr lang="en-US" sz="1050" dirty="0"/>
-          </a:p>
-        </p:txBody>
-      </p:sp>
-      <p:sp>
-        <p:nvSpPr>
-          <p:cNvPr id="7" name="Text 5"/>
-          <p:cNvSpPr/>
-          <p:nvPr/>
-        </p:nvSpPr>
-        <p:spPr>
-          <a:xfrm>
-            <a:off x="4648200" y="1543050"/>
-            <a:ext cx="4191000" cy="914400"/>
-          </a:xfrm>
-          <a:prstGeom prst="roundRect">
-            <a:avLst>
-              <a:gd name="adj" fmla="val 6667"/>
-            </a:avLst>
-          </a:prstGeom>
-          <a:solidFill>
-            <a:srgbClr val="F1F5F9"/>
-          </a:solidFill>
-          <a:ln/>
-        </p:spPr>
-        <p:txBody>
-          <a:bodyPr wrap="square" rtlCol="0" anchor="ctr"/>
-          <a:lstStyle/>
-          <a:p>
-            <a:pPr indent="0" marL="0">
-              <a:buNone/>
-            </a:pPr>
-            <a:endParaRPr lang="en-US" dirty="0"/>
-          </a:p>
-        </p:txBody>
-      </p:sp>
-      <p:sp>
-        <p:nvSpPr>
-          <p:cNvPr id="8" name="Text 6"/>
-          <p:cNvSpPr/>
-          <p:nvPr/>
-        </p:nvSpPr>
-        <p:spPr>
-          <a:xfrm>
-            <a:off x="4800600" y="1695450"/>
-            <a:ext cx="3963924" cy="266700"/>
-          </a:xfrm>
-          <a:prstGeom prst="rect">
-            <a:avLst/>
-          </a:prstGeom>
-          <a:noFill/>
-          <a:ln/>
-        </p:spPr>
-        <p:txBody>
-          <a:bodyPr wrap="square" lIns="0" tIns="0" rIns="0" bIns="0" rtlCol="0" anchor="t"/>
-          <a:lstStyle/>
-          <a:p>
-            <a:pPr algn="l" indent="0" marL="0">
-              <a:lnSpc>
-                <a:spcPts val="2100"/>
-              </a:lnSpc>
-              <a:buNone/>
-            </a:pPr>
-            <a:r>
-              <a:rPr lang="en-US" sz="1350" b="1" dirty="0">
-                <a:solidFill>
-                  <a:srgbClr val="2563EB"/>
-                </a:solidFill>
-                <a:latin typeface="Arial" pitchFamily="34" charset="0"/>
-                <a:ea typeface="Arial" pitchFamily="34" charset="-122"/>
-                <a:cs typeface="Arial" pitchFamily="34" charset="-120"/>
-              </a:rPr>
-              <a:t>💬 Análisis de Sentimientos</a:t>
-            </a:r>
-            <a:endParaRPr lang="en-US" sz="1350" dirty="0"/>
-          </a:p>
-        </p:txBody>
-      </p:sp>
-      <p:sp>
-        <p:nvSpPr>
-          <p:cNvPr id="9" name="Text 7"/>
-          <p:cNvSpPr/>
-          <p:nvPr/>
-        </p:nvSpPr>
-        <p:spPr>
-          <a:xfrm>
-            <a:off x="4800600" y="2076450"/>
-            <a:ext cx="3963924" cy="190500"/>
-          </a:xfrm>
-          <a:prstGeom prst="rect">
-            <a:avLst/>
-          </a:prstGeom>
-          <a:noFill/>
-          <a:ln/>
-        </p:spPr>
-        <p:txBody>
-          <a:bodyPr wrap="square" lIns="0" tIns="0" rIns="0" bIns="0" rtlCol="0" anchor="t"/>
-          <a:lstStyle/>
-          <a:p>
-            <a:pPr algn="l" indent="0" marL="0">
-              <a:lnSpc>
-                <a:spcPts val="1500"/>
-              </a:lnSpc>
-              <a:spcBef>
-                <a:spcPts val="300"/>
-              </a:spcBef>
-              <a:spcAft>
-                <a:spcPts val="300"/>
-              </a:spcAft>
-              <a:buNone/>
-            </a:pPr>
-            <a:r>
-              <a:rPr lang="en-US" sz="1050" dirty="0">
-                <a:solidFill>
-                  <a:srgbClr val="1E293B"/>
-                </a:solidFill>
-                <a:latin typeface="Arial" pitchFamily="34" charset="0"/>
-                <a:ea typeface="Arial" pitchFamily="34" charset="-122"/>
-                <a:cs typeface="Arial" pitchFamily="34" charset="-120"/>
-              </a:rPr>
-              <a:t>Opiniones en redes sociales</a:t>
-            </a:r>
-            <a:endParaRPr lang="en-US" sz="1050" dirty="0"/>
-          </a:p>
-        </p:txBody>
-      </p:sp>
-      <p:sp>
-        <p:nvSpPr>
-          <p:cNvPr id="10" name="Text 8"/>
-          <p:cNvSpPr/>
-          <p:nvPr/>
-        </p:nvSpPr>
-        <p:spPr>
-          <a:xfrm>
-            <a:off x="304800" y="2609850"/>
-            <a:ext cx="4191000" cy="914400"/>
-          </a:xfrm>
-          <a:prstGeom prst="roundRect">
-            <a:avLst>
-              <a:gd name="adj" fmla="val 6667"/>
-            </a:avLst>
-          </a:prstGeom>
-          <a:solidFill>
-            <a:srgbClr val="F1F5F9"/>
-          </a:solidFill>
-          <a:ln/>
-        </p:spPr>
-        <p:txBody>
-          <a:bodyPr wrap="square" rtlCol="0" anchor="ctr"/>
-          <a:lstStyle/>
-          <a:p>
-            <a:pPr indent="0" marL="0">
-              <a:buNone/>
-            </a:pPr>
-            <a:endParaRPr lang="en-US" dirty="0"/>
-          </a:p>
-        </p:txBody>
-      </p:sp>
-      <p:sp>
-        <p:nvSpPr>
-          <p:cNvPr id="11" name="Text 9"/>
-          <p:cNvSpPr/>
-          <p:nvPr/>
-        </p:nvSpPr>
-        <p:spPr>
-          <a:xfrm>
-            <a:off x="457200" y="2762250"/>
-            <a:ext cx="3963924" cy="266700"/>
-          </a:xfrm>
-          <a:prstGeom prst="rect">
-            <a:avLst/>
-          </a:prstGeom>
-          <a:noFill/>
-          <a:ln/>
-        </p:spPr>
-        <p:txBody>
-          <a:bodyPr wrap="square" lIns="0" tIns="0" rIns="0" bIns="0" rtlCol="0" anchor="t"/>
-          <a:lstStyle/>
-          <a:p>
-            <a:pPr algn="l" indent="0" marL="0">
-              <a:lnSpc>
-                <a:spcPts val="2100"/>
-              </a:lnSpc>
-              <a:buNone/>
-            </a:pPr>
-            <a:r>
-              <a:rPr lang="en-US" sz="1350" b="1" dirty="0">
-                <a:solidFill>
-                  <a:srgbClr val="2563EB"/>
-                </a:solidFill>
-                <a:latin typeface="Arial" pitchFamily="34" charset="0"/>
-                <a:ea typeface="Arial" pitchFamily="34" charset="-122"/>
-                <a:cs typeface="Arial" pitchFamily="34" charset="-120"/>
-              </a:rPr>
-              <a:t>🚫 Detección de Spam</a:t>
-            </a:r>
-            <a:endParaRPr lang="en-US" sz="1350" dirty="0"/>
-          </a:p>
-        </p:txBody>
-      </p:sp>
-      <p:sp>
-        <p:nvSpPr>
-          <p:cNvPr id="12" name="Text 10"/>
-          <p:cNvSpPr/>
-          <p:nvPr/>
-        </p:nvSpPr>
-        <p:spPr>
-          <a:xfrm>
-            <a:off x="457200" y="3143250"/>
-            <a:ext cx="3963924" cy="190500"/>
-          </a:xfrm>
-          <a:prstGeom prst="rect">
-            <a:avLst/>
-          </a:prstGeom>
-          <a:noFill/>
-          <a:ln/>
-        </p:spPr>
-        <p:txBody>
-          <a:bodyPr wrap="square" lIns="0" tIns="0" rIns="0" bIns="0" rtlCol="0" anchor="t"/>
-          <a:lstStyle/>
-          <a:p>
-            <a:pPr algn="l" indent="0" marL="0">
-              <a:lnSpc>
-                <a:spcPts val="1500"/>
-              </a:lnSpc>
-              <a:spcBef>
-                <a:spcPts val="300"/>
-              </a:spcBef>
-              <a:spcAft>
-                <a:spcPts val="300"/>
-              </a:spcAft>
-              <a:buNone/>
-            </a:pPr>
-            <a:r>
-              <a:rPr lang="en-US" sz="1050" dirty="0">
-                <a:solidFill>
-                  <a:srgbClr val="1E293B"/>
-                </a:solidFill>
-                <a:latin typeface="Arial" pitchFamily="34" charset="0"/>
-                <a:ea typeface="Arial" pitchFamily="34" charset="-122"/>
-                <a:cs typeface="Arial" pitchFamily="34" charset="-120"/>
-              </a:rPr>
-              <a:t>Filtrado de correos no deseados</a:t>
-            </a:r>
-            <a:endParaRPr lang="en-US" sz="1050" dirty="0"/>
-          </a:p>
-        </p:txBody>
-      </p:sp>
-      <p:sp>
-        <p:nvSpPr>
-          <p:cNvPr id="13" name="Text 11"/>
-          <p:cNvSpPr/>
-          <p:nvPr/>
-        </p:nvSpPr>
-        <p:spPr>
-          <a:xfrm>
-            <a:off x="4648200" y="2609850"/>
-            <a:ext cx="4191000" cy="914400"/>
-          </a:xfrm>
-          <a:prstGeom prst="roundRect">
-            <a:avLst>
-              <a:gd name="adj" fmla="val 6667"/>
-            </a:avLst>
-          </a:prstGeom>
-          <a:solidFill>
-            <a:srgbClr val="F1F5F9"/>
-          </a:solidFill>
-          <a:ln/>
-        </p:spPr>
-        <p:txBody>
-          <a:bodyPr wrap="square" rtlCol="0" anchor="ctr"/>
-          <a:lstStyle/>
-          <a:p>
-            <a:pPr indent="0" marL="0">
-              <a:buNone/>
-            </a:pPr>
-            <a:endParaRPr lang="en-US" dirty="0"/>
-          </a:p>
-        </p:txBody>
-      </p:sp>
-      <p:sp>
-        <p:nvSpPr>
-          <p:cNvPr id="14" name="Text 12"/>
-          <p:cNvSpPr/>
-          <p:nvPr/>
-        </p:nvSpPr>
-        <p:spPr>
-          <a:xfrm>
-            <a:off x="4800600" y="2762250"/>
-            <a:ext cx="3963924" cy="266700"/>
-          </a:xfrm>
-          <a:prstGeom prst="rect">
-            <a:avLst/>
-          </a:prstGeom>
-          <a:noFill/>
-          <a:ln/>
-        </p:spPr>
-        <p:txBody>
-          <a:bodyPr wrap="square" lIns="0" tIns="0" rIns="0" bIns="0" rtlCol="0" anchor="t"/>
-          <a:lstStyle/>
-          <a:p>
-            <a:pPr algn="l" indent="0" marL="0">
-              <a:lnSpc>
-                <a:spcPts val="2100"/>
-              </a:lnSpc>
-              <a:buNone/>
-            </a:pPr>
-            <a:r>
-              <a:rPr lang="en-US" sz="1350" b="1" dirty="0">
-                <a:solidFill>
-                  <a:srgbClr val="2563EB"/>
-                </a:solidFill>
-                <a:latin typeface="Arial" pitchFamily="34" charset="0"/>
-                <a:ea typeface="Arial" pitchFamily="34" charset="-122"/>
-                <a:cs typeface="Arial" pitchFamily="34" charset="-120"/>
-              </a:rPr>
-              <a:t>🔍 Recomendaciones</a:t>
-            </a:r>
-            <a:endParaRPr lang="en-US" sz="1350" dirty="0"/>
-          </a:p>
-        </p:txBody>
-      </p:sp>
-      <p:sp>
-        <p:nvSpPr>
-          <p:cNvPr id="15" name="Text 13"/>
-          <p:cNvSpPr/>
-          <p:nvPr/>
-        </p:nvSpPr>
-        <p:spPr>
-          <a:xfrm>
-            <a:off x="4800600" y="3143250"/>
-            <a:ext cx="3963924" cy="190500"/>
-          </a:xfrm>
-          <a:prstGeom prst="rect">
-            <a:avLst/>
-          </a:prstGeom>
-          <a:noFill/>
-          <a:ln/>
-        </p:spPr>
-        <p:txBody>
-          <a:bodyPr wrap="square" lIns="0" tIns="0" rIns="0" bIns="0" rtlCol="0" anchor="t"/>
-          <a:lstStyle/>
-          <a:p>
-            <a:pPr algn="l" indent="0" marL="0">
-              <a:lnSpc>
-                <a:spcPts val="1500"/>
-              </a:lnSpc>
-              <a:spcBef>
-                <a:spcPts val="300"/>
-              </a:spcBef>
-              <a:spcAft>
-                <a:spcPts val="300"/>
-              </a:spcAft>
-              <a:buNone/>
-            </a:pPr>
-            <a:r>
-              <a:rPr lang="en-US" sz="1050" dirty="0">
-                <a:solidFill>
-                  <a:srgbClr val="1E293B"/>
-                </a:solidFill>
-                <a:latin typeface="Arial" pitchFamily="34" charset="0"/>
-                <a:ea typeface="Arial" pitchFamily="34" charset="-122"/>
-                <a:cs typeface="Arial" pitchFamily="34" charset="-120"/>
-              </a:rPr>
-              <a:t>Sistemas de contenido similar</a:t>
-            </a:r>
-            <a:endParaRPr lang="en-US" sz="1050" dirty="0"/>
-          </a:p>
-        </p:txBody>
-      </p:sp>
-      <p:sp>
-        <p:nvSpPr>
-          <p:cNvPr id="16" name="Text 14"/>
-          <p:cNvSpPr/>
-          <p:nvPr/>
-        </p:nvSpPr>
-        <p:spPr>
-          <a:xfrm>
-            <a:off x="304800" y="3676650"/>
-            <a:ext cx="4191000" cy="914400"/>
-          </a:xfrm>
-          <a:prstGeom prst="roundRect">
-            <a:avLst>
-              <a:gd name="adj" fmla="val 6667"/>
-            </a:avLst>
-          </a:prstGeom>
-          <a:solidFill>
-            <a:srgbClr val="F1F5F9"/>
-          </a:solidFill>
-          <a:ln/>
-        </p:spPr>
-        <p:txBody>
-          <a:bodyPr wrap="square" rtlCol="0" anchor="ctr"/>
-          <a:lstStyle/>
-          <a:p>
-            <a:pPr indent="0" marL="0">
-              <a:buNone/>
-            </a:pPr>
-            <a:endParaRPr lang="en-US" dirty="0"/>
-          </a:p>
-        </p:txBody>
-      </p:sp>
-      <p:sp>
-        <p:nvSpPr>
-          <p:cNvPr id="17" name="Text 15"/>
-          <p:cNvSpPr/>
-          <p:nvPr/>
-        </p:nvSpPr>
-        <p:spPr>
-          <a:xfrm>
-            <a:off x="457200" y="3829050"/>
-            <a:ext cx="3963924" cy="266700"/>
-          </a:xfrm>
-          <a:prstGeom prst="rect">
-            <a:avLst/>
-          </a:prstGeom>
-          <a:noFill/>
-          <a:ln/>
-        </p:spPr>
-        <p:txBody>
-          <a:bodyPr wrap="square" lIns="0" tIns="0" rIns="0" bIns="0" rtlCol="0" anchor="t"/>
-          <a:lstStyle/>
-          <a:p>
-            <a:pPr algn="l" indent="0" marL="0">
-              <a:lnSpc>
-                <a:spcPts val="2100"/>
-              </a:lnSpc>
-              <a:buNone/>
-            </a:pPr>
-            <a:r>
-              <a:rPr lang="en-US" sz="1350" b="1" dirty="0">
-                <a:solidFill>
-                  <a:srgbClr val="2563EB"/>
-                </a:solidFill>
-                <a:latin typeface="Arial" pitchFamily="34" charset="0"/>
-                <a:ea typeface="Arial" pitchFamily="34" charset="-122"/>
-                <a:cs typeface="Arial" pitchFamily="34" charset="-120"/>
-              </a:rPr>
-              <a:t>📊 Análisis de Tendencias</a:t>
-            </a:r>
-            <a:endParaRPr lang="en-US" sz="1350" dirty="0"/>
-          </a:p>
-        </p:txBody>
-      </p:sp>
-      <p:sp>
-        <p:nvSpPr>
-          <p:cNvPr id="18" name="Text 16"/>
-          <p:cNvSpPr/>
-          <p:nvPr/>
-        </p:nvSpPr>
-        <p:spPr>
-          <a:xfrm>
-            <a:off x="457200" y="4210050"/>
-            <a:ext cx="3963924" cy="190500"/>
-          </a:xfrm>
-          <a:prstGeom prst="rect">
-            <a:avLst/>
-          </a:prstGeom>
-          <a:noFill/>
-          <a:ln/>
-        </p:spPr>
-        <p:txBody>
-          <a:bodyPr wrap="square" lIns="0" tIns="0" rIns="0" bIns="0" rtlCol="0" anchor="t"/>
-          <a:lstStyle/>
-          <a:p>
-            <a:pPr algn="l" indent="0" marL="0">
-              <a:lnSpc>
-                <a:spcPts val="1500"/>
-              </a:lnSpc>
-              <a:spcBef>
-                <a:spcPts val="300"/>
-              </a:spcBef>
-              <a:spcAft>
-                <a:spcPts val="300"/>
-              </a:spcAft>
-              <a:buNone/>
-            </a:pPr>
-            <a:r>
-              <a:rPr lang="en-US" sz="1050" dirty="0">
-                <a:solidFill>
-                  <a:srgbClr val="1E293B"/>
-                </a:solidFill>
-                <a:latin typeface="Arial" pitchFamily="34" charset="0"/>
-                <a:ea typeface="Arial" pitchFamily="34" charset="-122"/>
-                <a:cs typeface="Arial" pitchFamily="34" charset="-120"/>
-              </a:rPr>
-              <a:t>Identificar tópicos populares</a:t>
-            </a:r>
-            <a:endParaRPr lang="en-US" sz="1050" dirty="0"/>
-          </a:p>
-        </p:txBody>
-      </p:sp>
-      <p:sp>
-        <p:nvSpPr>
-          <p:cNvPr id="19" name="Text 17"/>
-          <p:cNvSpPr/>
-          <p:nvPr/>
-        </p:nvSpPr>
-        <p:spPr>
-          <a:xfrm>
-            <a:off x="4648200" y="3676650"/>
-            <a:ext cx="4191000" cy="914400"/>
-          </a:xfrm>
-          <a:prstGeom prst="roundRect">
-            <a:avLst>
-              <a:gd name="adj" fmla="val 6667"/>
-            </a:avLst>
-          </a:prstGeom>
-          <a:solidFill>
-            <a:srgbClr val="F1F5F9"/>
-          </a:solidFill>
-          <a:ln/>
-        </p:spPr>
-        <p:txBody>
-          <a:bodyPr wrap="square" rtlCol="0" anchor="ctr"/>
-          <a:lstStyle/>
-          <a:p>
-            <a:pPr indent="0" marL="0">
+            <a:pPr marL="0" indent="0">
               <a:buNone/>
             </a:pPr>
             <a:endParaRPr lang="en-US" dirty="0"/>
@@ -9740,7 +9342,7 @@
           <a:bodyPr wrap="square" lIns="0" tIns="0" rIns="0" bIns="0" rtlCol="0" anchor="t"/>
           <a:lstStyle/>
           <a:p>
-            <a:pPr algn="l" indent="0" marL="0">
+            <a:pPr marL="0" indent="0" algn="l">
               <a:lnSpc>
                 <a:spcPts val="2100"/>
               </a:lnSpc>
@@ -9782,7 +9384,7 @@
           <a:bodyPr wrap="square" lIns="0" tIns="0" rIns="0" bIns="0" rtlCol="0" anchor="t"/>
           <a:lstStyle/>
           <a:p>
-            <a:pPr algn="l" indent="0" marL="0">
+            <a:pPr marL="0" indent="0" algn="l">
               <a:lnSpc>
                 <a:spcPts val="1500"/>
               </a:lnSpc>
@@ -10110,4 +9712,319 @@
     </a:ext>
   </a:extLst>
 </a:theme>
+</file>
+
+<file path=ppt/theme/theme2.xml><?xml version="1.0" encoding="utf-8"?>
+<a:theme xmlns:a="http://schemas.openxmlformats.org/drawingml/2006/main" name="Tema de Office">
+  <a:themeElements>
+    <a:clrScheme name="Office">
+      <a:dk1>
+        <a:sysClr val="windowText" lastClr="000000"/>
+      </a:dk1>
+      <a:lt1>
+        <a:sysClr val="window" lastClr="FFFFFF"/>
+      </a:lt1>
+      <a:dk2>
+        <a:srgbClr val="0E2841"/>
+      </a:dk2>
+      <a:lt2>
+        <a:srgbClr val="E8E8E8"/>
+      </a:lt2>
+      <a:accent1>
+        <a:srgbClr val="156082"/>
+      </a:accent1>
+      <a:accent2>
+        <a:srgbClr val="E97132"/>
+      </a:accent2>
+      <a:accent3>
+        <a:srgbClr val="196B24"/>
+      </a:accent3>
+      <a:accent4>
+        <a:srgbClr val="0F9ED5"/>
+      </a:accent4>
+      <a:accent5>
+        <a:srgbClr val="A02B93"/>
+      </a:accent5>
+      <a:accent6>
+        <a:srgbClr val="4EA72E"/>
+      </a:accent6>
+      <a:hlink>
+        <a:srgbClr val="467886"/>
+      </a:hlink>
+      <a:folHlink>
+        <a:srgbClr val="96607D"/>
+      </a:folHlink>
+    </a:clrScheme>
+    <a:fontScheme name="Office">
+      <a:majorFont>
+        <a:latin typeface="Aptos Display" panose="02110004020202020204"/>
+        <a:ea typeface=""/>
+        <a:cs typeface=""/>
+        <a:font script="Jpan" typeface="游ゴシック Light"/>
+        <a:font script="Hang" typeface="맑은 고딕"/>
+        <a:font script="Hans" typeface="等线 Light"/>
+        <a:font script="Hant" typeface="新細明體"/>
+        <a:font script="Arab" typeface="Times New Roman"/>
+        <a:font script="Hebr" typeface="Times New Roman"/>
+        <a:font script="Thai" typeface="Angsana New"/>
+        <a:font script="Ethi" typeface="Nyala"/>
+        <a:font script="Beng" typeface="Vrinda"/>
+        <a:font script="Gujr" typeface="Shruti"/>
+        <a:font script="Khmr" typeface="MoolBoran"/>
+        <a:font script="Knda" typeface="Tunga"/>
+        <a:font script="Guru" typeface="Raavi"/>
+        <a:font script="Cans" typeface="Euphemia"/>
+        <a:font script="Cher" typeface="Plantagenet Cherokee"/>
+        <a:font script="Yiii" typeface="Microsoft Yi Baiti"/>
+        <a:font script="Tibt" typeface="Microsoft Himalaya"/>
+        <a:font script="Thaa" typeface="MV Boli"/>
+        <a:font script="Deva" typeface="Mangal"/>
+        <a:font script="Telu" typeface="Gautami"/>
+        <a:font script="Taml" typeface="Latha"/>
+        <a:font script="Syrc" typeface="Estrangelo Edessa"/>
+        <a:font script="Orya" typeface="Kalinga"/>
+        <a:font script="Mlym" typeface="Kartika"/>
+        <a:font script="Laoo" typeface="DokChampa"/>
+        <a:font script="Sinh" typeface="Iskoola Pota"/>
+        <a:font script="Mong" typeface="Mongolian Baiti"/>
+        <a:font script="Viet" typeface="Times New Roman"/>
+        <a:font script="Uigh" typeface="Microsoft Uighur"/>
+        <a:font script="Geor" typeface="Sylfaen"/>
+        <a:font script="Armn" typeface="Arial"/>
+        <a:font script="Bugi" typeface="Leelawadee UI"/>
+        <a:font script="Bopo" typeface="Microsoft JhengHei"/>
+        <a:font script="Java" typeface="Javanese Text"/>
+        <a:font script="Lisu" typeface="Segoe UI"/>
+        <a:font script="Mymr" typeface="Myanmar Text"/>
+        <a:font script="Nkoo" typeface="Ebrima"/>
+        <a:font script="Olck" typeface="Nirmala UI"/>
+        <a:font script="Osma" typeface="Ebrima"/>
+        <a:font script="Phag" typeface="Phagspa"/>
+        <a:font script="Syrn" typeface="Estrangelo Edessa"/>
+        <a:font script="Syrj" typeface="Estrangelo Edessa"/>
+        <a:font script="Syre" typeface="Estrangelo Edessa"/>
+        <a:font script="Sora" typeface="Nirmala UI"/>
+        <a:font script="Tale" typeface="Microsoft Tai Le"/>
+        <a:font script="Talu" typeface="Microsoft New Tai Lue"/>
+        <a:font script="Tfng" typeface="Ebrima"/>
+      </a:majorFont>
+      <a:minorFont>
+        <a:latin typeface="Aptos" panose="02110004020202020204"/>
+        <a:ea typeface=""/>
+        <a:cs typeface=""/>
+        <a:font script="Jpan" typeface="游ゴシック"/>
+        <a:font script="Hang" typeface="맑은 고딕"/>
+        <a:font script="Hans" typeface="等线"/>
+        <a:font script="Hant" typeface="新細明體"/>
+        <a:font script="Arab" typeface="Arial"/>
+        <a:font script="Hebr" typeface="Arial"/>
+        <a:font script="Thai" typeface="Cordia New"/>
+        <a:font script="Ethi" typeface="Nyala"/>
+        <a:font script="Beng" typeface="Vrinda"/>
+        <a:font script="Gujr" typeface="Shruti"/>
+        <a:font script="Khmr" typeface="DaunPenh"/>
+        <a:font script="Knda" typeface="Tunga"/>
+        <a:font script="Guru" typeface="Raavi"/>
+        <a:font script="Cans" typeface="Euphemia"/>
+        <a:font script="Cher" typeface="Plantagenet Cherokee"/>
+        <a:font script="Yiii" typeface="Microsoft Yi Baiti"/>
+        <a:font script="Tibt" typeface="Microsoft Himalaya"/>
+        <a:font script="Thaa" typeface="MV Boli"/>
+        <a:font script="Deva" typeface="Mangal"/>
+        <a:font script="Telu" typeface="Gautami"/>
+        <a:font script="Taml" typeface="Latha"/>
+        <a:font script="Syrc" typeface="Estrangelo Edessa"/>
+        <a:font script="Orya" typeface="Kalinga"/>
+        <a:font script="Mlym" typeface="Kartika"/>
+        <a:font script="Laoo" typeface="DokChampa"/>
+        <a:font script="Sinh" typeface="Iskoola Pota"/>
+        <a:font script="Mong" typeface="Mongolian Baiti"/>
+        <a:font script="Viet" typeface="Arial"/>
+        <a:font script="Uigh" typeface="Microsoft Uighur"/>
+        <a:font script="Geor" typeface="Sylfaen"/>
+        <a:font script="Armn" typeface="Arial"/>
+        <a:font script="Bugi" typeface="Leelawadee UI"/>
+        <a:font script="Bopo" typeface="Microsoft JhengHei"/>
+        <a:font script="Java" typeface="Javanese Text"/>
+        <a:font script="Lisu" typeface="Segoe UI"/>
+        <a:font script="Mymr" typeface="Myanmar Text"/>
+        <a:font script="Nkoo" typeface="Ebrima"/>
+        <a:font script="Olck" typeface="Nirmala UI"/>
+        <a:font script="Osma" typeface="Ebrima"/>
+        <a:font script="Phag" typeface="Phagspa"/>
+        <a:font script="Syrn" typeface="Estrangelo Edessa"/>
+        <a:font script="Syrj" typeface="Estrangelo Edessa"/>
+        <a:font script="Syre" typeface="Estrangelo Edessa"/>
+        <a:font script="Sora" typeface="Nirmala UI"/>
+        <a:font script="Tale" typeface="Microsoft Tai Le"/>
+        <a:font script="Talu" typeface="Microsoft New Tai Lue"/>
+        <a:font script="Tfng" typeface="Ebrima"/>
+      </a:minorFont>
+    </a:fontScheme>
+    <a:fmtScheme name="Office">
+      <a:fillStyleLst>
+        <a:solidFill>
+          <a:schemeClr val="phClr"/>
+        </a:solidFill>
+        <a:gradFill rotWithShape="1">
+          <a:gsLst>
+            <a:gs pos="0">
+              <a:schemeClr val="phClr">
+                <a:lumMod val="110000"/>
+                <a:satMod val="105000"/>
+                <a:tint val="67000"/>
+              </a:schemeClr>
+            </a:gs>
+            <a:gs pos="50000">
+              <a:schemeClr val="phClr">
+                <a:lumMod val="105000"/>
+                <a:satMod val="103000"/>
+                <a:tint val="73000"/>
+              </a:schemeClr>
+            </a:gs>
+            <a:gs pos="100000">
+              <a:schemeClr val="phClr">
+                <a:lumMod val="105000"/>
+                <a:satMod val="109000"/>
+                <a:tint val="81000"/>
+              </a:schemeClr>
+            </a:gs>
+          </a:gsLst>
+          <a:lin ang="5400000" scaled="0"/>
+        </a:gradFill>
+        <a:gradFill rotWithShape="1">
+          <a:gsLst>
+            <a:gs pos="0">
+              <a:schemeClr val="phClr">
+                <a:satMod val="103000"/>
+                <a:lumMod val="102000"/>
+                <a:tint val="94000"/>
+              </a:schemeClr>
+            </a:gs>
+            <a:gs pos="50000">
+              <a:schemeClr val="phClr">
+                <a:satMod val="110000"/>
+                <a:lumMod val="100000"/>
+                <a:shade val="100000"/>
+              </a:schemeClr>
+            </a:gs>
+            <a:gs pos="100000">
+              <a:schemeClr val="phClr">
+                <a:lumMod val="99000"/>
+                <a:satMod val="120000"/>
+                <a:shade val="78000"/>
+              </a:schemeClr>
+            </a:gs>
+          </a:gsLst>
+          <a:lin ang="5400000" scaled="0"/>
+        </a:gradFill>
+      </a:fillStyleLst>
+      <a:lnStyleLst>
+        <a:ln w="12700" cap="flat" cmpd="sng" algn="ctr">
+          <a:solidFill>
+            <a:schemeClr val="phClr"/>
+          </a:solidFill>
+          <a:prstDash val="solid"/>
+          <a:miter lim="800000"/>
+        </a:ln>
+        <a:ln w="19050" cap="flat" cmpd="sng" algn="ctr">
+          <a:solidFill>
+            <a:schemeClr val="phClr"/>
+          </a:solidFill>
+          <a:prstDash val="solid"/>
+          <a:miter lim="800000"/>
+        </a:ln>
+        <a:ln w="25400" cap="flat" cmpd="sng" algn="ctr">
+          <a:solidFill>
+            <a:schemeClr val="phClr"/>
+          </a:solidFill>
+          <a:prstDash val="solid"/>
+          <a:miter lim="800000"/>
+        </a:ln>
+      </a:lnStyleLst>
+      <a:effectStyleLst>
+        <a:effectStyle>
+          <a:effectLst/>
+        </a:effectStyle>
+        <a:effectStyle>
+          <a:effectLst/>
+        </a:effectStyle>
+        <a:effectStyle>
+          <a:effectLst>
+            <a:outerShdw blurRad="57150" dist="19050" dir="5400000" algn="ctr" rotWithShape="0">
+              <a:srgbClr val="000000">
+                <a:alpha val="63000"/>
+              </a:srgbClr>
+            </a:outerShdw>
+          </a:effectLst>
+        </a:effectStyle>
+      </a:effectStyleLst>
+      <a:bgFillStyleLst>
+        <a:solidFill>
+          <a:schemeClr val="phClr"/>
+        </a:solidFill>
+        <a:solidFill>
+          <a:schemeClr val="phClr">
+            <a:tint val="95000"/>
+            <a:satMod val="170000"/>
+          </a:schemeClr>
+        </a:solidFill>
+        <a:gradFill rotWithShape="1">
+          <a:gsLst>
+            <a:gs pos="0">
+              <a:schemeClr val="phClr">
+                <a:tint val="93000"/>
+                <a:satMod val="150000"/>
+                <a:shade val="98000"/>
+                <a:lumMod val="102000"/>
+              </a:schemeClr>
+            </a:gs>
+            <a:gs pos="50000">
+              <a:schemeClr val="phClr">
+                <a:tint val="98000"/>
+                <a:satMod val="130000"/>
+                <a:shade val="90000"/>
+                <a:lumMod val="103000"/>
+              </a:schemeClr>
+            </a:gs>
+            <a:gs pos="100000">
+              <a:schemeClr val="phClr">
+                <a:shade val="63000"/>
+                <a:satMod val="120000"/>
+              </a:schemeClr>
+            </a:gs>
+          </a:gsLst>
+          <a:lin ang="5400000" scaled="0"/>
+        </a:gradFill>
+      </a:bgFillStyleLst>
+    </a:fmtScheme>
+  </a:themeElements>
+  <a:objectDefaults>
+    <a:lnDef>
+      <a:spPr/>
+      <a:bodyPr/>
+      <a:lstStyle/>
+      <a:style>
+        <a:lnRef idx="2">
+          <a:schemeClr val="accent1"/>
+        </a:lnRef>
+        <a:fillRef idx="0">
+          <a:schemeClr val="accent1"/>
+        </a:fillRef>
+        <a:effectRef idx="1">
+          <a:schemeClr val="accent1"/>
+        </a:effectRef>
+        <a:fontRef idx="minor">
+          <a:schemeClr val="tx1"/>
+        </a:fontRef>
+      </a:style>
+    </a:lnDef>
+  </a:objectDefaults>
+  <a:extraClrSchemeLst/>
+  <a:extLst>
+    <a:ext uri="{05A4C25C-085E-4340-85A3-A5531E510DB2}">
+      <thm15:themeFamily xmlns:thm15="http://schemas.microsoft.com/office/thememl/2012/main" name="Office Theme" id="{2E142A2C-CD16-42D6-873A-C26D2A0506FA}" vid="{1BDDFF52-6CD6-40A5-AB3C-68EB2F1E4D0A}"/>
+    </a:ext>
+  </a:extLst>
+</a:theme>
 </file>